--- a/Self-Organizing Networks in LTE.pptx
+++ b/Self-Organizing Networks in LTE.pptx
@@ -188,7 +188,7 @@
           </a:lstStyle>
           <a:p>
             <a:pPr rtl="0"/>
-            <a:endParaRPr lang="it-IT" dirty="0"/>
+            <a:endParaRPr lang="it-IT"/>
           </a:p>
         </p:txBody>
       </p:sp>
@@ -225,7 +225,7 @@
               <a:pPr algn="r" rtl="0"/>
               <a:t>28/02/2018</a:t>
             </a:fld>
-            <a:endParaRPr lang="it-IT" dirty="0"/>
+            <a:endParaRPr lang="it-IT"/>
           </a:p>
         </p:txBody>
       </p:sp>
@@ -257,7 +257,7 @@
           </a:lstStyle>
           <a:p>
             <a:pPr rtl="0"/>
-            <a:endParaRPr lang="it-IT" dirty="0"/>
+            <a:endParaRPr lang="it-IT"/>
           </a:p>
         </p:txBody>
       </p:sp>
@@ -294,7 +294,7 @@
               <a:pPr algn="r" rtl="0"/>
               <a:t>‹N›</a:t>
             </a:fld>
-            <a:endParaRPr lang="it-IT" dirty="0"/>
+            <a:endParaRPr lang="it-IT"/>
           </a:p>
         </p:txBody>
       </p:sp>
@@ -359,7 +359,7 @@
           </a:lstStyle>
           <a:p>
             <a:pPr rtl="0"/>
-            <a:endParaRPr lang="it-IT" noProof="0" dirty="0"/>
+            <a:endParaRPr lang="it-IT" noProof="0"/>
           </a:p>
         </p:txBody>
       </p:sp>
@@ -395,7 +395,7 @@
               <a:pPr/>
               <a:t>28/02/2018</a:t>
             </a:fld>
-            <a:endParaRPr lang="it-IT" dirty="0"/>
+            <a:endParaRPr lang="it-IT"/>
           </a:p>
         </p:txBody>
       </p:sp>
@@ -429,7 +429,7 @@
           <a:lstStyle/>
           <a:p>
             <a:pPr rtl="0"/>
-            <a:endParaRPr lang="it-IT" noProof="0" dirty="0"/>
+            <a:endParaRPr lang="it-IT" noProof="0"/>
           </a:p>
         </p:txBody>
       </p:sp>
@@ -520,7 +520,7 @@
           </a:lstStyle>
           <a:p>
             <a:pPr rtl="0"/>
-            <a:endParaRPr lang="it-IT" noProof="0" dirty="0"/>
+            <a:endParaRPr lang="it-IT" noProof="0"/>
           </a:p>
         </p:txBody>
       </p:sp>
@@ -556,7 +556,7 @@
               <a:pPr/>
               <a:t>‹N›</a:t>
             </a:fld>
-            <a:endParaRPr lang="it-IT" dirty="0"/>
+            <a:endParaRPr lang="it-IT"/>
           </a:p>
         </p:txBody>
       </p:sp>
@@ -1023,7 +1023,7 @@
               <a:pPr/>
               <a:t>28/02/2018</a:t>
             </a:fld>
-            <a:endParaRPr lang="it-IT" dirty="0"/>
+            <a:endParaRPr lang="it-IT"/>
           </a:p>
         </p:txBody>
       </p:sp>
@@ -1049,7 +1049,7 @@
           <a:lstStyle/>
           <a:p>
             <a:pPr rtl="0"/>
-            <a:endParaRPr lang="it-IT" noProof="0" dirty="0"/>
+            <a:endParaRPr lang="it-IT" noProof="0"/>
           </a:p>
         </p:txBody>
       </p:sp>
@@ -1079,7 +1079,7 @@
               <a:rPr lang="it-IT" noProof="0" smtClean="0"/>
               <a:t>‹N›</a:t>
             </a:fld>
-            <a:endParaRPr lang="it-IT" noProof="0" dirty="0"/>
+            <a:endParaRPr lang="it-IT" noProof="0"/>
           </a:p>
         </p:txBody>
       </p:sp>
@@ -1246,7 +1246,7 @@
               <a:pPr/>
               <a:t>28/02/2018</a:t>
             </a:fld>
-            <a:endParaRPr lang="it-IT" dirty="0"/>
+            <a:endParaRPr lang="it-IT"/>
           </a:p>
         </p:txBody>
       </p:sp>
@@ -1272,7 +1272,7 @@
           <a:lstStyle/>
           <a:p>
             <a:pPr rtl="0"/>
-            <a:endParaRPr lang="it-IT" noProof="0" dirty="0"/>
+            <a:endParaRPr lang="it-IT" noProof="0"/>
           </a:p>
         </p:txBody>
       </p:sp>
@@ -1302,7 +1302,7 @@
               <a:pPr/>
               <a:t>‹N›</a:t>
             </a:fld>
-            <a:endParaRPr lang="it-IT" dirty="0"/>
+            <a:endParaRPr lang="it-IT"/>
           </a:p>
         </p:txBody>
       </p:sp>
@@ -1447,7 +1447,7 @@
               <a:pPr/>
               <a:t>28/02/2018</a:t>
             </a:fld>
-            <a:endParaRPr lang="it-IT" dirty="0"/>
+            <a:endParaRPr lang="it-IT"/>
           </a:p>
         </p:txBody>
       </p:sp>
@@ -1473,7 +1473,7 @@
           <a:lstStyle/>
           <a:p>
             <a:pPr rtl="0"/>
-            <a:endParaRPr lang="it-IT" noProof="0" dirty="0"/>
+            <a:endParaRPr lang="it-IT" noProof="0"/>
           </a:p>
         </p:txBody>
       </p:sp>
@@ -1503,7 +1503,7 @@
               <a:rPr lang="it-IT" noProof="0" smtClean="0"/>
               <a:t>‹N›</a:t>
             </a:fld>
-            <a:endParaRPr lang="it-IT" noProof="0" dirty="0"/>
+            <a:endParaRPr lang="it-IT" noProof="0"/>
           </a:p>
         </p:txBody>
       </p:sp>
@@ -1737,7 +1737,7 @@
               <a:pPr/>
               <a:t>28/02/2018</a:t>
             </a:fld>
-            <a:endParaRPr lang="it-IT" dirty="0"/>
+            <a:endParaRPr lang="it-IT"/>
           </a:p>
         </p:txBody>
       </p:sp>
@@ -1763,7 +1763,7 @@
           <a:lstStyle/>
           <a:p>
             <a:pPr rtl="0"/>
-            <a:endParaRPr lang="it-IT" noProof="0" dirty="0"/>
+            <a:endParaRPr lang="it-IT" noProof="0"/>
           </a:p>
         </p:txBody>
       </p:sp>
@@ -1793,7 +1793,7 @@
               <a:rPr lang="it-IT" noProof="0" smtClean="0"/>
               <a:t>‹N›</a:t>
             </a:fld>
-            <a:endParaRPr lang="it-IT" noProof="0" dirty="0"/>
+            <a:endParaRPr lang="it-IT" noProof="0"/>
           </a:p>
         </p:txBody>
       </p:sp>
@@ -2025,7 +2025,6 @@
               <a:rPr lang="it-IT"/>
               <a:t>​</a:t>
             </a:r>
-            <a:endParaRPr lang="it-IT" dirty="0"/>
           </a:p>
         </p:txBody>
       </p:sp>
@@ -2051,7 +2050,7 @@
           <a:lstStyle/>
           <a:p>
             <a:pPr rtl="0"/>
-            <a:endParaRPr lang="it-IT" noProof="0" dirty="0"/>
+            <a:endParaRPr lang="it-IT" noProof="0"/>
           </a:p>
         </p:txBody>
       </p:sp>
@@ -2081,7 +2080,7 @@
               <a:rPr lang="it-IT" noProof="0" smtClean="0"/>
               <a:t>‹N›</a:t>
             </a:fld>
-            <a:endParaRPr lang="it-IT" noProof="0" dirty="0"/>
+            <a:endParaRPr lang="it-IT" noProof="0"/>
           </a:p>
         </p:txBody>
       </p:sp>
@@ -2460,7 +2459,6 @@
               <a:rPr lang="it-IT"/>
               <a:t>​</a:t>
             </a:r>
-            <a:endParaRPr lang="it-IT" dirty="0"/>
           </a:p>
         </p:txBody>
       </p:sp>
@@ -2486,7 +2484,7 @@
           <a:lstStyle/>
           <a:p>
             <a:pPr rtl="0"/>
-            <a:endParaRPr lang="it-IT" noProof="0" dirty="0"/>
+            <a:endParaRPr lang="it-IT" noProof="0"/>
           </a:p>
         </p:txBody>
       </p:sp>
@@ -2516,7 +2514,7 @@
               <a:rPr lang="it-IT" noProof="0" smtClean="0"/>
               <a:t>‹N›</a:t>
             </a:fld>
-            <a:endParaRPr lang="it-IT" noProof="0" dirty="0"/>
+            <a:endParaRPr lang="it-IT" noProof="0"/>
           </a:p>
         </p:txBody>
       </p:sp>
@@ -2616,7 +2614,7 @@
               <a:pPr/>
               <a:t>28/02/2018</a:t>
             </a:fld>
-            <a:endParaRPr lang="it-IT" dirty="0"/>
+            <a:endParaRPr lang="it-IT"/>
           </a:p>
         </p:txBody>
       </p:sp>
@@ -2642,7 +2640,7 @@
           <a:lstStyle/>
           <a:p>
             <a:pPr rtl="0"/>
-            <a:endParaRPr lang="it-IT" noProof="0" dirty="0"/>
+            <a:endParaRPr lang="it-IT" noProof="0"/>
           </a:p>
         </p:txBody>
       </p:sp>
@@ -2672,7 +2670,7 @@
               <a:rPr lang="it-IT" noProof="0" smtClean="0"/>
               <a:t>‹N›</a:t>
             </a:fld>
-            <a:endParaRPr lang="it-IT" noProof="0" dirty="0"/>
+            <a:endParaRPr lang="it-IT" noProof="0"/>
           </a:p>
         </p:txBody>
       </p:sp>
@@ -2744,7 +2742,7 @@
               <a:pPr/>
               <a:t>28/02/2018</a:t>
             </a:fld>
-            <a:endParaRPr lang="it-IT" dirty="0"/>
+            <a:endParaRPr lang="it-IT"/>
           </a:p>
         </p:txBody>
       </p:sp>
@@ -2770,7 +2768,7 @@
           <a:lstStyle/>
           <a:p>
             <a:pPr rtl="0"/>
-            <a:endParaRPr lang="it-IT" noProof="0" dirty="0"/>
+            <a:endParaRPr lang="it-IT" noProof="0"/>
           </a:p>
         </p:txBody>
       </p:sp>
@@ -2800,7 +2798,7 @@
               <a:pPr/>
               <a:t>‹N›</a:t>
             </a:fld>
-            <a:endParaRPr lang="it-IT" dirty="0"/>
+            <a:endParaRPr lang="it-IT"/>
           </a:p>
         </p:txBody>
       </p:sp>
@@ -3058,7 +3056,7 @@
               <a:pPr/>
               <a:t>28/02/2018</a:t>
             </a:fld>
-            <a:endParaRPr lang="it-IT" dirty="0"/>
+            <a:endParaRPr lang="it-IT"/>
           </a:p>
         </p:txBody>
       </p:sp>
@@ -3084,7 +3082,7 @@
           <a:lstStyle/>
           <a:p>
             <a:pPr rtl="0"/>
-            <a:endParaRPr lang="it-IT" noProof="0" dirty="0"/>
+            <a:endParaRPr lang="it-IT" noProof="0"/>
           </a:p>
         </p:txBody>
       </p:sp>
@@ -3114,7 +3112,7 @@
               <a:rPr lang="it-IT" noProof="0" smtClean="0"/>
               <a:t>‹N›</a:t>
             </a:fld>
-            <a:endParaRPr lang="it-IT" noProof="0" dirty="0"/>
+            <a:endParaRPr lang="it-IT" noProof="0"/>
           </a:p>
         </p:txBody>
       </p:sp>
@@ -3361,7 +3359,7 @@
               <a:pPr/>
               <a:t>28/02/2018</a:t>
             </a:fld>
-            <a:endParaRPr lang="it-IT" dirty="0"/>
+            <a:endParaRPr lang="it-IT"/>
           </a:p>
         </p:txBody>
       </p:sp>
@@ -3387,7 +3385,7 @@
           <a:lstStyle/>
           <a:p>
             <a:pPr rtl="0"/>
-            <a:endParaRPr lang="it-IT" noProof="0" dirty="0"/>
+            <a:endParaRPr lang="it-IT" noProof="0"/>
           </a:p>
         </p:txBody>
       </p:sp>
@@ -3418,7 +3416,7 @@
               <a:pPr rtl="0"/>
               <a:t>‹N›</a:t>
             </a:fld>
-            <a:endParaRPr lang="it-IT" noProof="0" dirty="0"/>
+            <a:endParaRPr lang="it-IT" noProof="0"/>
           </a:p>
         </p:txBody>
       </p:sp>
@@ -3618,7 +3616,7 @@
               <a:pPr/>
               <a:t>28/02/2018</a:t>
             </a:fld>
-            <a:endParaRPr lang="it-IT" dirty="0"/>
+            <a:endParaRPr lang="it-IT"/>
           </a:p>
         </p:txBody>
       </p:sp>
@@ -3662,7 +3660,7 @@
           </a:lstStyle>
           <a:p>
             <a:pPr rtl="0"/>
-            <a:endParaRPr lang="it-IT" noProof="0" dirty="0"/>
+            <a:endParaRPr lang="it-IT" noProof="0"/>
           </a:p>
         </p:txBody>
       </p:sp>
@@ -3710,7 +3708,7 @@
               <a:pPr/>
               <a:t>‹N›</a:t>
             </a:fld>
-            <a:endParaRPr lang="it-IT" dirty="0"/>
+            <a:endParaRPr lang="it-IT"/>
           </a:p>
         </p:txBody>
       </p:sp>
@@ -4079,7 +4077,7 @@
           <a:lstStyle/>
           <a:p>
             <a:r>
-              <a:rPr lang="en-US" dirty="0"/>
+              <a:rPr lang="en-US"/>
               <a:t>Self-Organizing Networks in LTE:</a:t>
             </a:r>
           </a:p>
@@ -4101,11 +4099,11 @@
           <a:lstStyle/>
           <a:p>
             <a:r>
-              <a:rPr lang="en-US" dirty="0"/>
+              <a:rPr lang="en-US"/>
               <a:t>a Q-learning Approach</a:t>
             </a:r>
             <a:r>
-              <a:rPr lang="it-IT" dirty="0"/>
+              <a:rPr lang="it-IT"/>
               <a:t> to ABS Optimization</a:t>
             </a:r>
           </a:p>
@@ -4176,15 +4174,15 @@
           <a:p>
             <a:pPr algn="ctr"/>
             <a:r>
-              <a:rPr lang="it-IT" dirty="0"/>
+              <a:rPr lang="it-IT"/>
               <a:t>Self-</a:t>
             </a:r>
             <a:r>
-              <a:rPr lang="it-IT" dirty="0" err="1"/>
+              <a:rPr lang="it-IT" err="1"/>
               <a:t>Organizing</a:t>
             </a:r>
             <a:r>
-              <a:rPr lang="it-IT" dirty="0"/>
+              <a:rPr lang="it-IT"/>
               <a:t> Networks (SON)</a:t>
             </a:r>
           </a:p>
@@ -4213,117 +4211,117 @@
           <a:p>
             <a:pPr algn="just"/>
             <a:r>
-              <a:rPr lang="en-US" dirty="0"/>
+              <a:rPr lang="en-US"/>
               <a:t>In 2016, global mobile data traffic amounted to 7 exabytes (EB) per month; </a:t>
             </a:r>
           </a:p>
           <a:p>
             <a:pPr algn="just"/>
             <a:r>
-              <a:rPr lang="en-US" dirty="0"/>
+              <a:rPr lang="en-US"/>
               <a:t>in 2021, mobile data traffic worldwide is expected to reach 49 EB per month at a compound annual growth rate of 47%;</a:t>
             </a:r>
           </a:p>
           <a:p>
             <a:pPr algn="just"/>
             <a:r>
-              <a:rPr lang="en-US" dirty="0"/>
+              <a:rPr lang="en-US"/>
               <a:t>To keep the pace of this incoming scenario, an efficient solution is needed: exploit </a:t>
             </a:r>
             <a:r>
-              <a:rPr lang="it-IT" dirty="0" err="1"/>
+              <a:rPr lang="it-IT" err="1"/>
               <a:t>heterogeneous</a:t>
             </a:r>
             <a:r>
-              <a:rPr lang="it-IT" dirty="0"/>
+              <a:rPr lang="it-IT"/>
               <a:t> networks (</a:t>
             </a:r>
             <a:r>
-              <a:rPr lang="it-IT" dirty="0" err="1"/>
+              <a:rPr lang="it-IT" err="1"/>
               <a:t>HetNet</a:t>
             </a:r>
             <a:r>
-              <a:rPr lang="it-IT" dirty="0"/>
+              <a:rPr lang="it-IT"/>
               <a:t>) and make the systems more </a:t>
             </a:r>
             <a:r>
-              <a:rPr lang="it-IT" dirty="0" err="1"/>
+              <a:rPr lang="it-IT" err="1"/>
               <a:t>autonomous</a:t>
             </a:r>
             <a:r>
-              <a:rPr lang="it-IT" dirty="0"/>
+              <a:rPr lang="it-IT"/>
               <a:t> and </a:t>
             </a:r>
             <a:r>
-              <a:rPr lang="it-IT" dirty="0" err="1"/>
+              <a:rPr lang="it-IT" err="1"/>
               <a:t>automated</a:t>
             </a:r>
             <a:r>
-              <a:rPr lang="it-IT" dirty="0"/>
+              <a:rPr lang="it-IT"/>
               <a:t>; </a:t>
             </a:r>
-            <a:endParaRPr lang="en-US" dirty="0"/>
+            <a:endParaRPr lang="en-US"/>
           </a:p>
           <a:p>
             <a:pPr algn="just"/>
             <a:r>
-              <a:rPr lang="it-IT" dirty="0"/>
+              <a:rPr lang="it-IT"/>
               <a:t>The </a:t>
             </a:r>
             <a:r>
-              <a:rPr lang="it-IT" dirty="0" err="1"/>
+              <a:rPr lang="it-IT" err="1"/>
               <a:t>concept</a:t>
             </a:r>
             <a:r>
-              <a:rPr lang="it-IT" dirty="0"/>
+              <a:rPr lang="it-IT"/>
               <a:t> of Self-</a:t>
             </a:r>
             <a:r>
-              <a:rPr lang="it-IT" dirty="0" err="1"/>
+              <a:rPr lang="it-IT" err="1"/>
               <a:t>Organizing</a:t>
             </a:r>
             <a:r>
-              <a:rPr lang="it-IT" dirty="0"/>
+              <a:rPr lang="it-IT"/>
               <a:t> Networks (SON) </a:t>
             </a:r>
             <a:r>
-              <a:rPr lang="it-IT" dirty="0" err="1"/>
+              <a:rPr lang="it-IT" err="1"/>
               <a:t>is</a:t>
             </a:r>
             <a:r>
-              <a:rPr lang="it-IT" dirty="0"/>
+              <a:rPr lang="it-IT"/>
               <a:t> a </a:t>
             </a:r>
             <a:r>
-              <a:rPr lang="it-IT" dirty="0" err="1"/>
+              <a:rPr lang="it-IT" err="1"/>
               <a:t>possible</a:t>
             </a:r>
             <a:r>
-              <a:rPr lang="it-IT" dirty="0"/>
+              <a:rPr lang="it-IT"/>
               <a:t> </a:t>
             </a:r>
             <a:r>
-              <a:rPr lang="it-IT" dirty="0" err="1"/>
+              <a:rPr lang="it-IT" err="1"/>
               <a:t>approach</a:t>
             </a:r>
             <a:r>
-              <a:rPr lang="it-IT" dirty="0"/>
+              <a:rPr lang="it-IT"/>
               <a:t> to achive </a:t>
             </a:r>
             <a:r>
-              <a:rPr lang="it-IT" dirty="0" err="1"/>
+              <a:rPr lang="it-IT" err="1"/>
               <a:t>these</a:t>
             </a:r>
             <a:r>
-              <a:rPr lang="it-IT" dirty="0"/>
+              <a:rPr lang="it-IT"/>
               <a:t> </a:t>
             </a:r>
             <a:r>
-              <a:rPr lang="it-IT" dirty="0" err="1"/>
+              <a:rPr lang="it-IT" err="1"/>
               <a:t>goals</a:t>
             </a:r>
             <a:r>
-              <a:rPr lang="it-IT" dirty="0"/>
+              <a:rPr lang="it-IT"/>
               <a:t>. </a:t>
             </a:r>
           </a:p>
@@ -4403,13 +4401,13 @@
               <a:buChar char="•"/>
             </a:pPr>
             <a:r>
-              <a:rPr lang="en-US" sz="2800" dirty="0"/>
+              <a:rPr lang="en-US" sz="2800"/>
               <a:t>The SON functions are usually categorized into three main groups:</a:t>
             </a:r>
           </a:p>
           <a:p>
             <a:pPr algn="just"/>
-            <a:endParaRPr lang="en-US" dirty="0"/>
+            <a:endParaRPr lang="en-US"/>
           </a:p>
           <a:p>
             <a:pPr marL="742950" lvl="1" indent="-285750" algn="just">
@@ -4417,7 +4415,7 @@
               <a:buChar char="•"/>
             </a:pPr>
             <a:r>
-              <a:rPr lang="en-US" sz="2000" dirty="0"/>
+              <a:rPr lang="en-US" sz="2000"/>
               <a:t>Self-Planning: identify the parameter settings of new network elements; </a:t>
             </a:r>
           </a:p>
@@ -4427,7 +4425,7 @@
               <a:buChar char="•"/>
             </a:pPr>
             <a:r>
-              <a:rPr lang="en-US" sz="2000" dirty="0"/>
+              <a:rPr lang="en-US" sz="2000"/>
               <a:t>Self-Deployment: make a “plug and play” approach for each new node;</a:t>
             </a:r>
           </a:p>
@@ -4437,7 +4435,7 @@
               <a:buChar char="•"/>
             </a:pPr>
             <a:r>
-              <a:rPr lang="en-US" sz="2000" dirty="0"/>
+              <a:rPr lang="en-US" sz="2000"/>
               <a:t>Self-Healing: execute routine actions that keep the network operational and prevent problems;</a:t>
             </a:r>
           </a:p>
@@ -4447,33 +4445,33 @@
               <a:buChar char="•"/>
             </a:pPr>
             <a:r>
-              <a:rPr lang="en-US" sz="2000" dirty="0"/>
+              <a:rPr lang="en-US" sz="2000"/>
               <a:t>Self-Optimization: collect performance indicators from User </a:t>
             </a:r>
             <a:r>
-              <a:rPr lang="en-US" sz="2000" dirty="0" err="1"/>
+              <a:rPr lang="en-US" sz="2000" err="1"/>
               <a:t>Equipments</a:t>
             </a:r>
             <a:r>
-              <a:rPr lang="en-US" sz="2000" dirty="0"/>
+              <a:rPr lang="en-US" sz="2000"/>
               <a:t> (UEs) and the base stations (</a:t>
             </a:r>
             <a:r>
-              <a:rPr lang="en-US" sz="2000" dirty="0" err="1"/>
+              <a:rPr lang="en-US" sz="2000" err="1"/>
               <a:t>eNodeB</a:t>
             </a:r>
             <a:r>
-              <a:rPr lang="en-US" sz="2000" dirty="0"/>
+              <a:rPr lang="en-US" sz="2000"/>
               <a:t>) to auto-tune </a:t>
             </a:r>
             <a:r>
-              <a:rPr lang="it-IT" sz="2000" dirty="0"/>
+              <a:rPr lang="it-IT" sz="2000"/>
               <a:t>the network settings.</a:t>
             </a:r>
           </a:p>
           <a:p>
             <a:pPr algn="just"/>
-            <a:endParaRPr lang="it-IT" sz="2000" dirty="0"/>
+            <a:endParaRPr lang="it-IT" sz="2000"/>
           </a:p>
           <a:p>
             <a:pPr marL="285750" indent="-285750" algn="just">
@@ -4481,8 +4479,8 @@
               <a:buChar char="•"/>
             </a:pPr>
             <a:r>
-              <a:rPr lang="en-US" sz="2800" dirty="0"/>
-              <a:t>The paper is focused on the last point of the list, precisely on the improvement of the signal quality and so of the throughput in a LTE system;</a:t>
+              <a:rPr lang="en-US" sz="2800"/>
+              <a:t>The paper is focused on the last point of the list, precisely on the improvement of the signal quality and so of the throughput, in a LTE system;</a:t>
             </a:r>
           </a:p>
           <a:p>
@@ -4491,41 +4489,41 @@
               <a:buChar char="•"/>
             </a:pPr>
             <a:r>
-              <a:rPr lang="en-US" sz="2800" dirty="0"/>
+              <a:rPr lang="en-US" sz="2800"/>
               <a:t>We aim to minimize the interference in a </a:t>
             </a:r>
             <a:r>
-              <a:rPr lang="en-US" sz="2800" dirty="0" err="1"/>
+              <a:rPr lang="en-US" sz="2800" err="1"/>
               <a:t>HetNet</a:t>
             </a:r>
             <a:r>
-              <a:rPr lang="en-US" sz="2800" dirty="0"/>
+              <a:rPr lang="en-US" sz="2800"/>
               <a:t>, made of micro and macro cells, with an adaptive coordination in downlink transmissions of the antennas, controlling </a:t>
             </a:r>
             <a:r>
-              <a:rPr lang="it-IT" sz="2800" dirty="0"/>
+              <a:rPr lang="it-IT" sz="2800"/>
               <a:t>the </a:t>
             </a:r>
             <a:r>
-              <a:rPr lang="it-IT" sz="2800" dirty="0" err="1"/>
+              <a:rPr lang="it-IT" sz="2800" err="1"/>
               <a:t>transmit</a:t>
             </a:r>
             <a:r>
-              <a:rPr lang="it-IT" sz="2800" dirty="0"/>
+              <a:rPr lang="it-IT" sz="2800"/>
               <a:t> power </a:t>
             </a:r>
             <a:r>
-              <a:rPr lang="it-IT" sz="2800" dirty="0" err="1"/>
+              <a:rPr lang="it-IT" sz="2800" err="1"/>
               <a:t>patterns</a:t>
             </a:r>
             <a:r>
-              <a:rPr lang="it-IT" sz="2800" dirty="0"/>
+              <a:rPr lang="it-IT" sz="2800"/>
               <a:t>.</a:t>
             </a:r>
-            <a:endParaRPr lang="en-US" sz="2800" dirty="0"/>
-          </a:p>
-          <a:p>
-            <a:endParaRPr lang="it-IT" dirty="0"/>
+            <a:endParaRPr lang="en-US" sz="2800"/>
+          </a:p>
+          <a:p>
+            <a:endParaRPr lang="it-IT"/>
           </a:p>
         </p:txBody>
       </p:sp>
@@ -4600,18 +4598,18 @@
           <a:lstStyle/>
           <a:p>
             <a:r>
-              <a:rPr lang="en-US" sz="3800" dirty="0"/>
+              <a:rPr lang="en-US" sz="3800"/>
               <a:t>Enhanced Inter Cell Interference Coordination (</a:t>
             </a:r>
             <a:r>
-              <a:rPr lang="en-US" sz="3800" dirty="0" err="1"/>
+              <a:rPr lang="en-GB" sz="3800" err="1"/>
               <a:t>eICIC</a:t>
             </a:r>
             <a:r>
-              <a:rPr lang="en-US" sz="3800" dirty="0"/>
+              <a:rPr lang="en-US" sz="3800"/>
               <a:t>)</a:t>
             </a:r>
-            <a:endParaRPr lang="it-IT" sz="3800" dirty="0"/>
+            <a:endParaRPr lang="it-IT" sz="3800"/>
           </a:p>
         </p:txBody>
       </p:sp>
@@ -4638,7 +4636,9 @@
           </a:xfrm>
         </p:spPr>
         <p:txBody>
-          <a:bodyPr/>
+          <a:bodyPr>
+            <a:normAutofit fontScale="92500" lnSpcReduction="20000"/>
+          </a:bodyPr>
           <a:lstStyle/>
           <a:p>
             <a:r>
@@ -4651,7 +4651,15 @@
             </a:r>
             <a:r>
               <a:rPr lang="it-IT" dirty="0"/>
-              <a:t> are low power </a:t>
+              <a:t> (</a:t>
+            </a:r>
+            <a:r>
+              <a:rPr lang="it-IT" dirty="0" err="1"/>
+              <a:t>radius</a:t>
+            </a:r>
+            <a:r>
+              <a:rPr lang="it-IT" dirty="0"/>
+              <a:t> 10-300m) are low power </a:t>
             </a:r>
             <a:r>
               <a:rPr lang="it-IT" dirty="0" err="1"/>
@@ -4659,11 +4667,59 @@
             </a:r>
             <a:r>
               <a:rPr lang="it-IT" dirty="0"/>
-              <a:t>, </a:t>
+              <a:t> and </a:t>
             </a:r>
             <a:r>
               <a:rPr lang="it-IT" dirty="0" err="1"/>
-              <a:t>however</a:t>
+              <a:t>provide</a:t>
+            </a:r>
+            <a:r>
+              <a:rPr lang="it-IT" dirty="0"/>
+              <a:t> high </a:t>
+            </a:r>
+            <a:r>
+              <a:rPr lang="it-IT" dirty="0" err="1"/>
+              <a:t>capacity</a:t>
+            </a:r>
+            <a:r>
+              <a:rPr lang="it-IT" dirty="0"/>
+              <a:t> to </a:t>
+            </a:r>
+            <a:r>
+              <a:rPr lang="it-IT" dirty="0" err="1"/>
+              <a:t>UEs</a:t>
+            </a:r>
+            <a:r>
+              <a:rPr lang="it-IT" dirty="0"/>
+              <a:t>. Macro </a:t>
+            </a:r>
+            <a:r>
+              <a:rPr lang="it-IT" dirty="0" err="1"/>
+              <a:t>cells</a:t>
+            </a:r>
+            <a:r>
+              <a:rPr lang="it-IT" dirty="0"/>
+              <a:t> (</a:t>
+            </a:r>
+            <a:r>
+              <a:rPr lang="it-IT" dirty="0" err="1"/>
+              <a:t>radius</a:t>
+            </a:r>
+            <a:r>
+              <a:rPr lang="it-IT" dirty="0"/>
+              <a:t> up to 20km) are high power </a:t>
+            </a:r>
+            <a:r>
+              <a:rPr lang="it-IT" dirty="0" err="1"/>
+              <a:t>nodes</a:t>
+            </a:r>
+            <a:r>
+              <a:rPr lang="it-IT" dirty="0"/>
+              <a:t> with a </a:t>
+            </a:r>
+            <a:r>
+              <a:rPr lang="it-IT" dirty="0" err="1"/>
+              <a:t>smaller</a:t>
             </a:r>
             <a:r>
               <a:rPr lang="it-IT" dirty="0"/>
@@ -4671,11 +4727,295 @@
             </a:r>
             <a:r>
               <a:rPr lang="it-IT" dirty="0" err="1"/>
-              <a:t>they</a:t>
+              <a:t>capacity</a:t>
+            </a:r>
+            <a:r>
+              <a:rPr lang="it-IT" dirty="0"/>
+              <a:t>.</a:t>
+            </a:r>
+          </a:p>
+          <a:p>
+            <a:r>
+              <a:rPr lang="it-IT" dirty="0" err="1"/>
+              <a:t>Since</a:t>
             </a:r>
             <a:r>
               <a:rPr lang="it-IT" dirty="0"/>
               <a:t> </a:t>
+            </a:r>
+            <a:r>
+              <a:rPr lang="it-IT" dirty="0" err="1"/>
+              <a:t>they</a:t>
+            </a:r>
+            <a:r>
+              <a:rPr lang="it-IT" dirty="0"/>
+              <a:t> share the </a:t>
+            </a:r>
+            <a:r>
+              <a:rPr lang="it-IT" dirty="0" err="1"/>
+              <a:t>same</a:t>
+            </a:r>
+            <a:r>
+              <a:rPr lang="it-IT" dirty="0"/>
+              <a:t> </a:t>
+            </a:r>
+            <a:r>
+              <a:rPr lang="it-IT" dirty="0" err="1"/>
+              <a:t>frequencies</a:t>
+            </a:r>
+            <a:r>
+              <a:rPr lang="it-IT" dirty="0"/>
+              <a:t>, the </a:t>
+            </a:r>
+            <a:r>
+              <a:rPr lang="it-IT" dirty="0" err="1"/>
+              <a:t>latter</a:t>
+            </a:r>
+            <a:r>
+              <a:rPr lang="it-IT" dirty="0"/>
+              <a:t> </a:t>
+            </a:r>
+            <a:r>
+              <a:rPr lang="it-IT" dirty="0" err="1"/>
+              <a:t>severly</a:t>
+            </a:r>
+            <a:r>
+              <a:rPr lang="it-IT" dirty="0"/>
+              <a:t> </a:t>
+            </a:r>
+            <a:r>
+              <a:rPr lang="it-IT" dirty="0" err="1"/>
+              <a:t>degredes</a:t>
+            </a:r>
+            <a:r>
+              <a:rPr lang="it-IT" dirty="0"/>
+              <a:t> the </a:t>
+            </a:r>
+            <a:r>
+              <a:rPr lang="it-IT" dirty="0" err="1"/>
+              <a:t>downlink</a:t>
+            </a:r>
+            <a:r>
+              <a:rPr lang="it-IT" dirty="0"/>
+              <a:t> transmission of the </a:t>
+            </a:r>
+            <a:r>
+              <a:rPr lang="it-IT" dirty="0" err="1"/>
+              <a:t>former</a:t>
+            </a:r>
+            <a:r>
+              <a:rPr lang="it-IT" dirty="0"/>
+              <a:t>.</a:t>
+            </a:r>
+          </a:p>
+          <a:p>
+            <a:r>
+              <a:rPr lang="it-IT" dirty="0"/>
+              <a:t>An UE </a:t>
+            </a:r>
+            <a:r>
+              <a:rPr lang="it-IT" dirty="0" err="1"/>
+              <a:t>might</a:t>
+            </a:r>
+            <a:r>
+              <a:rPr lang="it-IT" dirty="0"/>
+              <a:t> </a:t>
+            </a:r>
+            <a:r>
+              <a:rPr lang="it-IT" dirty="0" err="1"/>
+              <a:t>connect</a:t>
+            </a:r>
+            <a:r>
+              <a:rPr lang="it-IT" dirty="0"/>
+              <a:t> to a macro </a:t>
+            </a:r>
+            <a:r>
+              <a:rPr lang="it-IT" dirty="0" err="1"/>
+              <a:t>instead</a:t>
+            </a:r>
+            <a:r>
+              <a:rPr lang="it-IT" dirty="0"/>
+              <a:t> to a micro, </a:t>
+            </a:r>
+            <a:r>
+              <a:rPr lang="it-IT" dirty="0" err="1"/>
+              <a:t>that</a:t>
+            </a:r>
+            <a:r>
+              <a:rPr lang="it-IT" dirty="0"/>
+              <a:t> </a:t>
+            </a:r>
+            <a:r>
+              <a:rPr lang="it-IT" dirty="0" err="1"/>
+              <a:t>offers</a:t>
+            </a:r>
+            <a:r>
+              <a:rPr lang="it-IT" dirty="0"/>
+              <a:t> </a:t>
+            </a:r>
+            <a:r>
+              <a:rPr lang="it-IT" dirty="0" err="1"/>
+              <a:t>better</a:t>
+            </a:r>
+            <a:r>
+              <a:rPr lang="it-IT" dirty="0"/>
+              <a:t> </a:t>
+            </a:r>
+            <a:r>
+              <a:rPr lang="it-IT" dirty="0" err="1"/>
+              <a:t>perfomances</a:t>
+            </a:r>
+            <a:r>
+              <a:rPr lang="it-IT" dirty="0"/>
+              <a:t>, </a:t>
+            </a:r>
+            <a:r>
+              <a:rPr lang="it-IT" dirty="0" err="1"/>
+              <a:t>because</a:t>
+            </a:r>
+            <a:r>
+              <a:rPr lang="it-IT" dirty="0"/>
+              <a:t> </a:t>
+            </a:r>
+            <a:r>
+              <a:rPr lang="it-IT" dirty="0" err="1"/>
+              <a:t>it</a:t>
+            </a:r>
+            <a:r>
+              <a:rPr lang="it-IT" dirty="0"/>
+              <a:t> </a:t>
+            </a:r>
+            <a:r>
+              <a:rPr lang="it-IT" dirty="0" err="1"/>
+              <a:t>senses</a:t>
+            </a:r>
+            <a:r>
+              <a:rPr lang="it-IT" dirty="0"/>
+              <a:t> a </a:t>
+            </a:r>
+            <a:r>
+              <a:rPr lang="it-IT" dirty="0" err="1"/>
+              <a:t>stronger</a:t>
+            </a:r>
+            <a:r>
+              <a:rPr lang="it-IT" dirty="0"/>
+              <a:t> </a:t>
+            </a:r>
+            <a:r>
+              <a:rPr lang="it-IT" dirty="0" err="1"/>
+              <a:t>received</a:t>
+            </a:r>
+            <a:r>
+              <a:rPr lang="it-IT" dirty="0"/>
+              <a:t> power from high-power </a:t>
+            </a:r>
+            <a:r>
+              <a:rPr lang="it-IT" dirty="0" err="1"/>
+              <a:t>node</a:t>
+            </a:r>
+            <a:r>
+              <a:rPr lang="it-IT" dirty="0"/>
+              <a:t>.</a:t>
+            </a:r>
+          </a:p>
+          <a:p>
+            <a:r>
+              <a:rPr lang="en-US" dirty="0"/>
+              <a:t>The solution to that, implemented in LTE 3GPP standard, is known as enhanced Inter Cell Interference Coordination (</a:t>
+            </a:r>
+            <a:r>
+              <a:rPr lang="en-US" dirty="0" err="1"/>
+              <a:t>eICIC</a:t>
+            </a:r>
+            <a:r>
+              <a:rPr lang="en-US" dirty="0"/>
+              <a:t>) and macro gets silent for an amount of time called </a:t>
+            </a:r>
+            <a:r>
+              <a:rPr lang="it-IT" dirty="0" err="1"/>
+              <a:t>Almost</a:t>
+            </a:r>
+            <a:r>
+              <a:rPr lang="it-IT" dirty="0"/>
+              <a:t> </a:t>
+            </a:r>
+            <a:r>
+              <a:rPr lang="it-IT" dirty="0" err="1"/>
+              <a:t>Blank</a:t>
+            </a:r>
+            <a:r>
+              <a:rPr lang="it-IT" dirty="0"/>
+              <a:t> </a:t>
+            </a:r>
+            <a:r>
+              <a:rPr lang="it-IT" dirty="0" err="1"/>
+              <a:t>Subframe</a:t>
+            </a:r>
+            <a:r>
+              <a:rPr lang="it-IT" dirty="0"/>
+              <a:t> (ABS).</a:t>
+            </a:r>
+          </a:p>
+          <a:p>
+            <a:r>
+              <a:rPr lang="it-IT" dirty="0"/>
+              <a:t>So the </a:t>
+            </a:r>
+            <a:r>
+              <a:rPr lang="it-IT" dirty="0" err="1"/>
+              <a:t>challenge</a:t>
+            </a:r>
+            <a:r>
+              <a:rPr lang="it-IT" dirty="0"/>
+              <a:t> </a:t>
+            </a:r>
+            <a:r>
+              <a:rPr lang="it-IT" dirty="0" err="1"/>
+              <a:t>is</a:t>
+            </a:r>
+            <a:r>
+              <a:rPr lang="it-IT" dirty="0"/>
+              <a:t> to </a:t>
+            </a:r>
+            <a:r>
+              <a:rPr lang="it-IT" dirty="0" err="1"/>
+              <a:t>find</a:t>
+            </a:r>
+            <a:r>
+              <a:rPr lang="it-IT" dirty="0"/>
+              <a:t> the </a:t>
+            </a:r>
+            <a:r>
+              <a:rPr lang="it-IT" dirty="0" err="1"/>
+              <a:t>optimal</a:t>
+            </a:r>
+            <a:r>
+              <a:rPr lang="it-IT" dirty="0"/>
+              <a:t> </a:t>
+            </a:r>
+            <a:r>
+              <a:rPr lang="it-IT" dirty="0" err="1"/>
+              <a:t>number</a:t>
+            </a:r>
+            <a:r>
+              <a:rPr lang="it-IT" dirty="0"/>
+              <a:t> and pattern of ABS in a frame to </a:t>
+            </a:r>
+            <a:r>
+              <a:rPr lang="it-IT" dirty="0" err="1"/>
+              <a:t>improve</a:t>
+            </a:r>
+            <a:r>
+              <a:rPr lang="it-IT" dirty="0"/>
+              <a:t> the </a:t>
+            </a:r>
+            <a:r>
+              <a:rPr lang="it-IT" dirty="0" err="1"/>
+              <a:t>involved</a:t>
+            </a:r>
+            <a:r>
+              <a:rPr lang="it-IT" dirty="0"/>
+              <a:t> system.</a:t>
             </a:r>
           </a:p>
         </p:txBody>
@@ -5519,6 +5859,142 @@
 </file>
 
 <file path=customXml/item1.xml><?xml version="1.0" encoding="utf-8"?>
+<?mso-contentType ?>
+<FormTemplates xmlns="http://schemas.microsoft.com/sharepoint/v3/contenttype/forms">
+  <Display>DocumentLibraryForm</Display>
+  <Edit>AssetEditForm</Edit>
+  <New>DocumentLibraryForm</New>
+</FormTemplates>
+</file>
+
+<file path=customXml/item2.xml><?xml version="1.0" encoding="utf-8"?>
+<p:properties xmlns:p="http://schemas.microsoft.com/office/2006/metadata/properties" xmlns:xsi="http://www.w3.org/2001/XMLSchema-instance" xmlns:pc="http://schemas.microsoft.com/office/infopath/2007/PartnerControls">
+  <documentManagement>
+    <DirectSourceMarket xmlns="4873beb7-5857-4685-be1f-d57550cc96cc" xsi:nil="true"/>
+    <ApprovalStatus xmlns="4873beb7-5857-4685-be1f-d57550cc96cc">InProgress</ApprovalStatus>
+    <MarketSpecific xmlns="4873beb7-5857-4685-be1f-d57550cc96cc">false</MarketSpecific>
+    <LocComments xmlns="4873beb7-5857-4685-be1f-d57550cc96cc" xsi:nil="true"/>
+    <ThumbnailAssetId xmlns="4873beb7-5857-4685-be1f-d57550cc96cc" xsi:nil="true"/>
+    <PrimaryImageGen xmlns="4873beb7-5857-4685-be1f-d57550cc96cc">true</PrimaryImageGen>
+    <LegacyData xmlns="4873beb7-5857-4685-be1f-d57550cc96cc" xsi:nil="true"/>
+    <LocRecommendedHandoff xmlns="4873beb7-5857-4685-be1f-d57550cc96cc" xsi:nil="true"/>
+    <BusinessGroup xmlns="4873beb7-5857-4685-be1f-d57550cc96cc" xsi:nil="true"/>
+    <BlockPublish xmlns="4873beb7-5857-4685-be1f-d57550cc96cc">false</BlockPublish>
+    <TPFriendlyName xmlns="4873beb7-5857-4685-be1f-d57550cc96cc" xsi:nil="true"/>
+    <NumericId xmlns="4873beb7-5857-4685-be1f-d57550cc96cc" xsi:nil="true"/>
+    <APEditor xmlns="4873beb7-5857-4685-be1f-d57550cc96cc">
+      <UserInfo>
+        <DisplayName/>
+        <AccountId xsi:nil="true"/>
+        <AccountType/>
+      </UserInfo>
+    </APEditor>
+    <SourceTitle xmlns="4873beb7-5857-4685-be1f-d57550cc96cc" xsi:nil="true"/>
+    <OpenTemplate xmlns="4873beb7-5857-4685-be1f-d57550cc96cc">true</OpenTemplate>
+    <UALocComments xmlns="4873beb7-5857-4685-be1f-d57550cc96cc" xsi:nil="true"/>
+    <ParentAssetId xmlns="4873beb7-5857-4685-be1f-d57550cc96cc" xsi:nil="true"/>
+    <IntlLangReviewDate xmlns="4873beb7-5857-4685-be1f-d57550cc96cc" xsi:nil="true"/>
+    <FeatureTagsTaxHTField0 xmlns="4873beb7-5857-4685-be1f-d57550cc96cc">
+      <Terms xmlns="http://schemas.microsoft.com/office/infopath/2007/PartnerControls"/>
+    </FeatureTagsTaxHTField0>
+    <PublishStatusLookup xmlns="4873beb7-5857-4685-be1f-d57550cc96cc">
+      <Value>1564227</Value>
+    </PublishStatusLookup>
+    <Providers xmlns="4873beb7-5857-4685-be1f-d57550cc96cc" xsi:nil="true"/>
+    <MachineTranslated xmlns="4873beb7-5857-4685-be1f-d57550cc96cc">false</MachineTranslated>
+    <OriginalSourceMarket xmlns="4873beb7-5857-4685-be1f-d57550cc96cc" xsi:nil="true"/>
+    <APDescription xmlns="4873beb7-5857-4685-be1f-d57550cc96cc">Take your audience through a digital tunnel where they'll  burst through to the other side and see the information you want to present. Show them lists, charts, tables, SmartArt,  and pictures using a variety of layouts in widescreen (16X9) format. This design works well for subjects on science and technology, computers, communication, and more.   
+</APDescription>
+    <ClipArtFilename xmlns="4873beb7-5857-4685-be1f-d57550cc96cc" xsi:nil="true"/>
+    <ContentItem xmlns="4873beb7-5857-4685-be1f-d57550cc96cc" xsi:nil="true"/>
+    <TPInstallLocation xmlns="4873beb7-5857-4685-be1f-d57550cc96cc" xsi:nil="true"/>
+    <PublishTargets xmlns="4873beb7-5857-4685-be1f-d57550cc96cc">OfficeOnlineVNext</PublishTargets>
+    <TimesCloned xmlns="4873beb7-5857-4685-be1f-d57550cc96cc" xsi:nil="true"/>
+    <AssetStart xmlns="4873beb7-5857-4685-be1f-d57550cc96cc">2012-05-11T02:04:00+00:00</AssetStart>
+    <Provider xmlns="4873beb7-5857-4685-be1f-d57550cc96cc" xsi:nil="true"/>
+    <AcquiredFrom xmlns="4873beb7-5857-4685-be1f-d57550cc96cc">Internal MS</AcquiredFrom>
+    <FriendlyTitle xmlns="4873beb7-5857-4685-be1f-d57550cc96cc" xsi:nil="true"/>
+    <LastHandOff xmlns="4873beb7-5857-4685-be1f-d57550cc96cc" xsi:nil="true"/>
+    <TPClientViewer xmlns="4873beb7-5857-4685-be1f-d57550cc96cc" xsi:nil="true"/>
+    <UACurrentWords xmlns="4873beb7-5857-4685-be1f-d57550cc96cc" xsi:nil="true"/>
+    <ArtSampleDocs xmlns="4873beb7-5857-4685-be1f-d57550cc96cc" xsi:nil="true"/>
+    <UALocRecommendation xmlns="4873beb7-5857-4685-be1f-d57550cc96cc">Localize</UALocRecommendation>
+    <Manager xmlns="4873beb7-5857-4685-be1f-d57550cc96cc" xsi:nil="true"/>
+    <ShowIn xmlns="4873beb7-5857-4685-be1f-d57550cc96cc">Show everywhere</ShowIn>
+    <UANotes xmlns="4873beb7-5857-4685-be1f-d57550cc96cc" xsi:nil="true"/>
+    <TemplateStatus xmlns="4873beb7-5857-4685-be1f-d57550cc96cc">Complete</TemplateStatus>
+    <InternalTagsTaxHTField0 xmlns="4873beb7-5857-4685-be1f-d57550cc96cc">
+      <Terms xmlns="http://schemas.microsoft.com/office/infopath/2007/PartnerControls"/>
+    </InternalTagsTaxHTField0>
+    <CSXHash xmlns="4873beb7-5857-4685-be1f-d57550cc96cc" xsi:nil="true"/>
+    <Downloads xmlns="4873beb7-5857-4685-be1f-d57550cc96cc">0</Downloads>
+    <VoteCount xmlns="4873beb7-5857-4685-be1f-d57550cc96cc" xsi:nil="true"/>
+    <OOCacheId xmlns="4873beb7-5857-4685-be1f-d57550cc96cc" xsi:nil="true"/>
+    <IsDeleted xmlns="4873beb7-5857-4685-be1f-d57550cc96cc">false</IsDeleted>
+    <AssetExpire xmlns="4873beb7-5857-4685-be1f-d57550cc96cc">2029-01-01T08:00:00+00:00</AssetExpire>
+    <DSATActionTaken xmlns="4873beb7-5857-4685-be1f-d57550cc96cc" xsi:nil="true"/>
+    <CSXSubmissionMarket xmlns="4873beb7-5857-4685-be1f-d57550cc96cc" xsi:nil="true"/>
+    <TPExecutable xmlns="4873beb7-5857-4685-be1f-d57550cc96cc" xsi:nil="true"/>
+    <SubmitterId xmlns="4873beb7-5857-4685-be1f-d57550cc96cc" xsi:nil="true"/>
+    <EditorialTags xmlns="4873beb7-5857-4685-be1f-d57550cc96cc" xsi:nil="true"/>
+    <ApprovalLog xmlns="4873beb7-5857-4685-be1f-d57550cc96cc" xsi:nil="true"/>
+    <AssetType xmlns="4873beb7-5857-4685-be1f-d57550cc96cc">TP</AssetType>
+    <BugNumber xmlns="4873beb7-5857-4685-be1f-d57550cc96cc" xsi:nil="true"/>
+    <CSXSubmissionDate xmlns="4873beb7-5857-4685-be1f-d57550cc96cc" xsi:nil="true"/>
+    <CSXUpdate xmlns="4873beb7-5857-4685-be1f-d57550cc96cc">false</CSXUpdate>
+    <Milestone xmlns="4873beb7-5857-4685-be1f-d57550cc96cc" xsi:nil="true"/>
+    <RecommendationsModifier xmlns="4873beb7-5857-4685-be1f-d57550cc96cc" xsi:nil="true"/>
+    <OriginAsset xmlns="4873beb7-5857-4685-be1f-d57550cc96cc" xsi:nil="true"/>
+    <TPComponent xmlns="4873beb7-5857-4685-be1f-d57550cc96cc" xsi:nil="true"/>
+    <AssetId xmlns="4873beb7-5857-4685-be1f-d57550cc96cc">TP102895246</AssetId>
+    <IntlLocPriority xmlns="4873beb7-5857-4685-be1f-d57550cc96cc" xsi:nil="true"/>
+    <PolicheckWords xmlns="4873beb7-5857-4685-be1f-d57550cc96cc" xsi:nil="true"/>
+    <TPLaunchHelpLink xmlns="4873beb7-5857-4685-be1f-d57550cc96cc" xsi:nil="true"/>
+    <TPApplication xmlns="4873beb7-5857-4685-be1f-d57550cc96cc" xsi:nil="true"/>
+    <CrawlForDependencies xmlns="4873beb7-5857-4685-be1f-d57550cc96cc">false</CrawlForDependencies>
+    <HandoffToMSDN xmlns="4873beb7-5857-4685-be1f-d57550cc96cc" xsi:nil="true"/>
+    <PlannedPubDate xmlns="4873beb7-5857-4685-be1f-d57550cc96cc" xsi:nil="true"/>
+    <IntlLangReviewer xmlns="4873beb7-5857-4685-be1f-d57550cc96cc" xsi:nil="true"/>
+    <TrustLevel xmlns="4873beb7-5857-4685-be1f-d57550cc96cc">1 Microsoft Managed Content</TrustLevel>
+    <LocLastLocAttemptVersionLookup xmlns="4873beb7-5857-4685-be1f-d57550cc96cc">835483</LocLastLocAttemptVersionLookup>
+    <IsSearchable xmlns="4873beb7-5857-4685-be1f-d57550cc96cc">true</IsSearchable>
+    <TemplateTemplateType xmlns="4873beb7-5857-4685-be1f-d57550cc96cc">PowerPoint Presentation Template</TemplateTemplateType>
+    <CampaignTagsTaxHTField0 xmlns="4873beb7-5857-4685-be1f-d57550cc96cc">
+      <Terms xmlns="http://schemas.microsoft.com/office/infopath/2007/PartnerControls"/>
+    </CampaignTagsTaxHTField0>
+    <TPNamespace xmlns="4873beb7-5857-4685-be1f-d57550cc96cc" xsi:nil="true"/>
+    <TaxCatchAll xmlns="4873beb7-5857-4685-be1f-d57550cc96cc"/>
+    <Markets xmlns="4873beb7-5857-4685-be1f-d57550cc96cc"/>
+    <UAProjectedTotalWords xmlns="4873beb7-5857-4685-be1f-d57550cc96cc" xsi:nil="true"/>
+    <IntlLangReview xmlns="4873beb7-5857-4685-be1f-d57550cc96cc">false</IntlLangReview>
+    <OutputCachingOn xmlns="4873beb7-5857-4685-be1f-d57550cc96cc">false</OutputCachingOn>
+    <AverageRating xmlns="4873beb7-5857-4685-be1f-d57550cc96cc" xsi:nil="true"/>
+    <APAuthor xmlns="4873beb7-5857-4685-be1f-d57550cc96cc">
+      <UserInfo>
+        <DisplayName>REDMOND\v-vaddu</DisplayName>
+        <AccountId>2567</AccountId>
+        <AccountType/>
+      </UserInfo>
+    </APAuthor>
+    <LocManualTestRequired xmlns="4873beb7-5857-4685-be1f-d57550cc96cc">false</LocManualTestRequired>
+    <TPCommandLine xmlns="4873beb7-5857-4685-be1f-d57550cc96cc" xsi:nil="true"/>
+    <TPAppVersion xmlns="4873beb7-5857-4685-be1f-d57550cc96cc" xsi:nil="true"/>
+    <EditorialStatus xmlns="4873beb7-5857-4685-be1f-d57550cc96cc">Complete</EditorialStatus>
+    <LastModifiedDateTime xmlns="4873beb7-5857-4685-be1f-d57550cc96cc" xsi:nil="true"/>
+    <ScenarioTagsTaxHTField0 xmlns="4873beb7-5857-4685-be1f-d57550cc96cc">
+      <Terms xmlns="http://schemas.microsoft.com/office/infopath/2007/PartnerControls"/>
+    </ScenarioTagsTaxHTField0>
+    <OriginalRelease xmlns="4873beb7-5857-4685-be1f-d57550cc96cc">15</OriginalRelease>
+    <TPLaunchHelpLinkType xmlns="4873beb7-5857-4685-be1f-d57550cc96cc">Template</TPLaunchHelpLinkType>
+    <LocalizationTagsTaxHTField0 xmlns="4873beb7-5857-4685-be1f-d57550cc96cc">
+      <Terms xmlns="http://schemas.microsoft.com/office/infopath/2007/PartnerControls"/>
+    </LocalizationTagsTaxHTField0>
+    <LocMarketGroupTiers2 xmlns="4873beb7-5857-4685-be1f-d57550cc96cc" xsi:nil="true"/>
+  </documentManagement>
+</p:properties>
+</file>
+
+<file path=customXml/item3.xml><?xml version="1.0" encoding="utf-8"?>
 <ct:contentTypeSchema xmlns:ct="http://schemas.microsoft.com/office/2006/metadata/contentType" xmlns:ma="http://schemas.microsoft.com/office/2006/metadata/properties/metaAttributes" ct:_="" ma:_="" ma:contentTypeName="TemplateFile" ma:contentTypeID="0x0101006EDDDB5EE6D98C44930B742096920B300400F5B6D36B3EF94B4E9A635CDF2A18F5B8" ma:contentTypeVersion="72" ma:contentTypeDescription="Create a new document." ma:contentTypeScope="" ma:versionID="a23e56308344d904b51738559c3d67c9">
   <xsd:schema xmlns:xsd="http://www.w3.org/2001/XMLSchema" xmlns:xs="http://www.w3.org/2001/XMLSchema" xmlns:p="http://schemas.microsoft.com/office/2006/metadata/properties" xmlns:ns2="4873beb7-5857-4685-be1f-d57550cc96cc" targetNamespace="http://schemas.microsoft.com/office/2006/metadata/properties" ma:root="true" ma:fieldsID="cd0908cc4600e77bf5da051303e00c8d" ns2:_="">
     <xsd:import namespace="4873beb7-5857-4685-be1f-d57550cc96cc"/>
@@ -6558,143 +7034,31 @@
 </ct:contentTypeSchema>
 </file>
 
-<file path=customXml/item2.xml><?xml version="1.0" encoding="utf-8"?>
-<p:properties xmlns:p="http://schemas.microsoft.com/office/2006/metadata/properties" xmlns:xsi="http://www.w3.org/2001/XMLSchema-instance" xmlns:pc="http://schemas.microsoft.com/office/infopath/2007/PartnerControls">
-  <documentManagement>
-    <DirectSourceMarket xmlns="4873beb7-5857-4685-be1f-d57550cc96cc" xsi:nil="true"/>
-    <ApprovalStatus xmlns="4873beb7-5857-4685-be1f-d57550cc96cc">InProgress</ApprovalStatus>
-    <MarketSpecific xmlns="4873beb7-5857-4685-be1f-d57550cc96cc">false</MarketSpecific>
-    <LocComments xmlns="4873beb7-5857-4685-be1f-d57550cc96cc" xsi:nil="true"/>
-    <ThumbnailAssetId xmlns="4873beb7-5857-4685-be1f-d57550cc96cc" xsi:nil="true"/>
-    <PrimaryImageGen xmlns="4873beb7-5857-4685-be1f-d57550cc96cc">true</PrimaryImageGen>
-    <LegacyData xmlns="4873beb7-5857-4685-be1f-d57550cc96cc" xsi:nil="true"/>
-    <LocRecommendedHandoff xmlns="4873beb7-5857-4685-be1f-d57550cc96cc" xsi:nil="true"/>
-    <BusinessGroup xmlns="4873beb7-5857-4685-be1f-d57550cc96cc" xsi:nil="true"/>
-    <BlockPublish xmlns="4873beb7-5857-4685-be1f-d57550cc96cc">false</BlockPublish>
-    <TPFriendlyName xmlns="4873beb7-5857-4685-be1f-d57550cc96cc" xsi:nil="true"/>
-    <NumericId xmlns="4873beb7-5857-4685-be1f-d57550cc96cc" xsi:nil="true"/>
-    <APEditor xmlns="4873beb7-5857-4685-be1f-d57550cc96cc">
-      <UserInfo>
-        <DisplayName/>
-        <AccountId xsi:nil="true"/>
-        <AccountType/>
-      </UserInfo>
-    </APEditor>
-    <SourceTitle xmlns="4873beb7-5857-4685-be1f-d57550cc96cc" xsi:nil="true"/>
-    <OpenTemplate xmlns="4873beb7-5857-4685-be1f-d57550cc96cc">true</OpenTemplate>
-    <UALocComments xmlns="4873beb7-5857-4685-be1f-d57550cc96cc" xsi:nil="true"/>
-    <ParentAssetId xmlns="4873beb7-5857-4685-be1f-d57550cc96cc" xsi:nil="true"/>
-    <IntlLangReviewDate xmlns="4873beb7-5857-4685-be1f-d57550cc96cc" xsi:nil="true"/>
-    <FeatureTagsTaxHTField0 xmlns="4873beb7-5857-4685-be1f-d57550cc96cc">
-      <Terms xmlns="http://schemas.microsoft.com/office/infopath/2007/PartnerControls"/>
-    </FeatureTagsTaxHTField0>
-    <PublishStatusLookup xmlns="4873beb7-5857-4685-be1f-d57550cc96cc">
-      <Value>1564227</Value>
-    </PublishStatusLookup>
-    <Providers xmlns="4873beb7-5857-4685-be1f-d57550cc96cc" xsi:nil="true"/>
-    <MachineTranslated xmlns="4873beb7-5857-4685-be1f-d57550cc96cc">false</MachineTranslated>
-    <OriginalSourceMarket xmlns="4873beb7-5857-4685-be1f-d57550cc96cc" xsi:nil="true"/>
-    <APDescription xmlns="4873beb7-5857-4685-be1f-d57550cc96cc">Take your audience through a digital tunnel where they'll  burst through to the other side and see the information you want to present. Show them lists, charts, tables, SmartArt,  and pictures using a variety of layouts in widescreen (16X9) format. This design works well for subjects on science and technology, computers, communication, and more.   
-</APDescription>
-    <ClipArtFilename xmlns="4873beb7-5857-4685-be1f-d57550cc96cc" xsi:nil="true"/>
-    <ContentItem xmlns="4873beb7-5857-4685-be1f-d57550cc96cc" xsi:nil="true"/>
-    <TPInstallLocation xmlns="4873beb7-5857-4685-be1f-d57550cc96cc" xsi:nil="true"/>
-    <PublishTargets xmlns="4873beb7-5857-4685-be1f-d57550cc96cc">OfficeOnlineVNext</PublishTargets>
-    <TimesCloned xmlns="4873beb7-5857-4685-be1f-d57550cc96cc" xsi:nil="true"/>
-    <AssetStart xmlns="4873beb7-5857-4685-be1f-d57550cc96cc">2012-05-11T02:04:00+00:00</AssetStart>
-    <Provider xmlns="4873beb7-5857-4685-be1f-d57550cc96cc" xsi:nil="true"/>
-    <AcquiredFrom xmlns="4873beb7-5857-4685-be1f-d57550cc96cc">Internal MS</AcquiredFrom>
-    <FriendlyTitle xmlns="4873beb7-5857-4685-be1f-d57550cc96cc" xsi:nil="true"/>
-    <LastHandOff xmlns="4873beb7-5857-4685-be1f-d57550cc96cc" xsi:nil="true"/>
-    <TPClientViewer xmlns="4873beb7-5857-4685-be1f-d57550cc96cc" xsi:nil="true"/>
-    <UACurrentWords xmlns="4873beb7-5857-4685-be1f-d57550cc96cc" xsi:nil="true"/>
-    <ArtSampleDocs xmlns="4873beb7-5857-4685-be1f-d57550cc96cc" xsi:nil="true"/>
-    <UALocRecommendation xmlns="4873beb7-5857-4685-be1f-d57550cc96cc">Localize</UALocRecommendation>
-    <Manager xmlns="4873beb7-5857-4685-be1f-d57550cc96cc" xsi:nil="true"/>
-    <ShowIn xmlns="4873beb7-5857-4685-be1f-d57550cc96cc">Show everywhere</ShowIn>
-    <UANotes xmlns="4873beb7-5857-4685-be1f-d57550cc96cc" xsi:nil="true"/>
-    <TemplateStatus xmlns="4873beb7-5857-4685-be1f-d57550cc96cc">Complete</TemplateStatus>
-    <InternalTagsTaxHTField0 xmlns="4873beb7-5857-4685-be1f-d57550cc96cc">
-      <Terms xmlns="http://schemas.microsoft.com/office/infopath/2007/PartnerControls"/>
-    </InternalTagsTaxHTField0>
-    <CSXHash xmlns="4873beb7-5857-4685-be1f-d57550cc96cc" xsi:nil="true"/>
-    <Downloads xmlns="4873beb7-5857-4685-be1f-d57550cc96cc">0</Downloads>
-    <VoteCount xmlns="4873beb7-5857-4685-be1f-d57550cc96cc" xsi:nil="true"/>
-    <OOCacheId xmlns="4873beb7-5857-4685-be1f-d57550cc96cc" xsi:nil="true"/>
-    <IsDeleted xmlns="4873beb7-5857-4685-be1f-d57550cc96cc">false</IsDeleted>
-    <AssetExpire xmlns="4873beb7-5857-4685-be1f-d57550cc96cc">2029-01-01T08:00:00+00:00</AssetExpire>
-    <DSATActionTaken xmlns="4873beb7-5857-4685-be1f-d57550cc96cc" xsi:nil="true"/>
-    <CSXSubmissionMarket xmlns="4873beb7-5857-4685-be1f-d57550cc96cc" xsi:nil="true"/>
-    <TPExecutable xmlns="4873beb7-5857-4685-be1f-d57550cc96cc" xsi:nil="true"/>
-    <SubmitterId xmlns="4873beb7-5857-4685-be1f-d57550cc96cc" xsi:nil="true"/>
-    <EditorialTags xmlns="4873beb7-5857-4685-be1f-d57550cc96cc" xsi:nil="true"/>
-    <ApprovalLog xmlns="4873beb7-5857-4685-be1f-d57550cc96cc" xsi:nil="true"/>
-    <AssetType xmlns="4873beb7-5857-4685-be1f-d57550cc96cc">TP</AssetType>
-    <BugNumber xmlns="4873beb7-5857-4685-be1f-d57550cc96cc" xsi:nil="true"/>
-    <CSXSubmissionDate xmlns="4873beb7-5857-4685-be1f-d57550cc96cc" xsi:nil="true"/>
-    <CSXUpdate xmlns="4873beb7-5857-4685-be1f-d57550cc96cc">false</CSXUpdate>
-    <Milestone xmlns="4873beb7-5857-4685-be1f-d57550cc96cc" xsi:nil="true"/>
-    <RecommendationsModifier xmlns="4873beb7-5857-4685-be1f-d57550cc96cc" xsi:nil="true"/>
-    <OriginAsset xmlns="4873beb7-5857-4685-be1f-d57550cc96cc" xsi:nil="true"/>
-    <TPComponent xmlns="4873beb7-5857-4685-be1f-d57550cc96cc" xsi:nil="true"/>
-    <AssetId xmlns="4873beb7-5857-4685-be1f-d57550cc96cc">TP102895246</AssetId>
-    <IntlLocPriority xmlns="4873beb7-5857-4685-be1f-d57550cc96cc" xsi:nil="true"/>
-    <PolicheckWords xmlns="4873beb7-5857-4685-be1f-d57550cc96cc" xsi:nil="true"/>
-    <TPLaunchHelpLink xmlns="4873beb7-5857-4685-be1f-d57550cc96cc" xsi:nil="true"/>
-    <TPApplication xmlns="4873beb7-5857-4685-be1f-d57550cc96cc" xsi:nil="true"/>
-    <CrawlForDependencies xmlns="4873beb7-5857-4685-be1f-d57550cc96cc">false</CrawlForDependencies>
-    <HandoffToMSDN xmlns="4873beb7-5857-4685-be1f-d57550cc96cc" xsi:nil="true"/>
-    <PlannedPubDate xmlns="4873beb7-5857-4685-be1f-d57550cc96cc" xsi:nil="true"/>
-    <IntlLangReviewer xmlns="4873beb7-5857-4685-be1f-d57550cc96cc" xsi:nil="true"/>
-    <TrustLevel xmlns="4873beb7-5857-4685-be1f-d57550cc96cc">1 Microsoft Managed Content</TrustLevel>
-    <LocLastLocAttemptVersionLookup xmlns="4873beb7-5857-4685-be1f-d57550cc96cc">835483</LocLastLocAttemptVersionLookup>
-    <IsSearchable xmlns="4873beb7-5857-4685-be1f-d57550cc96cc">true</IsSearchable>
-    <TemplateTemplateType xmlns="4873beb7-5857-4685-be1f-d57550cc96cc">PowerPoint Presentation Template</TemplateTemplateType>
-    <CampaignTagsTaxHTField0 xmlns="4873beb7-5857-4685-be1f-d57550cc96cc">
-      <Terms xmlns="http://schemas.microsoft.com/office/infopath/2007/PartnerControls"/>
-    </CampaignTagsTaxHTField0>
-    <TPNamespace xmlns="4873beb7-5857-4685-be1f-d57550cc96cc" xsi:nil="true"/>
-    <TaxCatchAll xmlns="4873beb7-5857-4685-be1f-d57550cc96cc"/>
-    <Markets xmlns="4873beb7-5857-4685-be1f-d57550cc96cc"/>
-    <UAProjectedTotalWords xmlns="4873beb7-5857-4685-be1f-d57550cc96cc" xsi:nil="true"/>
-    <IntlLangReview xmlns="4873beb7-5857-4685-be1f-d57550cc96cc">false</IntlLangReview>
-    <OutputCachingOn xmlns="4873beb7-5857-4685-be1f-d57550cc96cc">false</OutputCachingOn>
-    <AverageRating xmlns="4873beb7-5857-4685-be1f-d57550cc96cc" xsi:nil="true"/>
-    <APAuthor xmlns="4873beb7-5857-4685-be1f-d57550cc96cc">
-      <UserInfo>
-        <DisplayName>REDMOND\v-vaddu</DisplayName>
-        <AccountId>2567</AccountId>
-        <AccountType/>
-      </UserInfo>
-    </APAuthor>
-    <LocManualTestRequired xmlns="4873beb7-5857-4685-be1f-d57550cc96cc">false</LocManualTestRequired>
-    <TPCommandLine xmlns="4873beb7-5857-4685-be1f-d57550cc96cc" xsi:nil="true"/>
-    <TPAppVersion xmlns="4873beb7-5857-4685-be1f-d57550cc96cc" xsi:nil="true"/>
-    <EditorialStatus xmlns="4873beb7-5857-4685-be1f-d57550cc96cc">Complete</EditorialStatus>
-    <LastModifiedDateTime xmlns="4873beb7-5857-4685-be1f-d57550cc96cc" xsi:nil="true"/>
-    <ScenarioTagsTaxHTField0 xmlns="4873beb7-5857-4685-be1f-d57550cc96cc">
-      <Terms xmlns="http://schemas.microsoft.com/office/infopath/2007/PartnerControls"/>
-    </ScenarioTagsTaxHTField0>
-    <OriginalRelease xmlns="4873beb7-5857-4685-be1f-d57550cc96cc">15</OriginalRelease>
-    <TPLaunchHelpLinkType xmlns="4873beb7-5857-4685-be1f-d57550cc96cc">Template</TPLaunchHelpLinkType>
-    <LocalizationTagsTaxHTField0 xmlns="4873beb7-5857-4685-be1f-d57550cc96cc">
-      <Terms xmlns="http://schemas.microsoft.com/office/infopath/2007/PartnerControls"/>
-    </LocalizationTagsTaxHTField0>
-    <LocMarketGroupTiers2 xmlns="4873beb7-5857-4685-be1f-d57550cc96cc" xsi:nil="true"/>
-  </documentManagement>
-</p:properties>
+<file path=customXml/itemProps1.xml><?xml version="1.0" encoding="utf-8"?>
+<ds:datastoreItem xmlns:ds="http://schemas.openxmlformats.org/officeDocument/2006/customXml" ds:itemID="{74228E6B-D70C-44BB-A81F-A245495F612B}">
+  <ds:schemaRefs>
+    <ds:schemaRef ds:uri="http://schemas.microsoft.com/sharepoint/v3/contenttype/forms"/>
+  </ds:schemaRefs>
+</ds:datastoreItem>
 </file>
 
-<file path=customXml/item3.xml><?xml version="1.0" encoding="utf-8"?>
-<?mso-contentType ?>
-<FormTemplates xmlns="http://schemas.microsoft.com/sharepoint/v3/contenttype/forms">
-  <Display>DocumentLibraryForm</Display>
-  <Edit>AssetEditForm</Edit>
-  <New>DocumentLibraryForm</New>
-</FormTemplates>
+<file path=customXml/itemProps2.xml><?xml version="1.0" encoding="utf-8"?>
+<ds:datastoreItem xmlns:ds="http://schemas.openxmlformats.org/officeDocument/2006/customXml" ds:itemID="{00E41224-0370-4595-877C-23316CD80004}">
+  <ds:schemaRefs>
+    <ds:schemaRef ds:uri="http://schemas.microsoft.com/office/2006/metadata/properties"/>
+    <ds:schemaRef ds:uri="http://www.w3.org/XML/1998/namespace"/>
+    <ds:schemaRef ds:uri="http://schemas.microsoft.com/office/2006/documentManagement/types"/>
+    <ds:schemaRef ds:uri="http://purl.org/dc/terms/"/>
+    <ds:schemaRef ds:uri="http://schemas.openxmlformats.org/package/2006/metadata/core-properties"/>
+    <ds:schemaRef ds:uri="http://purl.org/dc/dcmitype/"/>
+    <ds:schemaRef ds:uri="http://purl.org/dc/elements/1.1/"/>
+    <ds:schemaRef ds:uri="4873beb7-5857-4685-be1f-d57550cc96cc"/>
+    <ds:schemaRef ds:uri="http://schemas.microsoft.com/office/infopath/2007/PartnerControls"/>
+  </ds:schemaRefs>
+</ds:datastoreItem>
 </file>
 
-<file path=customXml/itemProps1.xml><?xml version="1.0" encoding="utf-8"?>
+<file path=customXml/itemProps3.xml><?xml version="1.0" encoding="utf-8"?>
 <ds:datastoreItem xmlns:ds="http://schemas.openxmlformats.org/officeDocument/2006/customXml" ds:itemID="{22CCB507-0646-4A50-A4F7-7F385079D589}">
   <ds:schemaRefs>
     <ds:schemaRef ds:uri="http://schemas.microsoft.com/office/2006/metadata/contentType"/>
@@ -6710,28 +7074,4 @@
     <ds:schemaRef ds:uri="http://schemas.microsoft.com/internal/obd"/>
   </ds:schemaRefs>
 </ds:datastoreItem>
-</file>
-
-<file path=customXml/itemProps2.xml><?xml version="1.0" encoding="utf-8"?>
-<ds:datastoreItem xmlns:ds="http://schemas.openxmlformats.org/officeDocument/2006/customXml" ds:itemID="{00E41224-0370-4595-877C-23316CD80004}">
-  <ds:schemaRefs>
-    <ds:schemaRef ds:uri="http://schemas.openxmlformats.org/package/2006/metadata/core-properties"/>
-    <ds:schemaRef ds:uri="http://purl.org/dc/elements/1.1/"/>
-    <ds:schemaRef ds:uri="http://purl.org/dc/terms/"/>
-    <ds:schemaRef ds:uri="http://www.w3.org/XML/1998/namespace"/>
-    <ds:schemaRef ds:uri="http://schemas.microsoft.com/office/2006/metadata/properties"/>
-    <ds:schemaRef ds:uri="http://schemas.microsoft.com/office/2006/documentManagement/types"/>
-    <ds:schemaRef ds:uri="4873beb7-5857-4685-be1f-d57550cc96cc"/>
-    <ds:schemaRef ds:uri="http://purl.org/dc/dcmitype/"/>
-    <ds:schemaRef ds:uri="http://schemas.microsoft.com/office/infopath/2007/PartnerControls"/>
-  </ds:schemaRefs>
-</ds:datastoreItem>
-</file>
-
-<file path=customXml/itemProps3.xml><?xml version="1.0" encoding="utf-8"?>
-<ds:datastoreItem xmlns:ds="http://schemas.openxmlformats.org/officeDocument/2006/customXml" ds:itemID="{74228E6B-D70C-44BB-A81F-A245495F612B}">
-  <ds:schemaRefs>
-    <ds:schemaRef ds:uri="http://schemas.microsoft.com/sharepoint/v3/contenttype/forms"/>
-  </ds:schemaRefs>
-</ds:datastoreItem>
 </file>
--- a/Self-Organizing Networks in LTE.pptx
+++ b/Self-Organizing Networks in LTE.pptx
@@ -4077,7 +4077,7 @@
           <a:lstStyle/>
           <a:p>
             <a:r>
-              <a:rPr lang="en-US"/>
+              <a:rPr lang="en-US" dirty="0"/>
               <a:t>Self-Organizing Networks in LTE:</a:t>
             </a:r>
           </a:p>
@@ -4174,15 +4174,15 @@
           <a:p>
             <a:pPr algn="ctr"/>
             <a:r>
-              <a:rPr lang="it-IT"/>
+              <a:rPr lang="it-IT" dirty="0"/>
               <a:t>Self-</a:t>
             </a:r>
             <a:r>
-              <a:rPr lang="it-IT" err="1"/>
+              <a:rPr lang="it-IT" dirty="0" err="1"/>
               <a:t>Organizing</a:t>
             </a:r>
             <a:r>
-              <a:rPr lang="it-IT"/>
+              <a:rPr lang="it-IT" dirty="0"/>
               <a:t> Networks (SON)</a:t>
             </a:r>
           </a:p>
@@ -4211,117 +4211,126 @@
           <a:p>
             <a:pPr algn="just"/>
             <a:r>
-              <a:rPr lang="en-US"/>
-              <a:t>In 2016, global mobile data traffic amounted to 7 exabytes (EB) per month; </a:t>
+              <a:rPr lang="en-US" dirty="0"/>
+              <a:t>In 2016, global mobile data traffic amounted to 7 exabytes (EB) per</a:t>
+            </a:r>
+          </a:p>
+          <a:p>
+            <a:pPr marL="0" indent="0" algn="just">
+              <a:buNone/>
+            </a:pPr>
+            <a:r>
+              <a:rPr lang="en-US" dirty="0"/>
+              <a:t> month; </a:t>
             </a:r>
           </a:p>
           <a:p>
             <a:pPr algn="just"/>
             <a:r>
-              <a:rPr lang="en-US"/>
+              <a:rPr lang="en-US" dirty="0"/>
               <a:t>in 2021, mobile data traffic worldwide is expected to reach 49 EB per month at a compound annual growth rate of 47%;</a:t>
             </a:r>
           </a:p>
           <a:p>
             <a:pPr algn="just"/>
             <a:r>
-              <a:rPr lang="en-US"/>
+              <a:rPr lang="en-US" dirty="0"/>
               <a:t>To keep the pace of this incoming scenario, an efficient solution is needed: exploit </a:t>
             </a:r>
             <a:r>
-              <a:rPr lang="it-IT" err="1"/>
+              <a:rPr lang="it-IT" dirty="0" err="1"/>
               <a:t>heterogeneous</a:t>
             </a:r>
             <a:r>
-              <a:rPr lang="it-IT"/>
+              <a:rPr lang="it-IT" dirty="0"/>
               <a:t> networks (</a:t>
             </a:r>
             <a:r>
-              <a:rPr lang="it-IT" err="1"/>
+              <a:rPr lang="it-IT" dirty="0" err="1"/>
               <a:t>HetNet</a:t>
             </a:r>
             <a:r>
-              <a:rPr lang="it-IT"/>
+              <a:rPr lang="it-IT" dirty="0"/>
               <a:t>) and make the systems more </a:t>
             </a:r>
             <a:r>
-              <a:rPr lang="it-IT" err="1"/>
+              <a:rPr lang="it-IT" dirty="0" err="1"/>
               <a:t>autonomous</a:t>
             </a:r>
             <a:r>
-              <a:rPr lang="it-IT"/>
+              <a:rPr lang="it-IT" dirty="0"/>
               <a:t> and </a:t>
             </a:r>
             <a:r>
-              <a:rPr lang="it-IT" err="1"/>
+              <a:rPr lang="it-IT" dirty="0" err="1"/>
               <a:t>automated</a:t>
             </a:r>
             <a:r>
-              <a:rPr lang="it-IT"/>
+              <a:rPr lang="it-IT" dirty="0"/>
               <a:t>; </a:t>
             </a:r>
-            <a:endParaRPr lang="en-US"/>
+            <a:endParaRPr lang="en-US" dirty="0"/>
           </a:p>
           <a:p>
             <a:pPr algn="just"/>
             <a:r>
-              <a:rPr lang="it-IT"/>
+              <a:rPr lang="it-IT" dirty="0"/>
               <a:t>The </a:t>
             </a:r>
             <a:r>
-              <a:rPr lang="it-IT" err="1"/>
+              <a:rPr lang="it-IT" dirty="0" err="1"/>
               <a:t>concept</a:t>
             </a:r>
             <a:r>
-              <a:rPr lang="it-IT"/>
+              <a:rPr lang="it-IT" dirty="0"/>
               <a:t> of Self-</a:t>
             </a:r>
             <a:r>
-              <a:rPr lang="it-IT" err="1"/>
+              <a:rPr lang="it-IT" dirty="0" err="1"/>
               <a:t>Organizing</a:t>
             </a:r>
             <a:r>
-              <a:rPr lang="it-IT"/>
+              <a:rPr lang="it-IT" dirty="0"/>
               <a:t> Networks (SON) </a:t>
             </a:r>
             <a:r>
-              <a:rPr lang="it-IT" err="1"/>
+              <a:rPr lang="it-IT" dirty="0" err="1"/>
               <a:t>is</a:t>
             </a:r>
             <a:r>
-              <a:rPr lang="it-IT"/>
+              <a:rPr lang="it-IT" dirty="0"/>
               <a:t> a </a:t>
             </a:r>
             <a:r>
-              <a:rPr lang="it-IT" err="1"/>
+              <a:rPr lang="it-IT" dirty="0" err="1"/>
               <a:t>possible</a:t>
             </a:r>
             <a:r>
-              <a:rPr lang="it-IT"/>
+              <a:rPr lang="it-IT" dirty="0"/>
               <a:t> </a:t>
             </a:r>
             <a:r>
-              <a:rPr lang="it-IT" err="1"/>
+              <a:rPr lang="it-IT" dirty="0" err="1"/>
               <a:t>approach</a:t>
             </a:r>
             <a:r>
-              <a:rPr lang="it-IT"/>
+              <a:rPr lang="it-IT" dirty="0"/>
               <a:t> to achive </a:t>
             </a:r>
             <a:r>
-              <a:rPr lang="it-IT" err="1"/>
+              <a:rPr lang="it-IT" dirty="0" err="1"/>
               <a:t>these</a:t>
             </a:r>
             <a:r>
-              <a:rPr lang="it-IT"/>
+              <a:rPr lang="it-IT" dirty="0"/>
               <a:t> </a:t>
             </a:r>
             <a:r>
-              <a:rPr lang="it-IT" err="1"/>
+              <a:rPr lang="it-IT" dirty="0" err="1"/>
               <a:t>goals</a:t>
             </a:r>
             <a:r>
-              <a:rPr lang="it-IT"/>
+              <a:rPr lang="it-IT" dirty="0"/>
               <a:t>. </a:t>
             </a:r>
           </a:p>
@@ -4401,13 +4410,13 @@
               <a:buChar char="•"/>
             </a:pPr>
             <a:r>
-              <a:rPr lang="en-US" sz="2800"/>
+              <a:rPr lang="en-US" sz="2800" dirty="0"/>
               <a:t>The SON functions are usually categorized into three main groups:</a:t>
             </a:r>
           </a:p>
           <a:p>
             <a:pPr algn="just"/>
-            <a:endParaRPr lang="en-US"/>
+            <a:endParaRPr lang="en-US" dirty="0"/>
           </a:p>
           <a:p>
             <a:pPr marL="742950" lvl="1" indent="-285750" algn="just">
@@ -4415,7 +4424,7 @@
               <a:buChar char="•"/>
             </a:pPr>
             <a:r>
-              <a:rPr lang="en-US" sz="2000"/>
+              <a:rPr lang="en-US" sz="2000" dirty="0"/>
               <a:t>Self-Planning: identify the parameter settings of new network elements; </a:t>
             </a:r>
           </a:p>
@@ -4425,7 +4434,7 @@
               <a:buChar char="•"/>
             </a:pPr>
             <a:r>
-              <a:rPr lang="en-US" sz="2000"/>
+              <a:rPr lang="en-US" sz="2000" dirty="0"/>
               <a:t>Self-Deployment: make a “plug and play” approach for each new node;</a:t>
             </a:r>
           </a:p>
@@ -4435,7 +4444,7 @@
               <a:buChar char="•"/>
             </a:pPr>
             <a:r>
-              <a:rPr lang="en-US" sz="2000"/>
+              <a:rPr lang="en-US" sz="2000" dirty="0"/>
               <a:t>Self-Healing: execute routine actions that keep the network operational and prevent problems;</a:t>
             </a:r>
           </a:p>
@@ -4445,33 +4454,33 @@
               <a:buChar char="•"/>
             </a:pPr>
             <a:r>
-              <a:rPr lang="en-US" sz="2000"/>
+              <a:rPr lang="en-US" sz="2000" dirty="0"/>
               <a:t>Self-Optimization: collect performance indicators from User </a:t>
             </a:r>
             <a:r>
-              <a:rPr lang="en-US" sz="2000" err="1"/>
+              <a:rPr lang="en-US" sz="2000" dirty="0" err="1"/>
               <a:t>Equipments</a:t>
             </a:r>
             <a:r>
-              <a:rPr lang="en-US" sz="2000"/>
+              <a:rPr lang="en-US" sz="2000" dirty="0"/>
               <a:t> (UEs) and the base stations (</a:t>
             </a:r>
             <a:r>
-              <a:rPr lang="en-US" sz="2000" err="1"/>
+              <a:rPr lang="en-US" sz="2000" dirty="0" err="1"/>
               <a:t>eNodeB</a:t>
             </a:r>
             <a:r>
-              <a:rPr lang="en-US" sz="2000"/>
+              <a:rPr lang="en-US" sz="2000" dirty="0"/>
               <a:t>) to auto-tune </a:t>
             </a:r>
             <a:r>
-              <a:rPr lang="it-IT" sz="2000"/>
+              <a:rPr lang="it-IT" sz="2000" dirty="0"/>
               <a:t>the network settings.</a:t>
             </a:r>
           </a:p>
           <a:p>
             <a:pPr algn="just"/>
-            <a:endParaRPr lang="it-IT" sz="2000"/>
+            <a:endParaRPr lang="it-IT" sz="2000" dirty="0"/>
           </a:p>
           <a:p>
             <a:pPr marL="285750" indent="-285750" algn="just">
@@ -4479,8 +4488,8 @@
               <a:buChar char="•"/>
             </a:pPr>
             <a:r>
-              <a:rPr lang="en-US" sz="2800"/>
-              <a:t>The paper is focused on the last point of the list, precisely on the improvement of the signal quality and so of the throughput, in a LTE system;</a:t>
+              <a:rPr lang="en-US" sz="2800" dirty="0"/>
+              <a:t>Our work is focused on the last point of the list, precisely on the improvement of the signal quality and so of the throughput, in a LTE system;</a:t>
             </a:r>
           </a:p>
           <a:p>
@@ -4489,41 +4498,41 @@
               <a:buChar char="•"/>
             </a:pPr>
             <a:r>
-              <a:rPr lang="en-US" sz="2800"/>
+              <a:rPr lang="en-US" sz="2800" dirty="0"/>
               <a:t>We aim to minimize the interference in a </a:t>
             </a:r>
             <a:r>
-              <a:rPr lang="en-US" sz="2800" err="1"/>
+              <a:rPr lang="en-US" sz="2800" dirty="0" err="1"/>
               <a:t>HetNet</a:t>
             </a:r>
             <a:r>
-              <a:rPr lang="en-US" sz="2800"/>
+              <a:rPr lang="en-US" sz="2800" dirty="0"/>
               <a:t>, made of micro and macro cells, with an adaptive coordination in downlink transmissions of the antennas, controlling </a:t>
             </a:r>
             <a:r>
-              <a:rPr lang="it-IT" sz="2800"/>
+              <a:rPr lang="it-IT" sz="2800" dirty="0"/>
               <a:t>the </a:t>
             </a:r>
             <a:r>
-              <a:rPr lang="it-IT" sz="2800" err="1"/>
+              <a:rPr lang="it-IT" sz="2800" dirty="0" err="1"/>
               <a:t>transmit</a:t>
             </a:r>
             <a:r>
-              <a:rPr lang="it-IT" sz="2800"/>
+              <a:rPr lang="it-IT" sz="2800" dirty="0"/>
               <a:t> power </a:t>
             </a:r>
             <a:r>
-              <a:rPr lang="it-IT" sz="2800" err="1"/>
+              <a:rPr lang="it-IT" sz="2800" dirty="0" err="1"/>
               <a:t>patterns</a:t>
             </a:r>
             <a:r>
-              <a:rPr lang="it-IT" sz="2800"/>
+              <a:rPr lang="it-IT" sz="2800" dirty="0"/>
               <a:t>.</a:t>
             </a:r>
-            <a:endParaRPr lang="en-US" sz="2800"/>
-          </a:p>
-          <a:p>
-            <a:endParaRPr lang="it-IT"/>
+            <a:endParaRPr lang="en-US" sz="2800" dirty="0"/>
+          </a:p>
+          <a:p>
+            <a:endParaRPr lang="it-IT" dirty="0"/>
           </a:p>
         </p:txBody>
       </p:sp>
@@ -4631,390 +4640,356 @@
         </p:nvSpPr>
         <p:spPr>
           <a:xfrm>
-            <a:off x="837982" y="1825625"/>
-            <a:ext cx="10512862" cy="4351338"/>
+            <a:off x="837982" y="1268760"/>
+            <a:ext cx="10512862" cy="4908203"/>
           </a:xfrm>
         </p:spPr>
         <p:txBody>
           <a:bodyPr>
-            <a:normAutofit fontScale="92500" lnSpcReduction="20000"/>
+            <a:noAutofit/>
           </a:bodyPr>
           <a:lstStyle/>
           <a:p>
-            <a:r>
-              <a:rPr lang="it-IT" dirty="0"/>
+            <a:pPr algn="just"/>
+            <a:r>
+              <a:rPr lang="it-IT" sz="2700" dirty="0"/>
               <a:t>Micro </a:t>
             </a:r>
             <a:r>
-              <a:rPr lang="it-IT" dirty="0" err="1"/>
+              <a:rPr lang="it-IT" sz="2700" dirty="0" err="1"/>
               <a:t>cells</a:t>
             </a:r>
             <a:r>
-              <a:rPr lang="it-IT" dirty="0"/>
+              <a:rPr lang="it-IT" sz="2700" dirty="0"/>
               <a:t> (</a:t>
             </a:r>
             <a:r>
-              <a:rPr lang="it-IT" dirty="0" err="1"/>
+              <a:rPr lang="it-IT" sz="2700" dirty="0" err="1"/>
               <a:t>radius</a:t>
             </a:r>
             <a:r>
-              <a:rPr lang="it-IT" dirty="0"/>
+              <a:rPr lang="it-IT" sz="2700" dirty="0"/>
               <a:t> 10-300m) are low power </a:t>
             </a:r>
             <a:r>
-              <a:rPr lang="it-IT" dirty="0" err="1"/>
+              <a:rPr lang="it-IT" sz="2700" dirty="0" err="1"/>
               <a:t>nodes</a:t>
             </a:r>
             <a:r>
-              <a:rPr lang="it-IT" dirty="0"/>
+              <a:rPr lang="it-IT" sz="2700" dirty="0"/>
               <a:t> and </a:t>
             </a:r>
             <a:r>
-              <a:rPr lang="it-IT" dirty="0" err="1"/>
+              <a:rPr lang="it-IT" sz="2700" dirty="0" err="1"/>
               <a:t>provide</a:t>
             </a:r>
             <a:r>
-              <a:rPr lang="it-IT" dirty="0"/>
+              <a:rPr lang="it-IT" sz="2700" dirty="0"/>
               <a:t> high </a:t>
             </a:r>
             <a:r>
-              <a:rPr lang="it-IT" dirty="0" err="1"/>
+              <a:rPr lang="it-IT" sz="2700" dirty="0" err="1"/>
               <a:t>capacity</a:t>
             </a:r>
             <a:r>
-              <a:rPr lang="it-IT" dirty="0"/>
+              <a:rPr lang="it-IT" sz="2700" dirty="0"/>
               <a:t> to </a:t>
             </a:r>
             <a:r>
-              <a:rPr lang="it-IT" dirty="0" err="1"/>
+              <a:rPr lang="it-IT" sz="2700" dirty="0" err="1"/>
               <a:t>UEs</a:t>
             </a:r>
             <a:r>
-              <a:rPr lang="it-IT" dirty="0"/>
+              <a:rPr lang="it-IT" sz="2700" dirty="0"/>
               <a:t>. Macro </a:t>
             </a:r>
             <a:r>
-              <a:rPr lang="it-IT" dirty="0" err="1"/>
+              <a:rPr lang="it-IT" sz="2700" dirty="0" err="1"/>
               <a:t>cells</a:t>
             </a:r>
             <a:r>
-              <a:rPr lang="it-IT" dirty="0"/>
+              <a:rPr lang="it-IT" sz="2700" dirty="0"/>
               <a:t> (</a:t>
             </a:r>
             <a:r>
-              <a:rPr lang="it-IT" dirty="0" err="1"/>
+              <a:rPr lang="it-IT" sz="2700" dirty="0" err="1"/>
               <a:t>radius</a:t>
             </a:r>
             <a:r>
-              <a:rPr lang="it-IT" dirty="0"/>
+              <a:rPr lang="it-IT" sz="2700" dirty="0"/>
               <a:t> up to 20km) are high power </a:t>
             </a:r>
             <a:r>
-              <a:rPr lang="it-IT" dirty="0" err="1"/>
+              <a:rPr lang="it-IT" sz="2700" dirty="0" err="1"/>
               <a:t>nodes</a:t>
             </a:r>
             <a:r>
-              <a:rPr lang="it-IT" dirty="0"/>
+              <a:rPr lang="it-IT" sz="2700" dirty="0"/>
               <a:t> with a </a:t>
             </a:r>
             <a:r>
-              <a:rPr lang="it-IT" dirty="0" err="1"/>
+              <a:rPr lang="it-IT" sz="2700" dirty="0" err="1"/>
               <a:t>smaller</a:t>
             </a:r>
             <a:r>
-              <a:rPr lang="it-IT" dirty="0"/>
+              <a:rPr lang="it-IT" sz="2700" dirty="0"/>
               <a:t> </a:t>
             </a:r>
             <a:r>
-              <a:rPr lang="it-IT" dirty="0" err="1"/>
+              <a:rPr lang="it-IT" sz="2700" dirty="0" err="1"/>
               <a:t>capacity</a:t>
             </a:r>
             <a:r>
-              <a:rPr lang="it-IT" dirty="0"/>
+              <a:rPr lang="it-IT" sz="2700" dirty="0"/>
               <a:t>.</a:t>
             </a:r>
           </a:p>
           <a:p>
-            <a:r>
-              <a:rPr lang="it-IT" dirty="0" err="1"/>
+            <a:pPr algn="just"/>
+            <a:r>
+              <a:rPr lang="it-IT" sz="2700" dirty="0" err="1"/>
               <a:t>Since</a:t>
             </a:r>
             <a:r>
-              <a:rPr lang="it-IT" dirty="0"/>
+              <a:rPr lang="it-IT" sz="2700" dirty="0"/>
               <a:t> </a:t>
             </a:r>
             <a:r>
-              <a:rPr lang="it-IT" dirty="0" err="1"/>
+              <a:rPr lang="it-IT" sz="2700" dirty="0" err="1"/>
               <a:t>they</a:t>
             </a:r>
             <a:r>
-              <a:rPr lang="it-IT" dirty="0"/>
+              <a:rPr lang="it-IT" sz="2700" dirty="0"/>
               <a:t> share the </a:t>
             </a:r>
             <a:r>
-              <a:rPr lang="it-IT" dirty="0" err="1"/>
+              <a:rPr lang="it-IT" sz="2700" dirty="0" err="1"/>
               <a:t>same</a:t>
             </a:r>
             <a:r>
-              <a:rPr lang="it-IT" dirty="0"/>
+              <a:rPr lang="it-IT" sz="2700" dirty="0"/>
               <a:t> </a:t>
             </a:r>
             <a:r>
-              <a:rPr lang="it-IT" dirty="0" err="1"/>
+              <a:rPr lang="it-IT" sz="2700" dirty="0" err="1"/>
               <a:t>frequencies</a:t>
             </a:r>
             <a:r>
-              <a:rPr lang="it-IT" dirty="0"/>
+              <a:rPr lang="it-IT" sz="2700" dirty="0"/>
               <a:t>, the </a:t>
             </a:r>
             <a:r>
-              <a:rPr lang="it-IT" dirty="0" err="1"/>
+              <a:rPr lang="it-IT" sz="2700" dirty="0" err="1"/>
               <a:t>latter</a:t>
             </a:r>
             <a:r>
-              <a:rPr lang="it-IT" dirty="0"/>
+              <a:rPr lang="it-IT" sz="2700" dirty="0"/>
               <a:t> </a:t>
             </a:r>
             <a:r>
-              <a:rPr lang="it-IT" dirty="0" err="1"/>
+              <a:rPr lang="it-IT" sz="2700" dirty="0" err="1"/>
               <a:t>severly</a:t>
             </a:r>
             <a:r>
-              <a:rPr lang="it-IT" dirty="0"/>
+              <a:rPr lang="it-IT" sz="2700" dirty="0"/>
               <a:t> </a:t>
             </a:r>
             <a:r>
-              <a:rPr lang="it-IT" dirty="0" err="1"/>
+              <a:rPr lang="it-IT" sz="2700" dirty="0" err="1"/>
               <a:t>degredes</a:t>
             </a:r>
             <a:r>
-              <a:rPr lang="it-IT" dirty="0"/>
+              <a:rPr lang="it-IT" sz="2700" dirty="0"/>
               <a:t> the </a:t>
             </a:r>
             <a:r>
-              <a:rPr lang="it-IT" dirty="0" err="1"/>
+              <a:rPr lang="it-IT" sz="2700" dirty="0" err="1"/>
               <a:t>downlink</a:t>
             </a:r>
             <a:r>
-              <a:rPr lang="it-IT" dirty="0"/>
+              <a:rPr lang="it-IT" sz="2700" dirty="0"/>
               <a:t> transmission of the </a:t>
             </a:r>
             <a:r>
-              <a:rPr lang="it-IT" dirty="0" err="1"/>
+              <a:rPr lang="it-IT" sz="2700" dirty="0" err="1"/>
               <a:t>former</a:t>
             </a:r>
             <a:r>
-              <a:rPr lang="it-IT" dirty="0"/>
+              <a:rPr lang="it-IT" sz="2700" dirty="0"/>
+              <a:t> and an UE </a:t>
+            </a:r>
+            <a:r>
+              <a:rPr lang="it-IT" sz="2700" dirty="0" err="1"/>
+              <a:t>might</a:t>
+            </a:r>
+            <a:r>
+              <a:rPr lang="it-IT" sz="2700" dirty="0"/>
+              <a:t> </a:t>
+            </a:r>
+            <a:r>
+              <a:rPr lang="it-IT" sz="2700" dirty="0" err="1"/>
+              <a:t>connect</a:t>
+            </a:r>
+            <a:r>
+              <a:rPr lang="it-IT" sz="2700" dirty="0"/>
+              <a:t> to a macro </a:t>
+            </a:r>
+            <a:r>
+              <a:rPr lang="it-IT" sz="2700" dirty="0" err="1"/>
+              <a:t>instead</a:t>
+            </a:r>
+            <a:r>
+              <a:rPr lang="it-IT" sz="2700" dirty="0"/>
+              <a:t> of a micro, </a:t>
+            </a:r>
+            <a:r>
+              <a:rPr lang="it-IT" sz="2700" dirty="0" err="1"/>
+              <a:t>because</a:t>
+            </a:r>
+            <a:r>
+              <a:rPr lang="it-IT" sz="2700" dirty="0"/>
+              <a:t> </a:t>
+            </a:r>
+            <a:r>
+              <a:rPr lang="it-IT" sz="2700" dirty="0" err="1"/>
+              <a:t>it</a:t>
+            </a:r>
+            <a:r>
+              <a:rPr lang="it-IT" sz="2700" dirty="0"/>
+              <a:t> </a:t>
+            </a:r>
+            <a:r>
+              <a:rPr lang="it-IT" sz="2700" dirty="0" err="1"/>
+              <a:t>senses</a:t>
+            </a:r>
+            <a:r>
+              <a:rPr lang="it-IT" sz="2700" dirty="0"/>
+              <a:t> a </a:t>
+            </a:r>
+            <a:r>
+              <a:rPr lang="it-IT" sz="2700" dirty="0" err="1"/>
+              <a:t>stronger</a:t>
+            </a:r>
+            <a:r>
+              <a:rPr lang="it-IT" sz="2700" dirty="0"/>
+              <a:t> </a:t>
+            </a:r>
+            <a:r>
+              <a:rPr lang="it-IT" sz="2700" dirty="0" err="1"/>
+              <a:t>received</a:t>
+            </a:r>
+            <a:r>
+              <a:rPr lang="it-IT" sz="2700" dirty="0"/>
+              <a:t> power from high-power </a:t>
+            </a:r>
+            <a:r>
+              <a:rPr lang="it-IT" sz="2700" dirty="0" err="1"/>
+              <a:t>node</a:t>
+            </a:r>
+            <a:r>
+              <a:rPr lang="it-IT" sz="2700" dirty="0"/>
               <a:t>.</a:t>
             </a:r>
           </a:p>
           <a:p>
-            <a:r>
-              <a:rPr lang="it-IT" dirty="0"/>
-              <a:t>An UE </a:t>
-            </a:r>
-            <a:r>
-              <a:rPr lang="it-IT" dirty="0" err="1"/>
-              <a:t>might</a:t>
-            </a:r>
-            <a:r>
-              <a:rPr lang="it-IT" dirty="0"/>
+            <a:pPr algn="just"/>
+            <a:r>
+              <a:rPr lang="en-US" sz="2700" dirty="0"/>
+              <a:t>The solution, implemented in LTE 3GPP standard, is known as enhanced Inter Cell Interference Coordination (</a:t>
+            </a:r>
+            <a:r>
+              <a:rPr lang="en-US" sz="2700" dirty="0" err="1"/>
+              <a:t>eICIC</a:t>
+            </a:r>
+            <a:r>
+              <a:rPr lang="en-US" sz="2700" dirty="0"/>
+              <a:t>) and macro gets silent for an amount of time called </a:t>
+            </a:r>
+            <a:r>
+              <a:rPr lang="it-IT" sz="2700" dirty="0" err="1"/>
+              <a:t>Almost</a:t>
+            </a:r>
+            <a:r>
+              <a:rPr lang="it-IT" sz="2700" dirty="0"/>
               <a:t> </a:t>
             </a:r>
             <a:r>
-              <a:rPr lang="it-IT" dirty="0" err="1"/>
-              <a:t>connect</a:t>
-            </a:r>
-            <a:r>
-              <a:rPr lang="it-IT" dirty="0"/>
-              <a:t> to a macro </a:t>
-            </a:r>
-            <a:r>
-              <a:rPr lang="it-IT" dirty="0" err="1"/>
-              <a:t>instead</a:t>
-            </a:r>
-            <a:r>
-              <a:rPr lang="it-IT" dirty="0"/>
-              <a:t> to a micro, </a:t>
-            </a:r>
-            <a:r>
-              <a:rPr lang="it-IT" dirty="0" err="1"/>
-              <a:t>that</a:t>
-            </a:r>
-            <a:r>
-              <a:rPr lang="it-IT" dirty="0"/>
+              <a:rPr lang="it-IT" sz="2700" dirty="0" err="1"/>
+              <a:t>Blank</a:t>
+            </a:r>
+            <a:r>
+              <a:rPr lang="it-IT" sz="2700" dirty="0"/>
               <a:t> </a:t>
             </a:r>
             <a:r>
-              <a:rPr lang="it-IT" dirty="0" err="1"/>
-              <a:t>offers</a:t>
-            </a:r>
-            <a:r>
-              <a:rPr lang="it-IT" dirty="0"/>
+              <a:rPr lang="it-IT" sz="2700" dirty="0" err="1"/>
+              <a:t>Subframe</a:t>
+            </a:r>
+            <a:r>
+              <a:rPr lang="it-IT" sz="2700" dirty="0"/>
+              <a:t> (ABS).</a:t>
+            </a:r>
+          </a:p>
+          <a:p>
+            <a:pPr algn="just"/>
+            <a:r>
+              <a:rPr lang="it-IT" sz="2700" dirty="0"/>
+              <a:t>So the </a:t>
+            </a:r>
+            <a:r>
+              <a:rPr lang="it-IT" sz="2700" dirty="0" err="1"/>
+              <a:t>challenge</a:t>
+            </a:r>
+            <a:r>
+              <a:rPr lang="it-IT" sz="2700" dirty="0"/>
               <a:t> </a:t>
             </a:r>
             <a:r>
-              <a:rPr lang="it-IT" dirty="0" err="1"/>
-              <a:t>better</a:t>
-            </a:r>
-            <a:r>
-              <a:rPr lang="it-IT" dirty="0"/>
+              <a:rPr lang="it-IT" sz="2700" dirty="0" err="1"/>
+              <a:t>is</a:t>
+            </a:r>
+            <a:r>
+              <a:rPr lang="it-IT" sz="2700" dirty="0"/>
+              <a:t> to </a:t>
+            </a:r>
+            <a:r>
+              <a:rPr lang="it-IT" sz="2700" dirty="0" err="1"/>
+              <a:t>find</a:t>
+            </a:r>
+            <a:r>
+              <a:rPr lang="it-IT" sz="2700" dirty="0"/>
+              <a:t> the </a:t>
+            </a:r>
+            <a:r>
+              <a:rPr lang="it-IT" sz="2700" dirty="0" err="1"/>
+              <a:t>optimal</a:t>
+            </a:r>
+            <a:r>
+              <a:rPr lang="it-IT" sz="2700" dirty="0"/>
               <a:t> </a:t>
             </a:r>
             <a:r>
-              <a:rPr lang="it-IT" dirty="0" err="1"/>
-              <a:t>perfomances</a:t>
-            </a:r>
-            <a:r>
-              <a:rPr lang="it-IT" dirty="0"/>
-              <a:t>, </a:t>
-            </a:r>
-            <a:r>
-              <a:rPr lang="it-IT" dirty="0" err="1"/>
-              <a:t>because</a:t>
-            </a:r>
-            <a:r>
-              <a:rPr lang="it-IT" dirty="0"/>
-              <a:t> </a:t>
-            </a:r>
-            <a:r>
-              <a:rPr lang="it-IT" dirty="0" err="1"/>
-              <a:t>it</a:t>
-            </a:r>
-            <a:r>
-              <a:rPr lang="it-IT" dirty="0"/>
-              <a:t> </a:t>
-            </a:r>
-            <a:r>
-              <a:rPr lang="it-IT" dirty="0" err="1"/>
-              <a:t>senses</a:t>
-            </a:r>
-            <a:r>
-              <a:rPr lang="it-IT" dirty="0"/>
-              <a:t> a </a:t>
-            </a:r>
-            <a:r>
-              <a:rPr lang="it-IT" dirty="0" err="1"/>
-              <a:t>stronger</a:t>
-            </a:r>
-            <a:r>
-              <a:rPr lang="it-IT" dirty="0"/>
-              <a:t> </a:t>
-            </a:r>
-            <a:r>
-              <a:rPr lang="it-IT" dirty="0" err="1"/>
-              <a:t>received</a:t>
-            </a:r>
-            <a:r>
-              <a:rPr lang="it-IT" dirty="0"/>
-              <a:t> power from high-power </a:t>
-            </a:r>
-            <a:r>
-              <a:rPr lang="it-IT" dirty="0" err="1"/>
-              <a:t>node</a:t>
-            </a:r>
-            <a:r>
-              <a:rPr lang="it-IT" dirty="0"/>
-              <a:t>.</a:t>
-            </a:r>
-          </a:p>
-          <a:p>
-            <a:r>
-              <a:rPr lang="en-US" dirty="0"/>
-              <a:t>The solution to that, implemented in LTE 3GPP standard, is known as enhanced Inter Cell Interference Coordination (</a:t>
-            </a:r>
-            <a:r>
-              <a:rPr lang="en-US" dirty="0" err="1"/>
-              <a:t>eICIC</a:t>
-            </a:r>
-            <a:r>
-              <a:rPr lang="en-US" dirty="0"/>
-              <a:t>) and macro gets silent for an amount of time called </a:t>
-            </a:r>
-            <a:r>
-              <a:rPr lang="it-IT" dirty="0" err="1"/>
-              <a:t>Almost</a:t>
-            </a:r>
-            <a:r>
-              <a:rPr lang="it-IT" dirty="0"/>
-              <a:t> </a:t>
-            </a:r>
-            <a:r>
-              <a:rPr lang="it-IT" dirty="0" err="1"/>
-              <a:t>Blank</a:t>
-            </a:r>
-            <a:r>
-              <a:rPr lang="it-IT" dirty="0"/>
-              <a:t> </a:t>
-            </a:r>
-            <a:r>
-              <a:rPr lang="it-IT" dirty="0" err="1"/>
-              <a:t>Subframe</a:t>
-            </a:r>
-            <a:r>
-              <a:rPr lang="it-IT" dirty="0"/>
-              <a:t> (ABS).</a:t>
-            </a:r>
-          </a:p>
-          <a:p>
-            <a:r>
-              <a:rPr lang="it-IT" dirty="0"/>
-              <a:t>So the </a:t>
-            </a:r>
-            <a:r>
-              <a:rPr lang="it-IT" dirty="0" err="1"/>
-              <a:t>challenge</a:t>
-            </a:r>
-            <a:r>
-              <a:rPr lang="it-IT" dirty="0"/>
-              <a:t> </a:t>
-            </a:r>
-            <a:r>
-              <a:rPr lang="it-IT" dirty="0" err="1"/>
-              <a:t>is</a:t>
-            </a:r>
-            <a:r>
-              <a:rPr lang="it-IT" dirty="0"/>
-              <a:t> to </a:t>
-            </a:r>
-            <a:r>
-              <a:rPr lang="it-IT" dirty="0" err="1"/>
-              <a:t>find</a:t>
-            </a:r>
-            <a:r>
-              <a:rPr lang="it-IT" dirty="0"/>
+              <a:rPr lang="it-IT" sz="2700" dirty="0" err="1"/>
+              <a:t>number</a:t>
+            </a:r>
+            <a:r>
+              <a:rPr lang="it-IT" sz="2700" dirty="0"/>
+              <a:t> and pattern of ABS in a frame to </a:t>
+            </a:r>
+            <a:r>
+              <a:rPr lang="it-IT" sz="2700" dirty="0" err="1"/>
+              <a:t>improve</a:t>
+            </a:r>
+            <a:r>
+              <a:rPr lang="it-IT" sz="2700" dirty="0"/>
               <a:t> the </a:t>
             </a:r>
             <a:r>
-              <a:rPr lang="it-IT" dirty="0" err="1"/>
-              <a:t>optimal</a:t>
-            </a:r>
-            <a:r>
-              <a:rPr lang="it-IT" dirty="0"/>
-              <a:t> </a:t>
-            </a:r>
-            <a:r>
-              <a:rPr lang="it-IT" dirty="0" err="1"/>
-              <a:t>number</a:t>
-            </a:r>
-            <a:r>
-              <a:rPr lang="it-IT" dirty="0"/>
-              <a:t> and pattern of ABS in a frame to </a:t>
-            </a:r>
-            <a:r>
-              <a:rPr lang="it-IT" dirty="0" err="1"/>
-              <a:t>improve</a:t>
-            </a:r>
-            <a:r>
-              <a:rPr lang="it-IT" dirty="0"/>
-              <a:t> the </a:t>
-            </a:r>
-            <a:r>
-              <a:rPr lang="it-IT" dirty="0" err="1"/>
+              <a:rPr lang="it-IT" sz="2700" dirty="0" err="1"/>
               <a:t>involved</a:t>
             </a:r>
             <a:r>
-              <a:rPr lang="it-IT" dirty="0"/>
+              <a:rPr lang="it-IT" sz="2700" dirty="0"/>
               <a:t> system.</a:t>
             </a:r>
           </a:p>
@@ -5859,142 +5834,6 @@
 </file>
 
 <file path=customXml/item1.xml><?xml version="1.0" encoding="utf-8"?>
-<?mso-contentType ?>
-<FormTemplates xmlns="http://schemas.microsoft.com/sharepoint/v3/contenttype/forms">
-  <Display>DocumentLibraryForm</Display>
-  <Edit>AssetEditForm</Edit>
-  <New>DocumentLibraryForm</New>
-</FormTemplates>
-</file>
-
-<file path=customXml/item2.xml><?xml version="1.0" encoding="utf-8"?>
-<p:properties xmlns:p="http://schemas.microsoft.com/office/2006/metadata/properties" xmlns:xsi="http://www.w3.org/2001/XMLSchema-instance" xmlns:pc="http://schemas.microsoft.com/office/infopath/2007/PartnerControls">
-  <documentManagement>
-    <DirectSourceMarket xmlns="4873beb7-5857-4685-be1f-d57550cc96cc" xsi:nil="true"/>
-    <ApprovalStatus xmlns="4873beb7-5857-4685-be1f-d57550cc96cc">InProgress</ApprovalStatus>
-    <MarketSpecific xmlns="4873beb7-5857-4685-be1f-d57550cc96cc">false</MarketSpecific>
-    <LocComments xmlns="4873beb7-5857-4685-be1f-d57550cc96cc" xsi:nil="true"/>
-    <ThumbnailAssetId xmlns="4873beb7-5857-4685-be1f-d57550cc96cc" xsi:nil="true"/>
-    <PrimaryImageGen xmlns="4873beb7-5857-4685-be1f-d57550cc96cc">true</PrimaryImageGen>
-    <LegacyData xmlns="4873beb7-5857-4685-be1f-d57550cc96cc" xsi:nil="true"/>
-    <LocRecommendedHandoff xmlns="4873beb7-5857-4685-be1f-d57550cc96cc" xsi:nil="true"/>
-    <BusinessGroup xmlns="4873beb7-5857-4685-be1f-d57550cc96cc" xsi:nil="true"/>
-    <BlockPublish xmlns="4873beb7-5857-4685-be1f-d57550cc96cc">false</BlockPublish>
-    <TPFriendlyName xmlns="4873beb7-5857-4685-be1f-d57550cc96cc" xsi:nil="true"/>
-    <NumericId xmlns="4873beb7-5857-4685-be1f-d57550cc96cc" xsi:nil="true"/>
-    <APEditor xmlns="4873beb7-5857-4685-be1f-d57550cc96cc">
-      <UserInfo>
-        <DisplayName/>
-        <AccountId xsi:nil="true"/>
-        <AccountType/>
-      </UserInfo>
-    </APEditor>
-    <SourceTitle xmlns="4873beb7-5857-4685-be1f-d57550cc96cc" xsi:nil="true"/>
-    <OpenTemplate xmlns="4873beb7-5857-4685-be1f-d57550cc96cc">true</OpenTemplate>
-    <UALocComments xmlns="4873beb7-5857-4685-be1f-d57550cc96cc" xsi:nil="true"/>
-    <ParentAssetId xmlns="4873beb7-5857-4685-be1f-d57550cc96cc" xsi:nil="true"/>
-    <IntlLangReviewDate xmlns="4873beb7-5857-4685-be1f-d57550cc96cc" xsi:nil="true"/>
-    <FeatureTagsTaxHTField0 xmlns="4873beb7-5857-4685-be1f-d57550cc96cc">
-      <Terms xmlns="http://schemas.microsoft.com/office/infopath/2007/PartnerControls"/>
-    </FeatureTagsTaxHTField0>
-    <PublishStatusLookup xmlns="4873beb7-5857-4685-be1f-d57550cc96cc">
-      <Value>1564227</Value>
-    </PublishStatusLookup>
-    <Providers xmlns="4873beb7-5857-4685-be1f-d57550cc96cc" xsi:nil="true"/>
-    <MachineTranslated xmlns="4873beb7-5857-4685-be1f-d57550cc96cc">false</MachineTranslated>
-    <OriginalSourceMarket xmlns="4873beb7-5857-4685-be1f-d57550cc96cc" xsi:nil="true"/>
-    <APDescription xmlns="4873beb7-5857-4685-be1f-d57550cc96cc">Take your audience through a digital tunnel where they'll  burst through to the other side and see the information you want to present. Show them lists, charts, tables, SmartArt,  and pictures using a variety of layouts in widescreen (16X9) format. This design works well for subjects on science and technology, computers, communication, and more.   
-</APDescription>
-    <ClipArtFilename xmlns="4873beb7-5857-4685-be1f-d57550cc96cc" xsi:nil="true"/>
-    <ContentItem xmlns="4873beb7-5857-4685-be1f-d57550cc96cc" xsi:nil="true"/>
-    <TPInstallLocation xmlns="4873beb7-5857-4685-be1f-d57550cc96cc" xsi:nil="true"/>
-    <PublishTargets xmlns="4873beb7-5857-4685-be1f-d57550cc96cc">OfficeOnlineVNext</PublishTargets>
-    <TimesCloned xmlns="4873beb7-5857-4685-be1f-d57550cc96cc" xsi:nil="true"/>
-    <AssetStart xmlns="4873beb7-5857-4685-be1f-d57550cc96cc">2012-05-11T02:04:00+00:00</AssetStart>
-    <Provider xmlns="4873beb7-5857-4685-be1f-d57550cc96cc" xsi:nil="true"/>
-    <AcquiredFrom xmlns="4873beb7-5857-4685-be1f-d57550cc96cc">Internal MS</AcquiredFrom>
-    <FriendlyTitle xmlns="4873beb7-5857-4685-be1f-d57550cc96cc" xsi:nil="true"/>
-    <LastHandOff xmlns="4873beb7-5857-4685-be1f-d57550cc96cc" xsi:nil="true"/>
-    <TPClientViewer xmlns="4873beb7-5857-4685-be1f-d57550cc96cc" xsi:nil="true"/>
-    <UACurrentWords xmlns="4873beb7-5857-4685-be1f-d57550cc96cc" xsi:nil="true"/>
-    <ArtSampleDocs xmlns="4873beb7-5857-4685-be1f-d57550cc96cc" xsi:nil="true"/>
-    <UALocRecommendation xmlns="4873beb7-5857-4685-be1f-d57550cc96cc">Localize</UALocRecommendation>
-    <Manager xmlns="4873beb7-5857-4685-be1f-d57550cc96cc" xsi:nil="true"/>
-    <ShowIn xmlns="4873beb7-5857-4685-be1f-d57550cc96cc">Show everywhere</ShowIn>
-    <UANotes xmlns="4873beb7-5857-4685-be1f-d57550cc96cc" xsi:nil="true"/>
-    <TemplateStatus xmlns="4873beb7-5857-4685-be1f-d57550cc96cc">Complete</TemplateStatus>
-    <InternalTagsTaxHTField0 xmlns="4873beb7-5857-4685-be1f-d57550cc96cc">
-      <Terms xmlns="http://schemas.microsoft.com/office/infopath/2007/PartnerControls"/>
-    </InternalTagsTaxHTField0>
-    <CSXHash xmlns="4873beb7-5857-4685-be1f-d57550cc96cc" xsi:nil="true"/>
-    <Downloads xmlns="4873beb7-5857-4685-be1f-d57550cc96cc">0</Downloads>
-    <VoteCount xmlns="4873beb7-5857-4685-be1f-d57550cc96cc" xsi:nil="true"/>
-    <OOCacheId xmlns="4873beb7-5857-4685-be1f-d57550cc96cc" xsi:nil="true"/>
-    <IsDeleted xmlns="4873beb7-5857-4685-be1f-d57550cc96cc">false</IsDeleted>
-    <AssetExpire xmlns="4873beb7-5857-4685-be1f-d57550cc96cc">2029-01-01T08:00:00+00:00</AssetExpire>
-    <DSATActionTaken xmlns="4873beb7-5857-4685-be1f-d57550cc96cc" xsi:nil="true"/>
-    <CSXSubmissionMarket xmlns="4873beb7-5857-4685-be1f-d57550cc96cc" xsi:nil="true"/>
-    <TPExecutable xmlns="4873beb7-5857-4685-be1f-d57550cc96cc" xsi:nil="true"/>
-    <SubmitterId xmlns="4873beb7-5857-4685-be1f-d57550cc96cc" xsi:nil="true"/>
-    <EditorialTags xmlns="4873beb7-5857-4685-be1f-d57550cc96cc" xsi:nil="true"/>
-    <ApprovalLog xmlns="4873beb7-5857-4685-be1f-d57550cc96cc" xsi:nil="true"/>
-    <AssetType xmlns="4873beb7-5857-4685-be1f-d57550cc96cc">TP</AssetType>
-    <BugNumber xmlns="4873beb7-5857-4685-be1f-d57550cc96cc" xsi:nil="true"/>
-    <CSXSubmissionDate xmlns="4873beb7-5857-4685-be1f-d57550cc96cc" xsi:nil="true"/>
-    <CSXUpdate xmlns="4873beb7-5857-4685-be1f-d57550cc96cc">false</CSXUpdate>
-    <Milestone xmlns="4873beb7-5857-4685-be1f-d57550cc96cc" xsi:nil="true"/>
-    <RecommendationsModifier xmlns="4873beb7-5857-4685-be1f-d57550cc96cc" xsi:nil="true"/>
-    <OriginAsset xmlns="4873beb7-5857-4685-be1f-d57550cc96cc" xsi:nil="true"/>
-    <TPComponent xmlns="4873beb7-5857-4685-be1f-d57550cc96cc" xsi:nil="true"/>
-    <AssetId xmlns="4873beb7-5857-4685-be1f-d57550cc96cc">TP102895246</AssetId>
-    <IntlLocPriority xmlns="4873beb7-5857-4685-be1f-d57550cc96cc" xsi:nil="true"/>
-    <PolicheckWords xmlns="4873beb7-5857-4685-be1f-d57550cc96cc" xsi:nil="true"/>
-    <TPLaunchHelpLink xmlns="4873beb7-5857-4685-be1f-d57550cc96cc" xsi:nil="true"/>
-    <TPApplication xmlns="4873beb7-5857-4685-be1f-d57550cc96cc" xsi:nil="true"/>
-    <CrawlForDependencies xmlns="4873beb7-5857-4685-be1f-d57550cc96cc">false</CrawlForDependencies>
-    <HandoffToMSDN xmlns="4873beb7-5857-4685-be1f-d57550cc96cc" xsi:nil="true"/>
-    <PlannedPubDate xmlns="4873beb7-5857-4685-be1f-d57550cc96cc" xsi:nil="true"/>
-    <IntlLangReviewer xmlns="4873beb7-5857-4685-be1f-d57550cc96cc" xsi:nil="true"/>
-    <TrustLevel xmlns="4873beb7-5857-4685-be1f-d57550cc96cc">1 Microsoft Managed Content</TrustLevel>
-    <LocLastLocAttemptVersionLookup xmlns="4873beb7-5857-4685-be1f-d57550cc96cc">835483</LocLastLocAttemptVersionLookup>
-    <IsSearchable xmlns="4873beb7-5857-4685-be1f-d57550cc96cc">true</IsSearchable>
-    <TemplateTemplateType xmlns="4873beb7-5857-4685-be1f-d57550cc96cc">PowerPoint Presentation Template</TemplateTemplateType>
-    <CampaignTagsTaxHTField0 xmlns="4873beb7-5857-4685-be1f-d57550cc96cc">
-      <Terms xmlns="http://schemas.microsoft.com/office/infopath/2007/PartnerControls"/>
-    </CampaignTagsTaxHTField0>
-    <TPNamespace xmlns="4873beb7-5857-4685-be1f-d57550cc96cc" xsi:nil="true"/>
-    <TaxCatchAll xmlns="4873beb7-5857-4685-be1f-d57550cc96cc"/>
-    <Markets xmlns="4873beb7-5857-4685-be1f-d57550cc96cc"/>
-    <UAProjectedTotalWords xmlns="4873beb7-5857-4685-be1f-d57550cc96cc" xsi:nil="true"/>
-    <IntlLangReview xmlns="4873beb7-5857-4685-be1f-d57550cc96cc">false</IntlLangReview>
-    <OutputCachingOn xmlns="4873beb7-5857-4685-be1f-d57550cc96cc">false</OutputCachingOn>
-    <AverageRating xmlns="4873beb7-5857-4685-be1f-d57550cc96cc" xsi:nil="true"/>
-    <APAuthor xmlns="4873beb7-5857-4685-be1f-d57550cc96cc">
-      <UserInfo>
-        <DisplayName>REDMOND\v-vaddu</DisplayName>
-        <AccountId>2567</AccountId>
-        <AccountType/>
-      </UserInfo>
-    </APAuthor>
-    <LocManualTestRequired xmlns="4873beb7-5857-4685-be1f-d57550cc96cc">false</LocManualTestRequired>
-    <TPCommandLine xmlns="4873beb7-5857-4685-be1f-d57550cc96cc" xsi:nil="true"/>
-    <TPAppVersion xmlns="4873beb7-5857-4685-be1f-d57550cc96cc" xsi:nil="true"/>
-    <EditorialStatus xmlns="4873beb7-5857-4685-be1f-d57550cc96cc">Complete</EditorialStatus>
-    <LastModifiedDateTime xmlns="4873beb7-5857-4685-be1f-d57550cc96cc" xsi:nil="true"/>
-    <ScenarioTagsTaxHTField0 xmlns="4873beb7-5857-4685-be1f-d57550cc96cc">
-      <Terms xmlns="http://schemas.microsoft.com/office/infopath/2007/PartnerControls"/>
-    </ScenarioTagsTaxHTField0>
-    <OriginalRelease xmlns="4873beb7-5857-4685-be1f-d57550cc96cc">15</OriginalRelease>
-    <TPLaunchHelpLinkType xmlns="4873beb7-5857-4685-be1f-d57550cc96cc">Template</TPLaunchHelpLinkType>
-    <LocalizationTagsTaxHTField0 xmlns="4873beb7-5857-4685-be1f-d57550cc96cc">
-      <Terms xmlns="http://schemas.microsoft.com/office/infopath/2007/PartnerControls"/>
-    </LocalizationTagsTaxHTField0>
-    <LocMarketGroupTiers2 xmlns="4873beb7-5857-4685-be1f-d57550cc96cc" xsi:nil="true"/>
-  </documentManagement>
-</p:properties>
-</file>
-
-<file path=customXml/item3.xml><?xml version="1.0" encoding="utf-8"?>
 <ct:contentTypeSchema xmlns:ct="http://schemas.microsoft.com/office/2006/metadata/contentType" xmlns:ma="http://schemas.microsoft.com/office/2006/metadata/properties/metaAttributes" ct:_="" ma:_="" ma:contentTypeName="TemplateFile" ma:contentTypeID="0x0101006EDDDB5EE6D98C44930B742096920B300400F5B6D36B3EF94B4E9A635CDF2A18F5B8" ma:contentTypeVersion="72" ma:contentTypeDescription="Create a new document." ma:contentTypeScope="" ma:versionID="a23e56308344d904b51738559c3d67c9">
   <xsd:schema xmlns:xsd="http://www.w3.org/2001/XMLSchema" xmlns:xs="http://www.w3.org/2001/XMLSchema" xmlns:p="http://schemas.microsoft.com/office/2006/metadata/properties" xmlns:ns2="4873beb7-5857-4685-be1f-d57550cc96cc" targetNamespace="http://schemas.microsoft.com/office/2006/metadata/properties" ma:root="true" ma:fieldsID="cd0908cc4600e77bf5da051303e00c8d" ns2:_="">
     <xsd:import namespace="4873beb7-5857-4685-be1f-d57550cc96cc"/>
@@ -7034,10 +6873,156 @@
 </ct:contentTypeSchema>
 </file>
 
+<file path=customXml/item2.xml><?xml version="1.0" encoding="utf-8"?>
+<p:properties xmlns:p="http://schemas.microsoft.com/office/2006/metadata/properties" xmlns:xsi="http://www.w3.org/2001/XMLSchema-instance" xmlns:pc="http://schemas.microsoft.com/office/infopath/2007/PartnerControls">
+  <documentManagement>
+    <DirectSourceMarket xmlns="4873beb7-5857-4685-be1f-d57550cc96cc" xsi:nil="true"/>
+    <ApprovalStatus xmlns="4873beb7-5857-4685-be1f-d57550cc96cc">InProgress</ApprovalStatus>
+    <MarketSpecific xmlns="4873beb7-5857-4685-be1f-d57550cc96cc">false</MarketSpecific>
+    <LocComments xmlns="4873beb7-5857-4685-be1f-d57550cc96cc" xsi:nil="true"/>
+    <ThumbnailAssetId xmlns="4873beb7-5857-4685-be1f-d57550cc96cc" xsi:nil="true"/>
+    <PrimaryImageGen xmlns="4873beb7-5857-4685-be1f-d57550cc96cc">true</PrimaryImageGen>
+    <LegacyData xmlns="4873beb7-5857-4685-be1f-d57550cc96cc" xsi:nil="true"/>
+    <LocRecommendedHandoff xmlns="4873beb7-5857-4685-be1f-d57550cc96cc" xsi:nil="true"/>
+    <BusinessGroup xmlns="4873beb7-5857-4685-be1f-d57550cc96cc" xsi:nil="true"/>
+    <BlockPublish xmlns="4873beb7-5857-4685-be1f-d57550cc96cc">false</BlockPublish>
+    <TPFriendlyName xmlns="4873beb7-5857-4685-be1f-d57550cc96cc" xsi:nil="true"/>
+    <NumericId xmlns="4873beb7-5857-4685-be1f-d57550cc96cc" xsi:nil="true"/>
+    <APEditor xmlns="4873beb7-5857-4685-be1f-d57550cc96cc">
+      <UserInfo>
+        <DisplayName/>
+        <AccountId xsi:nil="true"/>
+        <AccountType/>
+      </UserInfo>
+    </APEditor>
+    <SourceTitle xmlns="4873beb7-5857-4685-be1f-d57550cc96cc" xsi:nil="true"/>
+    <OpenTemplate xmlns="4873beb7-5857-4685-be1f-d57550cc96cc">true</OpenTemplate>
+    <UALocComments xmlns="4873beb7-5857-4685-be1f-d57550cc96cc" xsi:nil="true"/>
+    <ParentAssetId xmlns="4873beb7-5857-4685-be1f-d57550cc96cc" xsi:nil="true"/>
+    <IntlLangReviewDate xmlns="4873beb7-5857-4685-be1f-d57550cc96cc" xsi:nil="true"/>
+    <FeatureTagsTaxHTField0 xmlns="4873beb7-5857-4685-be1f-d57550cc96cc">
+      <Terms xmlns="http://schemas.microsoft.com/office/infopath/2007/PartnerControls"/>
+    </FeatureTagsTaxHTField0>
+    <PublishStatusLookup xmlns="4873beb7-5857-4685-be1f-d57550cc96cc">
+      <Value>1564227</Value>
+    </PublishStatusLookup>
+    <Providers xmlns="4873beb7-5857-4685-be1f-d57550cc96cc" xsi:nil="true"/>
+    <MachineTranslated xmlns="4873beb7-5857-4685-be1f-d57550cc96cc">false</MachineTranslated>
+    <OriginalSourceMarket xmlns="4873beb7-5857-4685-be1f-d57550cc96cc" xsi:nil="true"/>
+    <APDescription xmlns="4873beb7-5857-4685-be1f-d57550cc96cc">Take your audience through a digital tunnel where they'll  burst through to the other side and see the information you want to present. Show them lists, charts, tables, SmartArt,  and pictures using a variety of layouts in widescreen (16X9) format. This design works well for subjects on science and technology, computers, communication, and more.   
+</APDescription>
+    <ClipArtFilename xmlns="4873beb7-5857-4685-be1f-d57550cc96cc" xsi:nil="true"/>
+    <ContentItem xmlns="4873beb7-5857-4685-be1f-d57550cc96cc" xsi:nil="true"/>
+    <TPInstallLocation xmlns="4873beb7-5857-4685-be1f-d57550cc96cc" xsi:nil="true"/>
+    <PublishTargets xmlns="4873beb7-5857-4685-be1f-d57550cc96cc">OfficeOnlineVNext</PublishTargets>
+    <TimesCloned xmlns="4873beb7-5857-4685-be1f-d57550cc96cc" xsi:nil="true"/>
+    <AssetStart xmlns="4873beb7-5857-4685-be1f-d57550cc96cc">2012-05-11T02:04:00+00:00</AssetStart>
+    <Provider xmlns="4873beb7-5857-4685-be1f-d57550cc96cc" xsi:nil="true"/>
+    <AcquiredFrom xmlns="4873beb7-5857-4685-be1f-d57550cc96cc">Internal MS</AcquiredFrom>
+    <FriendlyTitle xmlns="4873beb7-5857-4685-be1f-d57550cc96cc" xsi:nil="true"/>
+    <LastHandOff xmlns="4873beb7-5857-4685-be1f-d57550cc96cc" xsi:nil="true"/>
+    <TPClientViewer xmlns="4873beb7-5857-4685-be1f-d57550cc96cc" xsi:nil="true"/>
+    <UACurrentWords xmlns="4873beb7-5857-4685-be1f-d57550cc96cc" xsi:nil="true"/>
+    <ArtSampleDocs xmlns="4873beb7-5857-4685-be1f-d57550cc96cc" xsi:nil="true"/>
+    <UALocRecommendation xmlns="4873beb7-5857-4685-be1f-d57550cc96cc">Localize</UALocRecommendation>
+    <Manager xmlns="4873beb7-5857-4685-be1f-d57550cc96cc" xsi:nil="true"/>
+    <ShowIn xmlns="4873beb7-5857-4685-be1f-d57550cc96cc">Show everywhere</ShowIn>
+    <UANotes xmlns="4873beb7-5857-4685-be1f-d57550cc96cc" xsi:nil="true"/>
+    <TemplateStatus xmlns="4873beb7-5857-4685-be1f-d57550cc96cc">Complete</TemplateStatus>
+    <InternalTagsTaxHTField0 xmlns="4873beb7-5857-4685-be1f-d57550cc96cc">
+      <Terms xmlns="http://schemas.microsoft.com/office/infopath/2007/PartnerControls"/>
+    </InternalTagsTaxHTField0>
+    <CSXHash xmlns="4873beb7-5857-4685-be1f-d57550cc96cc" xsi:nil="true"/>
+    <Downloads xmlns="4873beb7-5857-4685-be1f-d57550cc96cc">0</Downloads>
+    <VoteCount xmlns="4873beb7-5857-4685-be1f-d57550cc96cc" xsi:nil="true"/>
+    <OOCacheId xmlns="4873beb7-5857-4685-be1f-d57550cc96cc" xsi:nil="true"/>
+    <IsDeleted xmlns="4873beb7-5857-4685-be1f-d57550cc96cc">false</IsDeleted>
+    <AssetExpire xmlns="4873beb7-5857-4685-be1f-d57550cc96cc">2029-01-01T08:00:00+00:00</AssetExpire>
+    <DSATActionTaken xmlns="4873beb7-5857-4685-be1f-d57550cc96cc" xsi:nil="true"/>
+    <CSXSubmissionMarket xmlns="4873beb7-5857-4685-be1f-d57550cc96cc" xsi:nil="true"/>
+    <TPExecutable xmlns="4873beb7-5857-4685-be1f-d57550cc96cc" xsi:nil="true"/>
+    <SubmitterId xmlns="4873beb7-5857-4685-be1f-d57550cc96cc" xsi:nil="true"/>
+    <EditorialTags xmlns="4873beb7-5857-4685-be1f-d57550cc96cc" xsi:nil="true"/>
+    <ApprovalLog xmlns="4873beb7-5857-4685-be1f-d57550cc96cc" xsi:nil="true"/>
+    <AssetType xmlns="4873beb7-5857-4685-be1f-d57550cc96cc">TP</AssetType>
+    <BugNumber xmlns="4873beb7-5857-4685-be1f-d57550cc96cc" xsi:nil="true"/>
+    <CSXSubmissionDate xmlns="4873beb7-5857-4685-be1f-d57550cc96cc" xsi:nil="true"/>
+    <CSXUpdate xmlns="4873beb7-5857-4685-be1f-d57550cc96cc">false</CSXUpdate>
+    <Milestone xmlns="4873beb7-5857-4685-be1f-d57550cc96cc" xsi:nil="true"/>
+    <RecommendationsModifier xmlns="4873beb7-5857-4685-be1f-d57550cc96cc" xsi:nil="true"/>
+    <OriginAsset xmlns="4873beb7-5857-4685-be1f-d57550cc96cc" xsi:nil="true"/>
+    <TPComponent xmlns="4873beb7-5857-4685-be1f-d57550cc96cc" xsi:nil="true"/>
+    <AssetId xmlns="4873beb7-5857-4685-be1f-d57550cc96cc">TP102895246</AssetId>
+    <IntlLocPriority xmlns="4873beb7-5857-4685-be1f-d57550cc96cc" xsi:nil="true"/>
+    <PolicheckWords xmlns="4873beb7-5857-4685-be1f-d57550cc96cc" xsi:nil="true"/>
+    <TPLaunchHelpLink xmlns="4873beb7-5857-4685-be1f-d57550cc96cc" xsi:nil="true"/>
+    <TPApplication xmlns="4873beb7-5857-4685-be1f-d57550cc96cc" xsi:nil="true"/>
+    <CrawlForDependencies xmlns="4873beb7-5857-4685-be1f-d57550cc96cc">false</CrawlForDependencies>
+    <HandoffToMSDN xmlns="4873beb7-5857-4685-be1f-d57550cc96cc" xsi:nil="true"/>
+    <PlannedPubDate xmlns="4873beb7-5857-4685-be1f-d57550cc96cc" xsi:nil="true"/>
+    <IntlLangReviewer xmlns="4873beb7-5857-4685-be1f-d57550cc96cc" xsi:nil="true"/>
+    <TrustLevel xmlns="4873beb7-5857-4685-be1f-d57550cc96cc">1 Microsoft Managed Content</TrustLevel>
+    <LocLastLocAttemptVersionLookup xmlns="4873beb7-5857-4685-be1f-d57550cc96cc">835483</LocLastLocAttemptVersionLookup>
+    <IsSearchable xmlns="4873beb7-5857-4685-be1f-d57550cc96cc">true</IsSearchable>
+    <TemplateTemplateType xmlns="4873beb7-5857-4685-be1f-d57550cc96cc">PowerPoint Presentation Template</TemplateTemplateType>
+    <CampaignTagsTaxHTField0 xmlns="4873beb7-5857-4685-be1f-d57550cc96cc">
+      <Terms xmlns="http://schemas.microsoft.com/office/infopath/2007/PartnerControls"/>
+    </CampaignTagsTaxHTField0>
+    <TPNamespace xmlns="4873beb7-5857-4685-be1f-d57550cc96cc" xsi:nil="true"/>
+    <TaxCatchAll xmlns="4873beb7-5857-4685-be1f-d57550cc96cc"/>
+    <Markets xmlns="4873beb7-5857-4685-be1f-d57550cc96cc"/>
+    <UAProjectedTotalWords xmlns="4873beb7-5857-4685-be1f-d57550cc96cc" xsi:nil="true"/>
+    <IntlLangReview xmlns="4873beb7-5857-4685-be1f-d57550cc96cc">false</IntlLangReview>
+    <OutputCachingOn xmlns="4873beb7-5857-4685-be1f-d57550cc96cc">false</OutputCachingOn>
+    <AverageRating xmlns="4873beb7-5857-4685-be1f-d57550cc96cc" xsi:nil="true"/>
+    <APAuthor xmlns="4873beb7-5857-4685-be1f-d57550cc96cc">
+      <UserInfo>
+        <DisplayName>REDMOND\v-vaddu</DisplayName>
+        <AccountId>2567</AccountId>
+        <AccountType/>
+      </UserInfo>
+    </APAuthor>
+    <LocManualTestRequired xmlns="4873beb7-5857-4685-be1f-d57550cc96cc">false</LocManualTestRequired>
+    <TPCommandLine xmlns="4873beb7-5857-4685-be1f-d57550cc96cc" xsi:nil="true"/>
+    <TPAppVersion xmlns="4873beb7-5857-4685-be1f-d57550cc96cc" xsi:nil="true"/>
+    <EditorialStatus xmlns="4873beb7-5857-4685-be1f-d57550cc96cc">Complete</EditorialStatus>
+    <LastModifiedDateTime xmlns="4873beb7-5857-4685-be1f-d57550cc96cc" xsi:nil="true"/>
+    <ScenarioTagsTaxHTField0 xmlns="4873beb7-5857-4685-be1f-d57550cc96cc">
+      <Terms xmlns="http://schemas.microsoft.com/office/infopath/2007/PartnerControls"/>
+    </ScenarioTagsTaxHTField0>
+    <OriginalRelease xmlns="4873beb7-5857-4685-be1f-d57550cc96cc">15</OriginalRelease>
+    <TPLaunchHelpLinkType xmlns="4873beb7-5857-4685-be1f-d57550cc96cc">Template</TPLaunchHelpLinkType>
+    <LocalizationTagsTaxHTField0 xmlns="4873beb7-5857-4685-be1f-d57550cc96cc">
+      <Terms xmlns="http://schemas.microsoft.com/office/infopath/2007/PartnerControls"/>
+    </LocalizationTagsTaxHTField0>
+    <LocMarketGroupTiers2 xmlns="4873beb7-5857-4685-be1f-d57550cc96cc" xsi:nil="true"/>
+  </documentManagement>
+</p:properties>
+</file>
+
+<file path=customXml/item3.xml><?xml version="1.0" encoding="utf-8"?>
+<?mso-contentType ?>
+<FormTemplates xmlns="http://schemas.microsoft.com/sharepoint/v3/contenttype/forms">
+  <Display>DocumentLibraryForm</Display>
+  <Edit>AssetEditForm</Edit>
+  <New>DocumentLibraryForm</New>
+</FormTemplates>
+</file>
+
 <file path=customXml/itemProps1.xml><?xml version="1.0" encoding="utf-8"?>
-<ds:datastoreItem xmlns:ds="http://schemas.openxmlformats.org/officeDocument/2006/customXml" ds:itemID="{74228E6B-D70C-44BB-A81F-A245495F612B}">
+<ds:datastoreItem xmlns:ds="http://schemas.openxmlformats.org/officeDocument/2006/customXml" ds:itemID="{22CCB507-0646-4A50-A4F7-7F385079D589}">
   <ds:schemaRefs>
-    <ds:schemaRef ds:uri="http://schemas.microsoft.com/sharepoint/v3/contenttype/forms"/>
+    <ds:schemaRef ds:uri="http://schemas.microsoft.com/office/2006/metadata/contentType"/>
+    <ds:schemaRef ds:uri="http://schemas.microsoft.com/office/2006/metadata/properties/metaAttributes"/>
+    <ds:schemaRef ds:uri="http://www.w3.org/2001/XMLSchema"/>
+    <ds:schemaRef ds:uri="http://schemas.microsoft.com/office/2006/metadata/properties"/>
+    <ds:schemaRef ds:uri="4873beb7-5857-4685-be1f-d57550cc96cc"/>
+    <ds:schemaRef ds:uri="http://schemas.microsoft.com/office/2006/documentManagement/types"/>
+    <ds:schemaRef ds:uri="http://schemas.microsoft.com/office/infopath/2007/PartnerControls"/>
+    <ds:schemaRef ds:uri="http://schemas.openxmlformats.org/package/2006/metadata/core-properties"/>
+    <ds:schemaRef ds:uri="http://purl.org/dc/elements/1.1/"/>
+    <ds:schemaRef ds:uri="http://purl.org/dc/terms/"/>
+    <ds:schemaRef ds:uri="http://schemas.microsoft.com/internal/obd"/>
   </ds:schemaRefs>
 </ds:datastoreItem>
 </file>
@@ -7059,19 +7044,9 @@
 </file>
 
 <file path=customXml/itemProps3.xml><?xml version="1.0" encoding="utf-8"?>
-<ds:datastoreItem xmlns:ds="http://schemas.openxmlformats.org/officeDocument/2006/customXml" ds:itemID="{22CCB507-0646-4A50-A4F7-7F385079D589}">
+<ds:datastoreItem xmlns:ds="http://schemas.openxmlformats.org/officeDocument/2006/customXml" ds:itemID="{74228E6B-D70C-44BB-A81F-A245495F612B}">
   <ds:schemaRefs>
-    <ds:schemaRef ds:uri="http://schemas.microsoft.com/office/2006/metadata/contentType"/>
-    <ds:schemaRef ds:uri="http://schemas.microsoft.com/office/2006/metadata/properties/metaAttributes"/>
-    <ds:schemaRef ds:uri="http://www.w3.org/2001/XMLSchema"/>
-    <ds:schemaRef ds:uri="http://schemas.microsoft.com/office/2006/metadata/properties"/>
-    <ds:schemaRef ds:uri="4873beb7-5857-4685-be1f-d57550cc96cc"/>
-    <ds:schemaRef ds:uri="http://schemas.microsoft.com/office/2006/documentManagement/types"/>
-    <ds:schemaRef ds:uri="http://schemas.microsoft.com/office/infopath/2007/PartnerControls"/>
-    <ds:schemaRef ds:uri="http://schemas.openxmlformats.org/package/2006/metadata/core-properties"/>
-    <ds:schemaRef ds:uri="http://purl.org/dc/elements/1.1/"/>
-    <ds:schemaRef ds:uri="http://purl.org/dc/terms/"/>
-    <ds:schemaRef ds:uri="http://schemas.microsoft.com/internal/obd"/>
+    <ds:schemaRef ds:uri="http://schemas.microsoft.com/sharepoint/v3/contenttype/forms"/>
   </ds:schemaRefs>
 </ds:datastoreItem>
 </file>
--- a/Self-Organizing Networks in LTE.pptx
+++ b/Self-Organizing Networks in LTE.pptx
@@ -5,21 +5,26 @@
     <p:sldMasterId id="2147483660" r:id="rId4"/>
   </p:sldMasterIdLst>
   <p:notesMasterIdLst>
-    <p:notesMasterId r:id="rId9"/>
+    <p:notesMasterId r:id="rId14"/>
   </p:notesMasterIdLst>
   <p:handoutMasterIdLst>
-    <p:handoutMasterId r:id="rId10"/>
+    <p:handoutMasterId r:id="rId15"/>
   </p:handoutMasterIdLst>
   <p:sldIdLst>
     <p:sldId id="265" r:id="rId5"/>
     <p:sldId id="266" r:id="rId6"/>
     <p:sldId id="268" r:id="rId7"/>
     <p:sldId id="269" r:id="rId8"/>
+    <p:sldId id="270" r:id="rId9"/>
+    <p:sldId id="271" r:id="rId10"/>
+    <p:sldId id="272" r:id="rId11"/>
+    <p:sldId id="273" r:id="rId12"/>
+    <p:sldId id="274" r:id="rId13"/>
   </p:sldIdLst>
   <p:sldSz cx="12188825" cy="6858000"/>
   <p:notesSz cx="6858000" cy="9144000"/>
   <p:custDataLst>
-    <p:tags r:id="rId11"/>
+    <p:tags r:id="rId16"/>
   </p:custDataLst>
   <p:defaultTextStyle>
     <a:defPPr>
@@ -223,7 +228,7 @@
             <a:fld id="{AFF075A9-79FD-4C25-8CB4-4C1C7B73C8A9}" type="datetime1">
               <a:rPr lang="it-IT" smtClean="0"/>
               <a:pPr algn="r" rtl="0"/>
-              <a:t>28/02/2018</a:t>
+              <a:t>28/02/18</a:t>
             </a:fld>
             <a:endParaRPr lang="it-IT"/>
           </a:p>
@@ -292,7 +297,7 @@
             <a:fld id="{D9F912AB-2776-42F2-A957-313FC7EFEDB9}" type="slidenum">
               <a:rPr lang="it-IT" smtClean="0"/>
               <a:pPr algn="r" rtl="0"/>
-              <a:t>‹N›</a:t>
+              <a:t>‹n.›</a:t>
             </a:fld>
             <a:endParaRPr lang="it-IT"/>
           </a:p>
@@ -393,7 +398,7 @@
             <a:fld id="{5CDC68C7-8623-4451-B071-5021073ABB13}" type="datetime1">
               <a:rPr lang="it-IT" smtClean="0"/>
               <a:pPr/>
-              <a:t>28/02/2018</a:t>
+              <a:t>28/02/18</a:t>
             </a:fld>
             <a:endParaRPr lang="it-IT"/>
           </a:p>
@@ -554,7 +559,7 @@
             <a:fld id="{F93199CD-3E1B-4AE6-990F-76F925F5EA9F}" type="slidenum">
               <a:rPr lang="it-IT" smtClean="0"/>
               <a:pPr/>
-              <a:t>‹N›</a:t>
+              <a:t>‹n.›</a:t>
             </a:fld>
             <a:endParaRPr lang="it-IT"/>
           </a:p>
@@ -663,6 +668,91 @@
 </p:notesMaster>
 </file>
 
+<file path=ppt/notesSlides/notesSlide1.xml><?xml version="1.0" encoding="utf-8"?>
+<p:notes xmlns:a="http://schemas.openxmlformats.org/drawingml/2006/main" xmlns:r="http://schemas.openxmlformats.org/officeDocument/2006/relationships" xmlns:p="http://schemas.openxmlformats.org/presentationml/2006/main">
+  <p:cSld>
+    <p:spTree>
+      <p:nvGrpSpPr>
+        <p:cNvPr id="1" name=""/>
+        <p:cNvGrpSpPr/>
+        <p:nvPr/>
+      </p:nvGrpSpPr>
+      <p:grpSpPr>
+        <a:xfrm>
+          <a:off x="0" y="0"/>
+          <a:ext cx="0" cy="0"/>
+          <a:chOff x="0" y="0"/>
+          <a:chExt cx="0" cy="0"/>
+        </a:xfrm>
+      </p:grpSpPr>
+      <p:sp>
+        <p:nvSpPr>
+          <p:cNvPr id="2" name="Segnaposto immagine diapositiva 1"/>
+          <p:cNvSpPr>
+            <a:spLocks noGrp="1" noRot="1" noChangeAspect="1"/>
+          </p:cNvSpPr>
+          <p:nvPr>
+            <p:ph type="sldImg"/>
+          </p:nvPr>
+        </p:nvSpPr>
+        <p:spPr/>
+      </p:sp>
+      <p:sp>
+        <p:nvSpPr>
+          <p:cNvPr id="3" name="Segnaposto note 2"/>
+          <p:cNvSpPr>
+            <a:spLocks noGrp="1"/>
+          </p:cNvSpPr>
+          <p:nvPr>
+            <p:ph type="body" idx="1"/>
+          </p:nvPr>
+        </p:nvSpPr>
+        <p:spPr/>
+        <p:txBody>
+          <a:bodyPr/>
+          <a:lstStyle/>
+          <a:p>
+            <a:endParaRPr lang="it-IT" dirty="0"/>
+          </a:p>
+        </p:txBody>
+      </p:sp>
+      <p:sp>
+        <p:nvSpPr>
+          <p:cNvPr id="4" name="Segnaposto numero diapositiva 3"/>
+          <p:cNvSpPr>
+            <a:spLocks noGrp="1"/>
+          </p:cNvSpPr>
+          <p:nvPr>
+            <p:ph type="sldNum" sz="quarter" idx="10"/>
+          </p:nvPr>
+        </p:nvSpPr>
+        <p:spPr/>
+        <p:txBody>
+          <a:bodyPr/>
+          <a:lstStyle/>
+          <a:p>
+            <a:fld id="{F93199CD-3E1B-4AE6-990F-76F925F5EA9F}" type="slidenum">
+              <a:rPr lang="it-IT" smtClean="0"/>
+              <a:pPr/>
+              <a:t>9</a:t>
+            </a:fld>
+            <a:endParaRPr lang="it-IT"/>
+          </a:p>
+        </p:txBody>
+      </p:sp>
+    </p:spTree>
+    <p:extLst>
+      <p:ext uri="{BB962C8B-B14F-4D97-AF65-F5344CB8AC3E}">
+        <p14:creationId xmlns:p14="http://schemas.microsoft.com/office/powerpoint/2010/main" val="334710109"/>
+      </p:ext>
+    </p:extLst>
+  </p:cSld>
+  <p:clrMapOvr>
+    <a:masterClrMapping/>
+  </p:clrMapOvr>
+</p:notes>
+</file>
+
 <file path=ppt/slideLayouts/slideLayout1.xml><?xml version="1.0" encoding="utf-8"?>
 <p:sldLayout xmlns:a="http://schemas.openxmlformats.org/drawingml/2006/main" xmlns:r="http://schemas.openxmlformats.org/officeDocument/2006/relationships" xmlns:p="http://schemas.openxmlformats.org/presentationml/2006/main" type="title" preserve="1">
   <p:cSld name="Diapositiva titolo">
@@ -685,7 +775,7 @@
           <p:cNvPr id="2" name="Titolo 1">
             <a:extLst>
               <a:ext uri="{FF2B5EF4-FFF2-40B4-BE49-F238E27FC236}">
-                <a16:creationId xmlns:a16="http://schemas.microsoft.com/office/drawing/2014/main" id="{116A8D4A-4035-47F2-A815-DA23C411D047}"/>
+                <a16:creationId xmlns:a16="http://schemas.microsoft.com/office/drawing/2014/main" xmlns="" id="{116A8D4A-4035-47F2-A815-DA23C411D047}"/>
               </a:ext>
             </a:extLst>
           </p:cNvPr>
@@ -722,7 +812,7 @@
           <p:cNvPr id="3" name="Sottotitolo 2">
             <a:extLst>
               <a:ext uri="{FF2B5EF4-FFF2-40B4-BE49-F238E27FC236}">
-                <a16:creationId xmlns:a16="http://schemas.microsoft.com/office/drawing/2014/main" id="{7C2594D0-D9E2-4781-B343-E4C6499375CC}"/>
+                <a16:creationId xmlns:a16="http://schemas.microsoft.com/office/drawing/2014/main" xmlns="" id="{7C2594D0-D9E2-4781-B343-E4C6499375CC}"/>
               </a:ext>
             </a:extLst>
           </p:cNvPr>
@@ -792,7 +882,7 @@
           <p:cNvPr id="4" name="Segnaposto data 3">
             <a:extLst>
               <a:ext uri="{FF2B5EF4-FFF2-40B4-BE49-F238E27FC236}">
-                <a16:creationId xmlns:a16="http://schemas.microsoft.com/office/drawing/2014/main" id="{E9B30EE9-9EDC-41A6-9EC0-EA080E3D2819}"/>
+                <a16:creationId xmlns:a16="http://schemas.microsoft.com/office/drawing/2014/main" xmlns="" id="{E9B30EE9-9EDC-41A6-9EC0-EA080E3D2819}"/>
               </a:ext>
             </a:extLst>
           </p:cNvPr>
@@ -810,7 +900,7 @@
           <a:p>
             <a:fld id="{69000348-163A-43AB-9654-36B41D2F0147}" type="datetimeFigureOut">
               <a:rPr lang="it-IT" smtClean="0"/>
-              <a:t>28/02/2018</a:t>
+              <a:t>28/02/18</a:t>
             </a:fld>
             <a:endParaRPr lang="it-IT"/>
           </a:p>
@@ -821,7 +911,7 @@
           <p:cNvPr id="5" name="Segnaposto piè di pagina 4">
             <a:extLst>
               <a:ext uri="{FF2B5EF4-FFF2-40B4-BE49-F238E27FC236}">
-                <a16:creationId xmlns:a16="http://schemas.microsoft.com/office/drawing/2014/main" id="{2E52F956-9A59-4DEE-A30C-6162A9816236}"/>
+                <a16:creationId xmlns:a16="http://schemas.microsoft.com/office/drawing/2014/main" xmlns="" id="{2E52F956-9A59-4DEE-A30C-6162A9816236}"/>
               </a:ext>
             </a:extLst>
           </p:cNvPr>
@@ -846,7 +936,7 @@
           <p:cNvPr id="6" name="Segnaposto numero diapositiva 5">
             <a:extLst>
               <a:ext uri="{FF2B5EF4-FFF2-40B4-BE49-F238E27FC236}">
-                <a16:creationId xmlns:a16="http://schemas.microsoft.com/office/drawing/2014/main" id="{2912B6E6-C142-4D0D-B956-02EEC6E8F955}"/>
+                <a16:creationId xmlns:a16="http://schemas.microsoft.com/office/drawing/2014/main" xmlns="" id="{2912B6E6-C142-4D0D-B956-02EEC6E8F955}"/>
               </a:ext>
             </a:extLst>
           </p:cNvPr>
@@ -864,7 +954,7 @@
           <a:p>
             <a:fld id="{24A9775E-A245-45CD-9603-D715DA0F29A1}" type="slidenum">
               <a:rPr lang="it-IT" smtClean="0"/>
-              <a:t>‹N›</a:t>
+              <a:t>‹n.›</a:t>
             </a:fld>
             <a:endParaRPr lang="it-IT"/>
           </a:p>
@@ -917,7 +1007,7 @@
           <p:cNvPr id="2" name="Titolo 1">
             <a:extLst>
               <a:ext uri="{FF2B5EF4-FFF2-40B4-BE49-F238E27FC236}">
-                <a16:creationId xmlns:a16="http://schemas.microsoft.com/office/drawing/2014/main" id="{F35D2112-B70D-4F97-A330-152B64A24450}"/>
+                <a16:creationId xmlns:a16="http://schemas.microsoft.com/office/drawing/2014/main" xmlns="" id="{F35D2112-B70D-4F97-A330-152B64A24450}"/>
               </a:ext>
             </a:extLst>
           </p:cNvPr>
@@ -945,7 +1035,7 @@
           <p:cNvPr id="3" name="Segnaposto testo verticale 2">
             <a:extLst>
               <a:ext uri="{FF2B5EF4-FFF2-40B4-BE49-F238E27FC236}">
-                <a16:creationId xmlns:a16="http://schemas.microsoft.com/office/drawing/2014/main" id="{231E378C-8CC5-486B-840F-5378BA1F3D9D}"/>
+                <a16:creationId xmlns:a16="http://schemas.microsoft.com/office/drawing/2014/main" xmlns="" id="{231E378C-8CC5-486B-840F-5378BA1F3D9D}"/>
               </a:ext>
             </a:extLst>
           </p:cNvPr>
@@ -1002,7 +1092,7 @@
           <p:cNvPr id="4" name="Segnaposto data 3">
             <a:extLst>
               <a:ext uri="{FF2B5EF4-FFF2-40B4-BE49-F238E27FC236}">
-                <a16:creationId xmlns:a16="http://schemas.microsoft.com/office/drawing/2014/main" id="{706F8708-0EEF-4923-A356-7CF0E4DCD2BF}"/>
+                <a16:creationId xmlns:a16="http://schemas.microsoft.com/office/drawing/2014/main" xmlns="" id="{706F8708-0EEF-4923-A356-7CF0E4DCD2BF}"/>
               </a:ext>
             </a:extLst>
           </p:cNvPr>
@@ -1021,7 +1111,7 @@
             <a:fld id="{47A157AA-52B0-4F49-B3D4-496D41D1B509}" type="datetime1">
               <a:rPr lang="it-IT" smtClean="0"/>
               <a:pPr/>
-              <a:t>28/02/2018</a:t>
+              <a:t>28/02/18</a:t>
             </a:fld>
             <a:endParaRPr lang="it-IT"/>
           </a:p>
@@ -1032,7 +1122,7 @@
           <p:cNvPr id="5" name="Segnaposto piè di pagina 4">
             <a:extLst>
               <a:ext uri="{FF2B5EF4-FFF2-40B4-BE49-F238E27FC236}">
-                <a16:creationId xmlns:a16="http://schemas.microsoft.com/office/drawing/2014/main" id="{A42FF9DB-2C3A-48B0-9FE1-264174177E19}"/>
+                <a16:creationId xmlns:a16="http://schemas.microsoft.com/office/drawing/2014/main" xmlns="" id="{A42FF9DB-2C3A-48B0-9FE1-264174177E19}"/>
               </a:ext>
             </a:extLst>
           </p:cNvPr>
@@ -1058,7 +1148,7 @@
           <p:cNvPr id="6" name="Segnaposto numero diapositiva 5">
             <a:extLst>
               <a:ext uri="{FF2B5EF4-FFF2-40B4-BE49-F238E27FC236}">
-                <a16:creationId xmlns:a16="http://schemas.microsoft.com/office/drawing/2014/main" id="{0E886771-1AD5-44E1-8AC1-5D0229820ECF}"/>
+                <a16:creationId xmlns:a16="http://schemas.microsoft.com/office/drawing/2014/main" xmlns="" id="{0E886771-1AD5-44E1-8AC1-5D0229820ECF}"/>
               </a:ext>
             </a:extLst>
           </p:cNvPr>
@@ -1077,7 +1167,7 @@
             <a:pPr rtl="0"/>
             <a:fld id="{2A013F82-EE5E-44EE-A61D-E31C6657F26F}" type="slidenum">
               <a:rPr lang="it-IT" noProof="0" smtClean="0"/>
-              <a:t>‹N›</a:t>
+              <a:t>‹n.›</a:t>
             </a:fld>
             <a:endParaRPr lang="it-IT" noProof="0"/>
           </a:p>
@@ -1130,7 +1220,7 @@
           <p:cNvPr id="2" name="Titolo verticale 1">
             <a:extLst>
               <a:ext uri="{FF2B5EF4-FFF2-40B4-BE49-F238E27FC236}">
-                <a16:creationId xmlns:a16="http://schemas.microsoft.com/office/drawing/2014/main" id="{FF6A8A87-13A3-450A-B85F-D8CE3CC0E6FB}"/>
+                <a16:creationId xmlns:a16="http://schemas.microsoft.com/office/drawing/2014/main" xmlns="" id="{FF6A8A87-13A3-450A-B85F-D8CE3CC0E6FB}"/>
               </a:ext>
             </a:extLst>
           </p:cNvPr>
@@ -1163,7 +1253,7 @@
           <p:cNvPr id="3" name="Segnaposto testo verticale 2">
             <a:extLst>
               <a:ext uri="{FF2B5EF4-FFF2-40B4-BE49-F238E27FC236}">
-                <a16:creationId xmlns:a16="http://schemas.microsoft.com/office/drawing/2014/main" id="{2E868E3F-DC77-4695-819D-F119A0774732}"/>
+                <a16:creationId xmlns:a16="http://schemas.microsoft.com/office/drawing/2014/main" xmlns="" id="{2E868E3F-DC77-4695-819D-F119A0774732}"/>
               </a:ext>
             </a:extLst>
           </p:cNvPr>
@@ -1225,7 +1315,7 @@
           <p:cNvPr id="4" name="Segnaposto data 3">
             <a:extLst>
               <a:ext uri="{FF2B5EF4-FFF2-40B4-BE49-F238E27FC236}">
-                <a16:creationId xmlns:a16="http://schemas.microsoft.com/office/drawing/2014/main" id="{F8F51997-D68F-4C5C-895F-FB4DF8874B7A}"/>
+                <a16:creationId xmlns:a16="http://schemas.microsoft.com/office/drawing/2014/main" xmlns="" id="{F8F51997-D68F-4C5C-895F-FB4DF8874B7A}"/>
               </a:ext>
             </a:extLst>
           </p:cNvPr>
@@ -1244,7 +1334,7 @@
             <a:fld id="{38FDDE53-CDF8-4A6F-B68E-C9BDF459CFED}" type="datetime1">
               <a:rPr lang="it-IT" smtClean="0"/>
               <a:pPr/>
-              <a:t>28/02/2018</a:t>
+              <a:t>28/02/18</a:t>
             </a:fld>
             <a:endParaRPr lang="it-IT"/>
           </a:p>
@@ -1255,7 +1345,7 @@
           <p:cNvPr id="5" name="Segnaposto piè di pagina 4">
             <a:extLst>
               <a:ext uri="{FF2B5EF4-FFF2-40B4-BE49-F238E27FC236}">
-                <a16:creationId xmlns:a16="http://schemas.microsoft.com/office/drawing/2014/main" id="{92154E6F-2609-4E34-9FFB-E3AAAD0408C0}"/>
+                <a16:creationId xmlns:a16="http://schemas.microsoft.com/office/drawing/2014/main" xmlns="" id="{92154E6F-2609-4E34-9FFB-E3AAAD0408C0}"/>
               </a:ext>
             </a:extLst>
           </p:cNvPr>
@@ -1281,7 +1371,7 @@
           <p:cNvPr id="6" name="Segnaposto numero diapositiva 5">
             <a:extLst>
               <a:ext uri="{FF2B5EF4-FFF2-40B4-BE49-F238E27FC236}">
-                <a16:creationId xmlns:a16="http://schemas.microsoft.com/office/drawing/2014/main" id="{0B5A00D3-5681-416A-A52E-A4EC92440BD0}"/>
+                <a16:creationId xmlns:a16="http://schemas.microsoft.com/office/drawing/2014/main" xmlns="" id="{0B5A00D3-5681-416A-A52E-A4EC92440BD0}"/>
               </a:ext>
             </a:extLst>
           </p:cNvPr>
@@ -1300,7 +1390,7 @@
             <a:fld id="{2A013F82-EE5E-44EE-A61D-E31C6657F26F}" type="slidenum">
               <a:rPr lang="it-IT" smtClean="0"/>
               <a:pPr/>
-              <a:t>‹N›</a:t>
+              <a:t>‹n.›</a:t>
             </a:fld>
             <a:endParaRPr lang="it-IT"/>
           </a:p>
@@ -1341,7 +1431,7 @@
           <p:cNvPr id="2" name="Titolo 1">
             <a:extLst>
               <a:ext uri="{FF2B5EF4-FFF2-40B4-BE49-F238E27FC236}">
-                <a16:creationId xmlns:a16="http://schemas.microsoft.com/office/drawing/2014/main" id="{C9FCF38B-AC40-46F2-B6F1-094BA725F7C5}"/>
+                <a16:creationId xmlns:a16="http://schemas.microsoft.com/office/drawing/2014/main" xmlns="" id="{C9FCF38B-AC40-46F2-B6F1-094BA725F7C5}"/>
               </a:ext>
             </a:extLst>
           </p:cNvPr>
@@ -1369,7 +1459,7 @@
           <p:cNvPr id="3" name="Segnaposto contenuto 2">
             <a:extLst>
               <a:ext uri="{FF2B5EF4-FFF2-40B4-BE49-F238E27FC236}">
-                <a16:creationId xmlns:a16="http://schemas.microsoft.com/office/drawing/2014/main" id="{F0548625-8A4D-47F4-838D-A60F792A4D08}"/>
+                <a16:creationId xmlns:a16="http://schemas.microsoft.com/office/drawing/2014/main" xmlns="" id="{F0548625-8A4D-47F4-838D-A60F792A4D08}"/>
               </a:ext>
             </a:extLst>
           </p:cNvPr>
@@ -1426,7 +1516,7 @@
           <p:cNvPr id="4" name="Segnaposto data 3">
             <a:extLst>
               <a:ext uri="{FF2B5EF4-FFF2-40B4-BE49-F238E27FC236}">
-                <a16:creationId xmlns:a16="http://schemas.microsoft.com/office/drawing/2014/main" id="{9BD2223B-E1E1-4C3C-A50F-1E6D03CA0634}"/>
+                <a16:creationId xmlns:a16="http://schemas.microsoft.com/office/drawing/2014/main" xmlns="" id="{9BD2223B-E1E1-4C3C-A50F-1E6D03CA0634}"/>
               </a:ext>
             </a:extLst>
           </p:cNvPr>
@@ -1445,7 +1535,7 @@
             <a:fld id="{14492DBE-BBC3-4A28-A909-35593DADC5C7}" type="datetime1">
               <a:rPr lang="it-IT" smtClean="0"/>
               <a:pPr/>
-              <a:t>28/02/2018</a:t>
+              <a:t>28/02/18</a:t>
             </a:fld>
             <a:endParaRPr lang="it-IT"/>
           </a:p>
@@ -1456,7 +1546,7 @@
           <p:cNvPr id="5" name="Segnaposto piè di pagina 4">
             <a:extLst>
               <a:ext uri="{FF2B5EF4-FFF2-40B4-BE49-F238E27FC236}">
-                <a16:creationId xmlns:a16="http://schemas.microsoft.com/office/drawing/2014/main" id="{D6ECBAA6-6896-4FC1-B56F-B2C75CCEB28B}"/>
+                <a16:creationId xmlns:a16="http://schemas.microsoft.com/office/drawing/2014/main" xmlns="" id="{D6ECBAA6-6896-4FC1-B56F-B2C75CCEB28B}"/>
               </a:ext>
             </a:extLst>
           </p:cNvPr>
@@ -1482,7 +1572,7 @@
           <p:cNvPr id="6" name="Segnaposto numero diapositiva 5">
             <a:extLst>
               <a:ext uri="{FF2B5EF4-FFF2-40B4-BE49-F238E27FC236}">
-                <a16:creationId xmlns:a16="http://schemas.microsoft.com/office/drawing/2014/main" id="{E3B976F1-EE81-4530-91D1-B4AF7934D451}"/>
+                <a16:creationId xmlns:a16="http://schemas.microsoft.com/office/drawing/2014/main" xmlns="" id="{E3B976F1-EE81-4530-91D1-B4AF7934D451}"/>
               </a:ext>
             </a:extLst>
           </p:cNvPr>
@@ -1501,7 +1591,7 @@
             <a:pPr rtl="0"/>
             <a:fld id="{2A013F82-EE5E-44EE-A61D-E31C6657F26F}" type="slidenum">
               <a:rPr lang="it-IT" noProof="0" smtClean="0"/>
-              <a:t>‹N›</a:t>
+              <a:t>‹n.›</a:t>
             </a:fld>
             <a:endParaRPr lang="it-IT" noProof="0"/>
           </a:p>
@@ -1554,7 +1644,7 @@
           <p:cNvPr id="2" name="Titolo 1">
             <a:extLst>
               <a:ext uri="{FF2B5EF4-FFF2-40B4-BE49-F238E27FC236}">
-                <a16:creationId xmlns:a16="http://schemas.microsoft.com/office/drawing/2014/main" id="{9880B5BC-D739-4116-87B7-301922ECEB79}"/>
+                <a16:creationId xmlns:a16="http://schemas.microsoft.com/office/drawing/2014/main" xmlns="" id="{9880B5BC-D739-4116-87B7-301922ECEB79}"/>
               </a:ext>
             </a:extLst>
           </p:cNvPr>
@@ -1591,7 +1681,7 @@
           <p:cNvPr id="3" name="Segnaposto testo 2">
             <a:extLst>
               <a:ext uri="{FF2B5EF4-FFF2-40B4-BE49-F238E27FC236}">
-                <a16:creationId xmlns:a16="http://schemas.microsoft.com/office/drawing/2014/main" id="{90BBA342-13F1-44B5-8FBC-B99FE7126632}"/>
+                <a16:creationId xmlns:a16="http://schemas.microsoft.com/office/drawing/2014/main" xmlns="" id="{90BBA342-13F1-44B5-8FBC-B99FE7126632}"/>
               </a:ext>
             </a:extLst>
           </p:cNvPr>
@@ -1716,7 +1806,7 @@
           <p:cNvPr id="4" name="Segnaposto data 3">
             <a:extLst>
               <a:ext uri="{FF2B5EF4-FFF2-40B4-BE49-F238E27FC236}">
-                <a16:creationId xmlns:a16="http://schemas.microsoft.com/office/drawing/2014/main" id="{4B47CE33-8D65-49EB-ACAE-443676E12FF1}"/>
+                <a16:creationId xmlns:a16="http://schemas.microsoft.com/office/drawing/2014/main" xmlns="" id="{4B47CE33-8D65-49EB-ACAE-443676E12FF1}"/>
               </a:ext>
             </a:extLst>
           </p:cNvPr>
@@ -1735,7 +1825,7 @@
             <a:fld id="{4BC4CE4E-6BDC-4433-87C5-0DA27E562036}" type="datetime1">
               <a:rPr lang="it-IT" smtClean="0"/>
               <a:pPr/>
-              <a:t>28/02/2018</a:t>
+              <a:t>28/02/18</a:t>
             </a:fld>
             <a:endParaRPr lang="it-IT"/>
           </a:p>
@@ -1746,7 +1836,7 @@
           <p:cNvPr id="5" name="Segnaposto piè di pagina 4">
             <a:extLst>
               <a:ext uri="{FF2B5EF4-FFF2-40B4-BE49-F238E27FC236}">
-                <a16:creationId xmlns:a16="http://schemas.microsoft.com/office/drawing/2014/main" id="{73FF0817-8982-415C-8239-FDA7C3821D45}"/>
+                <a16:creationId xmlns:a16="http://schemas.microsoft.com/office/drawing/2014/main" xmlns="" id="{73FF0817-8982-415C-8239-FDA7C3821D45}"/>
               </a:ext>
             </a:extLst>
           </p:cNvPr>
@@ -1772,7 +1862,7 @@
           <p:cNvPr id="6" name="Segnaposto numero diapositiva 5">
             <a:extLst>
               <a:ext uri="{FF2B5EF4-FFF2-40B4-BE49-F238E27FC236}">
-                <a16:creationId xmlns:a16="http://schemas.microsoft.com/office/drawing/2014/main" id="{193029C6-05CC-4613-BB1A-03447061202C}"/>
+                <a16:creationId xmlns:a16="http://schemas.microsoft.com/office/drawing/2014/main" xmlns="" id="{193029C6-05CC-4613-BB1A-03447061202C}"/>
               </a:ext>
             </a:extLst>
           </p:cNvPr>
@@ -1791,7 +1881,7 @@
             <a:pPr rtl="0"/>
             <a:fld id="{2A013F82-EE5E-44EE-A61D-E31C6657F26F}" type="slidenum">
               <a:rPr lang="it-IT" noProof="0" smtClean="0"/>
-              <a:t>‹N›</a:t>
+              <a:t>‹n.›</a:t>
             </a:fld>
             <a:endParaRPr lang="it-IT" noProof="0"/>
           </a:p>
@@ -1844,7 +1934,7 @@
           <p:cNvPr id="2" name="Titolo 1">
             <a:extLst>
               <a:ext uri="{FF2B5EF4-FFF2-40B4-BE49-F238E27FC236}">
-                <a16:creationId xmlns:a16="http://schemas.microsoft.com/office/drawing/2014/main" id="{7E997417-A65D-4783-95DD-FA96B738593D}"/>
+                <a16:creationId xmlns:a16="http://schemas.microsoft.com/office/drawing/2014/main" xmlns="" id="{7E997417-A65D-4783-95DD-FA96B738593D}"/>
               </a:ext>
             </a:extLst>
           </p:cNvPr>
@@ -1872,7 +1962,7 @@
           <p:cNvPr id="3" name="Segnaposto contenuto 2">
             <a:extLst>
               <a:ext uri="{FF2B5EF4-FFF2-40B4-BE49-F238E27FC236}">
-                <a16:creationId xmlns:a16="http://schemas.microsoft.com/office/drawing/2014/main" id="{D525DA15-AF26-4254-B40A-515A2791DD13}"/>
+                <a16:creationId xmlns:a16="http://schemas.microsoft.com/office/drawing/2014/main" xmlns="" id="{D525DA15-AF26-4254-B40A-515A2791DD13}"/>
               </a:ext>
             </a:extLst>
           </p:cNvPr>
@@ -1934,7 +2024,7 @@
           <p:cNvPr id="4" name="Segnaposto contenuto 3">
             <a:extLst>
               <a:ext uri="{FF2B5EF4-FFF2-40B4-BE49-F238E27FC236}">
-                <a16:creationId xmlns:a16="http://schemas.microsoft.com/office/drawing/2014/main" id="{18F80093-7ABC-4680-BDCF-74EAC0191870}"/>
+                <a16:creationId xmlns:a16="http://schemas.microsoft.com/office/drawing/2014/main" xmlns="" id="{18F80093-7ABC-4680-BDCF-74EAC0191870}"/>
               </a:ext>
             </a:extLst>
           </p:cNvPr>
@@ -1996,7 +2086,7 @@
           <p:cNvPr id="5" name="Segnaposto data 4">
             <a:extLst>
               <a:ext uri="{FF2B5EF4-FFF2-40B4-BE49-F238E27FC236}">
-                <a16:creationId xmlns:a16="http://schemas.microsoft.com/office/drawing/2014/main" id="{D48EBE13-3FAA-4BAB-9B7A-6A85DE6DE99F}"/>
+                <a16:creationId xmlns:a16="http://schemas.microsoft.com/office/drawing/2014/main" xmlns="" id="{D48EBE13-3FAA-4BAB-9B7A-6A85DE6DE99F}"/>
               </a:ext>
             </a:extLst>
           </p:cNvPr>
@@ -2019,7 +2109,7 @@
             <a:fld id="{39D2C5AA-0DA3-4C59-A655-F19CFD772404}" type="datetime1">
               <a:rPr lang="it-IT" smtClean="0"/>
               <a:pPr/>
-              <a:t>28/02/2018</a:t>
+              <a:t>28/02/18</a:t>
             </a:fld>
             <a:r>
               <a:rPr lang="it-IT"/>
@@ -2033,7 +2123,7 @@
           <p:cNvPr id="6" name="Segnaposto piè di pagina 5">
             <a:extLst>
               <a:ext uri="{FF2B5EF4-FFF2-40B4-BE49-F238E27FC236}">
-                <a16:creationId xmlns:a16="http://schemas.microsoft.com/office/drawing/2014/main" id="{0B9FCB29-366E-4787-ACB1-FC4C611BB3FA}"/>
+                <a16:creationId xmlns:a16="http://schemas.microsoft.com/office/drawing/2014/main" xmlns="" id="{0B9FCB29-366E-4787-ACB1-FC4C611BB3FA}"/>
               </a:ext>
             </a:extLst>
           </p:cNvPr>
@@ -2059,7 +2149,7 @@
           <p:cNvPr id="7" name="Segnaposto numero diapositiva 6">
             <a:extLst>
               <a:ext uri="{FF2B5EF4-FFF2-40B4-BE49-F238E27FC236}">
-                <a16:creationId xmlns:a16="http://schemas.microsoft.com/office/drawing/2014/main" id="{B1BCB87E-C6D6-45E0-8FA7-78CED9B4F9BF}"/>
+                <a16:creationId xmlns:a16="http://schemas.microsoft.com/office/drawing/2014/main" xmlns="" id="{B1BCB87E-C6D6-45E0-8FA7-78CED9B4F9BF}"/>
               </a:ext>
             </a:extLst>
           </p:cNvPr>
@@ -2078,7 +2168,7 @@
             <a:pPr rtl="0"/>
             <a:fld id="{2A013F82-EE5E-44EE-A61D-E31C6657F26F}" type="slidenum">
               <a:rPr lang="it-IT" noProof="0" smtClean="0"/>
-              <a:t>‹N›</a:t>
+              <a:t>‹n.›</a:t>
             </a:fld>
             <a:endParaRPr lang="it-IT" noProof="0"/>
           </a:p>
@@ -2131,7 +2221,7 @@
           <p:cNvPr id="2" name="Titolo 1">
             <a:extLst>
               <a:ext uri="{FF2B5EF4-FFF2-40B4-BE49-F238E27FC236}">
-                <a16:creationId xmlns:a16="http://schemas.microsoft.com/office/drawing/2014/main" id="{400C940A-1B60-49B2-B3D9-983344CDDA0A}"/>
+                <a16:creationId xmlns:a16="http://schemas.microsoft.com/office/drawing/2014/main" xmlns="" id="{400C940A-1B60-49B2-B3D9-983344CDDA0A}"/>
               </a:ext>
             </a:extLst>
           </p:cNvPr>
@@ -2164,7 +2254,7 @@
           <p:cNvPr id="3" name="Segnaposto testo 2">
             <a:extLst>
               <a:ext uri="{FF2B5EF4-FFF2-40B4-BE49-F238E27FC236}">
-                <a16:creationId xmlns:a16="http://schemas.microsoft.com/office/drawing/2014/main" id="{7C1E8029-BA82-41B0-8594-38602C5E4D09}"/>
+                <a16:creationId xmlns:a16="http://schemas.microsoft.com/office/drawing/2014/main" xmlns="" id="{7C1E8029-BA82-41B0-8594-38602C5E4D09}"/>
               </a:ext>
             </a:extLst>
           </p:cNvPr>
@@ -2235,7 +2325,7 @@
           <p:cNvPr id="4" name="Segnaposto contenuto 3">
             <a:extLst>
               <a:ext uri="{FF2B5EF4-FFF2-40B4-BE49-F238E27FC236}">
-                <a16:creationId xmlns:a16="http://schemas.microsoft.com/office/drawing/2014/main" id="{B2806E62-6E6D-4991-AB6A-AEBB35885267}"/>
+                <a16:creationId xmlns:a16="http://schemas.microsoft.com/office/drawing/2014/main" xmlns="" id="{B2806E62-6E6D-4991-AB6A-AEBB35885267}"/>
               </a:ext>
             </a:extLst>
           </p:cNvPr>
@@ -2297,7 +2387,7 @@
           <p:cNvPr id="5" name="Segnaposto testo 4">
             <a:extLst>
               <a:ext uri="{FF2B5EF4-FFF2-40B4-BE49-F238E27FC236}">
-                <a16:creationId xmlns:a16="http://schemas.microsoft.com/office/drawing/2014/main" id="{4B45406B-480B-4DD2-B504-E16D83936D9B}"/>
+                <a16:creationId xmlns:a16="http://schemas.microsoft.com/office/drawing/2014/main" xmlns="" id="{4B45406B-480B-4DD2-B504-E16D83936D9B}"/>
               </a:ext>
             </a:extLst>
           </p:cNvPr>
@@ -2368,7 +2458,7 @@
           <p:cNvPr id="6" name="Segnaposto contenuto 5">
             <a:extLst>
               <a:ext uri="{FF2B5EF4-FFF2-40B4-BE49-F238E27FC236}">
-                <a16:creationId xmlns:a16="http://schemas.microsoft.com/office/drawing/2014/main" id="{B4421E14-A73E-4F52-B89E-32CDC52C203C}"/>
+                <a16:creationId xmlns:a16="http://schemas.microsoft.com/office/drawing/2014/main" xmlns="" id="{B4421E14-A73E-4F52-B89E-32CDC52C203C}"/>
               </a:ext>
             </a:extLst>
           </p:cNvPr>
@@ -2430,7 +2520,7 @@
           <p:cNvPr id="7" name="Segnaposto data 6">
             <a:extLst>
               <a:ext uri="{FF2B5EF4-FFF2-40B4-BE49-F238E27FC236}">
-                <a16:creationId xmlns:a16="http://schemas.microsoft.com/office/drawing/2014/main" id="{87E5E3B9-F203-458D-A09E-EDE69E39B613}"/>
+                <a16:creationId xmlns:a16="http://schemas.microsoft.com/office/drawing/2014/main" xmlns="" id="{87E5E3B9-F203-458D-A09E-EDE69E39B613}"/>
               </a:ext>
             </a:extLst>
           </p:cNvPr>
@@ -2453,7 +2543,7 @@
             <a:fld id="{4477D747-ABC6-40AC-BC57-34748F6F8724}" type="datetime1">
               <a:rPr lang="it-IT" smtClean="0"/>
               <a:pPr/>
-              <a:t>28/02/2018</a:t>
+              <a:t>28/02/18</a:t>
             </a:fld>
             <a:r>
               <a:rPr lang="it-IT"/>
@@ -2467,7 +2557,7 @@
           <p:cNvPr id="8" name="Segnaposto piè di pagina 7">
             <a:extLst>
               <a:ext uri="{FF2B5EF4-FFF2-40B4-BE49-F238E27FC236}">
-                <a16:creationId xmlns:a16="http://schemas.microsoft.com/office/drawing/2014/main" id="{E3054F23-1EF5-42CD-8935-408979E47F22}"/>
+                <a16:creationId xmlns:a16="http://schemas.microsoft.com/office/drawing/2014/main" xmlns="" id="{E3054F23-1EF5-42CD-8935-408979E47F22}"/>
               </a:ext>
             </a:extLst>
           </p:cNvPr>
@@ -2493,7 +2583,7 @@
           <p:cNvPr id="9" name="Segnaposto numero diapositiva 8">
             <a:extLst>
               <a:ext uri="{FF2B5EF4-FFF2-40B4-BE49-F238E27FC236}">
-                <a16:creationId xmlns:a16="http://schemas.microsoft.com/office/drawing/2014/main" id="{6257A309-9D56-4A68-831D-D74E98DB0C5E}"/>
+                <a16:creationId xmlns:a16="http://schemas.microsoft.com/office/drawing/2014/main" xmlns="" id="{6257A309-9D56-4A68-831D-D74E98DB0C5E}"/>
               </a:ext>
             </a:extLst>
           </p:cNvPr>
@@ -2512,7 +2602,7 @@
             <a:pPr rtl="0"/>
             <a:fld id="{2A013F82-EE5E-44EE-A61D-E31C6657F26F}" type="slidenum">
               <a:rPr lang="it-IT" noProof="0" smtClean="0"/>
-              <a:t>‹N›</a:t>
+              <a:t>‹n.›</a:t>
             </a:fld>
             <a:endParaRPr lang="it-IT" noProof="0"/>
           </a:p>
@@ -2565,7 +2655,7 @@
           <p:cNvPr id="2" name="Titolo 1">
             <a:extLst>
               <a:ext uri="{FF2B5EF4-FFF2-40B4-BE49-F238E27FC236}">
-                <a16:creationId xmlns:a16="http://schemas.microsoft.com/office/drawing/2014/main" id="{C87D6807-1472-4DEA-90D0-B8399E77509E}"/>
+                <a16:creationId xmlns:a16="http://schemas.microsoft.com/office/drawing/2014/main" xmlns="" id="{C87D6807-1472-4DEA-90D0-B8399E77509E}"/>
               </a:ext>
             </a:extLst>
           </p:cNvPr>
@@ -2593,7 +2683,7 @@
           <p:cNvPr id="3" name="Segnaposto data 2">
             <a:extLst>
               <a:ext uri="{FF2B5EF4-FFF2-40B4-BE49-F238E27FC236}">
-                <a16:creationId xmlns:a16="http://schemas.microsoft.com/office/drawing/2014/main" id="{583F70A0-7125-4A9B-8429-D38E7E3944F1}"/>
+                <a16:creationId xmlns:a16="http://schemas.microsoft.com/office/drawing/2014/main" xmlns="" id="{583F70A0-7125-4A9B-8429-D38E7E3944F1}"/>
               </a:ext>
             </a:extLst>
           </p:cNvPr>
@@ -2612,7 +2702,7 @@
             <a:fld id="{5BDDA3C6-2C05-43C6-8484-28141B203A86}" type="datetime1">
               <a:rPr lang="it-IT" smtClean="0"/>
               <a:pPr/>
-              <a:t>28/02/2018</a:t>
+              <a:t>28/02/18</a:t>
             </a:fld>
             <a:endParaRPr lang="it-IT"/>
           </a:p>
@@ -2623,7 +2713,7 @@
           <p:cNvPr id="4" name="Segnaposto piè di pagina 3">
             <a:extLst>
               <a:ext uri="{FF2B5EF4-FFF2-40B4-BE49-F238E27FC236}">
-                <a16:creationId xmlns:a16="http://schemas.microsoft.com/office/drawing/2014/main" id="{2BD87432-01B7-4DB0-B464-80D8F582FE56}"/>
+                <a16:creationId xmlns:a16="http://schemas.microsoft.com/office/drawing/2014/main" xmlns="" id="{2BD87432-01B7-4DB0-B464-80D8F582FE56}"/>
               </a:ext>
             </a:extLst>
           </p:cNvPr>
@@ -2649,7 +2739,7 @@
           <p:cNvPr id="5" name="Segnaposto numero diapositiva 4">
             <a:extLst>
               <a:ext uri="{FF2B5EF4-FFF2-40B4-BE49-F238E27FC236}">
-                <a16:creationId xmlns:a16="http://schemas.microsoft.com/office/drawing/2014/main" id="{12D997D1-2109-4A59-A5D7-B789C367E512}"/>
+                <a16:creationId xmlns:a16="http://schemas.microsoft.com/office/drawing/2014/main" xmlns="" id="{12D997D1-2109-4A59-A5D7-B789C367E512}"/>
               </a:ext>
             </a:extLst>
           </p:cNvPr>
@@ -2668,7 +2758,7 @@
             <a:pPr rtl="0"/>
             <a:fld id="{2A013F82-EE5E-44EE-A61D-E31C6657F26F}" type="slidenum">
               <a:rPr lang="it-IT" noProof="0" smtClean="0"/>
-              <a:t>‹N›</a:t>
+              <a:t>‹n.›</a:t>
             </a:fld>
             <a:endParaRPr lang="it-IT" noProof="0"/>
           </a:p>
@@ -2721,7 +2811,7 @@
           <p:cNvPr id="2" name="Segnaposto data 1">
             <a:extLst>
               <a:ext uri="{FF2B5EF4-FFF2-40B4-BE49-F238E27FC236}">
-                <a16:creationId xmlns:a16="http://schemas.microsoft.com/office/drawing/2014/main" id="{6D7375EE-C53B-4FBD-99DE-D63387B5A384}"/>
+                <a16:creationId xmlns:a16="http://schemas.microsoft.com/office/drawing/2014/main" xmlns="" id="{6D7375EE-C53B-4FBD-99DE-D63387B5A384}"/>
               </a:ext>
             </a:extLst>
           </p:cNvPr>
@@ -2740,7 +2830,7 @@
             <a:fld id="{38FDDE53-CDF8-4A6F-B68E-C9BDF459CFED}" type="datetime1">
               <a:rPr lang="it-IT" smtClean="0"/>
               <a:pPr/>
-              <a:t>28/02/2018</a:t>
+              <a:t>28/02/18</a:t>
             </a:fld>
             <a:endParaRPr lang="it-IT"/>
           </a:p>
@@ -2751,7 +2841,7 @@
           <p:cNvPr id="3" name="Segnaposto piè di pagina 2">
             <a:extLst>
               <a:ext uri="{FF2B5EF4-FFF2-40B4-BE49-F238E27FC236}">
-                <a16:creationId xmlns:a16="http://schemas.microsoft.com/office/drawing/2014/main" id="{487B0DB9-BE6B-4673-AF0D-F3EC0F667AF3}"/>
+                <a16:creationId xmlns:a16="http://schemas.microsoft.com/office/drawing/2014/main" xmlns="" id="{487B0DB9-BE6B-4673-AF0D-F3EC0F667AF3}"/>
               </a:ext>
             </a:extLst>
           </p:cNvPr>
@@ -2777,7 +2867,7 @@
           <p:cNvPr id="4" name="Segnaposto numero diapositiva 3">
             <a:extLst>
               <a:ext uri="{FF2B5EF4-FFF2-40B4-BE49-F238E27FC236}">
-                <a16:creationId xmlns:a16="http://schemas.microsoft.com/office/drawing/2014/main" id="{8D1E3DAE-7BFD-4CE8-A76A-0A7181DEC83E}"/>
+                <a16:creationId xmlns:a16="http://schemas.microsoft.com/office/drawing/2014/main" xmlns="" id="{8D1E3DAE-7BFD-4CE8-A76A-0A7181DEC83E}"/>
               </a:ext>
             </a:extLst>
           </p:cNvPr>
@@ -2796,7 +2886,7 @@
             <a:fld id="{2A013F82-EE5E-44EE-A61D-E31C6657F26F}" type="slidenum">
               <a:rPr lang="it-IT" smtClean="0"/>
               <a:pPr/>
-              <a:t>‹N›</a:t>
+              <a:t>‹n.›</a:t>
             </a:fld>
             <a:endParaRPr lang="it-IT"/>
           </a:p>
@@ -2837,7 +2927,7 @@
           <p:cNvPr id="2" name="Titolo 1">
             <a:extLst>
               <a:ext uri="{FF2B5EF4-FFF2-40B4-BE49-F238E27FC236}">
-                <a16:creationId xmlns:a16="http://schemas.microsoft.com/office/drawing/2014/main" id="{E4F605D0-8CA0-4464-A105-FDD7B288DD42}"/>
+                <a16:creationId xmlns:a16="http://schemas.microsoft.com/office/drawing/2014/main" xmlns="" id="{E4F605D0-8CA0-4464-A105-FDD7B288DD42}"/>
               </a:ext>
             </a:extLst>
           </p:cNvPr>
@@ -2874,7 +2964,7 @@
           <p:cNvPr id="3" name="Segnaposto contenuto 2">
             <a:extLst>
               <a:ext uri="{FF2B5EF4-FFF2-40B4-BE49-F238E27FC236}">
-                <a16:creationId xmlns:a16="http://schemas.microsoft.com/office/drawing/2014/main" id="{C7B7629A-45F6-497C-A0AD-ADD353818C60}"/>
+                <a16:creationId xmlns:a16="http://schemas.microsoft.com/office/drawing/2014/main" xmlns="" id="{C7B7629A-45F6-497C-A0AD-ADD353818C60}"/>
               </a:ext>
             </a:extLst>
           </p:cNvPr>
@@ -2964,7 +3054,7 @@
           <p:cNvPr id="4" name="Segnaposto testo 3">
             <a:extLst>
               <a:ext uri="{FF2B5EF4-FFF2-40B4-BE49-F238E27FC236}">
-                <a16:creationId xmlns:a16="http://schemas.microsoft.com/office/drawing/2014/main" id="{E9931C55-7A8E-4EC1-8369-8F44CE339F12}"/>
+                <a16:creationId xmlns:a16="http://schemas.microsoft.com/office/drawing/2014/main" xmlns="" id="{E9931C55-7A8E-4EC1-8369-8F44CE339F12}"/>
               </a:ext>
             </a:extLst>
           </p:cNvPr>
@@ -3035,7 +3125,7 @@
           <p:cNvPr id="5" name="Segnaposto data 4">
             <a:extLst>
               <a:ext uri="{FF2B5EF4-FFF2-40B4-BE49-F238E27FC236}">
-                <a16:creationId xmlns:a16="http://schemas.microsoft.com/office/drawing/2014/main" id="{C8C0100E-D53B-484F-9DAE-1BBC573750A6}"/>
+                <a16:creationId xmlns:a16="http://schemas.microsoft.com/office/drawing/2014/main" xmlns="" id="{C8C0100E-D53B-484F-9DAE-1BBC573750A6}"/>
               </a:ext>
             </a:extLst>
           </p:cNvPr>
@@ -3054,7 +3144,7 @@
             <a:fld id="{E75BD336-A561-42D4-B53C-C768C8AFC1F4}" type="datetime1">
               <a:rPr lang="it-IT" smtClean="0"/>
               <a:pPr/>
-              <a:t>28/02/2018</a:t>
+              <a:t>28/02/18</a:t>
             </a:fld>
             <a:endParaRPr lang="it-IT"/>
           </a:p>
@@ -3065,7 +3155,7 @@
           <p:cNvPr id="6" name="Segnaposto piè di pagina 5">
             <a:extLst>
               <a:ext uri="{FF2B5EF4-FFF2-40B4-BE49-F238E27FC236}">
-                <a16:creationId xmlns:a16="http://schemas.microsoft.com/office/drawing/2014/main" id="{9DF7636F-D721-46EC-8943-BFCBE20B5D92}"/>
+                <a16:creationId xmlns:a16="http://schemas.microsoft.com/office/drawing/2014/main" xmlns="" id="{9DF7636F-D721-46EC-8943-BFCBE20B5D92}"/>
               </a:ext>
             </a:extLst>
           </p:cNvPr>
@@ -3091,7 +3181,7 @@
           <p:cNvPr id="7" name="Segnaposto numero diapositiva 6">
             <a:extLst>
               <a:ext uri="{FF2B5EF4-FFF2-40B4-BE49-F238E27FC236}">
-                <a16:creationId xmlns:a16="http://schemas.microsoft.com/office/drawing/2014/main" id="{C08DFF52-ADC0-4A22-8A38-E6191EE48A12}"/>
+                <a16:creationId xmlns:a16="http://schemas.microsoft.com/office/drawing/2014/main" xmlns="" id="{C08DFF52-ADC0-4A22-8A38-E6191EE48A12}"/>
               </a:ext>
             </a:extLst>
           </p:cNvPr>
@@ -3110,7 +3200,7 @@
             <a:pPr rtl="0"/>
             <a:fld id="{2A013F82-EE5E-44EE-A61D-E31C6657F26F}" type="slidenum">
               <a:rPr lang="it-IT" noProof="0" smtClean="0"/>
-              <a:t>‹N›</a:t>
+              <a:t>‹n.›</a:t>
             </a:fld>
             <a:endParaRPr lang="it-IT" noProof="0"/>
           </a:p>
@@ -3163,7 +3253,7 @@
           <p:cNvPr id="2" name="Titolo 1">
             <a:extLst>
               <a:ext uri="{FF2B5EF4-FFF2-40B4-BE49-F238E27FC236}">
-                <a16:creationId xmlns:a16="http://schemas.microsoft.com/office/drawing/2014/main" id="{4344A773-8500-4A5B-AA8D-2CB227B62114}"/>
+                <a16:creationId xmlns:a16="http://schemas.microsoft.com/office/drawing/2014/main" xmlns="" id="{4344A773-8500-4A5B-AA8D-2CB227B62114}"/>
               </a:ext>
             </a:extLst>
           </p:cNvPr>
@@ -3200,7 +3290,7 @@
           <p:cNvPr id="3" name="Segnaposto immagine 2">
             <a:extLst>
               <a:ext uri="{FF2B5EF4-FFF2-40B4-BE49-F238E27FC236}">
-                <a16:creationId xmlns:a16="http://schemas.microsoft.com/office/drawing/2014/main" id="{D6B82028-563A-46FC-9452-9677DAA65CDC}"/>
+                <a16:creationId xmlns:a16="http://schemas.microsoft.com/office/drawing/2014/main" xmlns="" id="{D6B82028-563A-46FC-9452-9677DAA65CDC}"/>
               </a:ext>
             </a:extLst>
           </p:cNvPr>
@@ -3267,7 +3357,7 @@
           <p:cNvPr id="4" name="Segnaposto testo 3">
             <a:extLst>
               <a:ext uri="{FF2B5EF4-FFF2-40B4-BE49-F238E27FC236}">
-                <a16:creationId xmlns:a16="http://schemas.microsoft.com/office/drawing/2014/main" id="{4D1ADE49-876B-4ED5-8E48-F74541CA1E67}"/>
+                <a16:creationId xmlns:a16="http://schemas.microsoft.com/office/drawing/2014/main" xmlns="" id="{4D1ADE49-876B-4ED5-8E48-F74541CA1E67}"/>
               </a:ext>
             </a:extLst>
           </p:cNvPr>
@@ -3338,7 +3428,7 @@
           <p:cNvPr id="5" name="Segnaposto data 4">
             <a:extLst>
               <a:ext uri="{FF2B5EF4-FFF2-40B4-BE49-F238E27FC236}">
-                <a16:creationId xmlns:a16="http://schemas.microsoft.com/office/drawing/2014/main" id="{ACD92256-76B4-4A1C-8A31-55F2F8F24122}"/>
+                <a16:creationId xmlns:a16="http://schemas.microsoft.com/office/drawing/2014/main" xmlns="" id="{ACD92256-76B4-4A1C-8A31-55F2F8F24122}"/>
               </a:ext>
             </a:extLst>
           </p:cNvPr>
@@ -3357,7 +3447,7 @@
             <a:fld id="{63A98978-DDCB-4322-90DA-759B156EAB4D}" type="datetime1">
               <a:rPr lang="it-IT" smtClean="0"/>
               <a:pPr/>
-              <a:t>28/02/2018</a:t>
+              <a:t>28/02/18</a:t>
             </a:fld>
             <a:endParaRPr lang="it-IT"/>
           </a:p>
@@ -3368,7 +3458,7 @@
           <p:cNvPr id="6" name="Segnaposto piè di pagina 5">
             <a:extLst>
               <a:ext uri="{FF2B5EF4-FFF2-40B4-BE49-F238E27FC236}">
-                <a16:creationId xmlns:a16="http://schemas.microsoft.com/office/drawing/2014/main" id="{ECDE0F42-B583-4CA9-BC22-4DBEAC1DF8AC}"/>
+                <a16:creationId xmlns:a16="http://schemas.microsoft.com/office/drawing/2014/main" xmlns="" id="{ECDE0F42-B583-4CA9-BC22-4DBEAC1DF8AC}"/>
               </a:ext>
             </a:extLst>
           </p:cNvPr>
@@ -3394,7 +3484,7 @@
           <p:cNvPr id="7" name="Segnaposto numero diapositiva 6">
             <a:extLst>
               <a:ext uri="{FF2B5EF4-FFF2-40B4-BE49-F238E27FC236}">
-                <a16:creationId xmlns:a16="http://schemas.microsoft.com/office/drawing/2014/main" id="{40A6A401-72A6-4545-8D92-70DE65C34F6B}"/>
+                <a16:creationId xmlns:a16="http://schemas.microsoft.com/office/drawing/2014/main" xmlns="" id="{40A6A401-72A6-4545-8D92-70DE65C34F6B}"/>
               </a:ext>
             </a:extLst>
           </p:cNvPr>
@@ -3414,7 +3504,7 @@
             <a:fld id="{2A013F82-EE5E-44EE-A61D-E31C6657F26F}" type="slidenum">
               <a:rPr lang="it-IT" noProof="0" smtClean="0"/>
               <a:pPr rtl="0"/>
-              <a:t>‹N›</a:t>
+              <a:t>‹n.›</a:t>
             </a:fld>
             <a:endParaRPr lang="it-IT" noProof="0"/>
           </a:p>
@@ -3472,7 +3562,7 @@
           <p:cNvPr id="2" name="Segnaposto titolo 1">
             <a:extLst>
               <a:ext uri="{FF2B5EF4-FFF2-40B4-BE49-F238E27FC236}">
-                <a16:creationId xmlns:a16="http://schemas.microsoft.com/office/drawing/2014/main" id="{1860AE94-4787-4A39-94A0-BC4C3303518C}"/>
+                <a16:creationId xmlns:a16="http://schemas.microsoft.com/office/drawing/2014/main" xmlns="" id="{1860AE94-4787-4A39-94A0-BC4C3303518C}"/>
               </a:ext>
             </a:extLst>
           </p:cNvPr>
@@ -3510,7 +3600,7 @@
           <p:cNvPr id="3" name="Segnaposto testo 2">
             <a:extLst>
               <a:ext uri="{FF2B5EF4-FFF2-40B4-BE49-F238E27FC236}">
-                <a16:creationId xmlns:a16="http://schemas.microsoft.com/office/drawing/2014/main" id="{C10B093F-FB28-44DF-BA2A-60DE4CA318D5}"/>
+                <a16:creationId xmlns:a16="http://schemas.microsoft.com/office/drawing/2014/main" xmlns="" id="{C10B093F-FB28-44DF-BA2A-60DE4CA318D5}"/>
               </a:ext>
             </a:extLst>
           </p:cNvPr>
@@ -3577,7 +3667,7 @@
           <p:cNvPr id="4" name="Segnaposto data 3">
             <a:extLst>
               <a:ext uri="{FF2B5EF4-FFF2-40B4-BE49-F238E27FC236}">
-                <a16:creationId xmlns:a16="http://schemas.microsoft.com/office/drawing/2014/main" id="{9F664C78-D3B0-419D-B820-874DA1B3CCFC}"/>
+                <a16:creationId xmlns:a16="http://schemas.microsoft.com/office/drawing/2014/main" xmlns="" id="{9F664C78-D3B0-419D-B820-874DA1B3CCFC}"/>
               </a:ext>
             </a:extLst>
           </p:cNvPr>
@@ -3614,7 +3704,7 @@
             <a:fld id="{38FDDE53-CDF8-4A6F-B68E-C9BDF459CFED}" type="datetime1">
               <a:rPr lang="it-IT" smtClean="0"/>
               <a:pPr/>
-              <a:t>28/02/2018</a:t>
+              <a:t>28/02/18</a:t>
             </a:fld>
             <a:endParaRPr lang="it-IT"/>
           </a:p>
@@ -3625,7 +3715,7 @@
           <p:cNvPr id="5" name="Segnaposto piè di pagina 4">
             <a:extLst>
               <a:ext uri="{FF2B5EF4-FFF2-40B4-BE49-F238E27FC236}">
-                <a16:creationId xmlns:a16="http://schemas.microsoft.com/office/drawing/2014/main" id="{E591E432-2AB9-4E4B-AD67-EC42F92EBCF8}"/>
+                <a16:creationId xmlns:a16="http://schemas.microsoft.com/office/drawing/2014/main" xmlns="" id="{E591E432-2AB9-4E4B-AD67-EC42F92EBCF8}"/>
               </a:ext>
             </a:extLst>
           </p:cNvPr>
@@ -3669,7 +3759,7 @@
           <p:cNvPr id="6" name="Segnaposto numero diapositiva 5">
             <a:extLst>
               <a:ext uri="{FF2B5EF4-FFF2-40B4-BE49-F238E27FC236}">
-                <a16:creationId xmlns:a16="http://schemas.microsoft.com/office/drawing/2014/main" id="{2CF6297E-1FFB-4E36-ACFC-5CCE27A167D8}"/>
+                <a16:creationId xmlns:a16="http://schemas.microsoft.com/office/drawing/2014/main" xmlns="" id="{2CF6297E-1FFB-4E36-ACFC-5CCE27A167D8}"/>
               </a:ext>
             </a:extLst>
           </p:cNvPr>
@@ -3706,7 +3796,7 @@
             <a:fld id="{2A013F82-EE5E-44EE-A61D-E31C6657F26F}" type="slidenum">
               <a:rPr lang="it-IT" smtClean="0"/>
               <a:pPr/>
-              <a:t>‹N›</a:t>
+              <a:t>‹n.›</a:t>
             </a:fld>
             <a:endParaRPr lang="it-IT"/>
           </a:p>
@@ -4156,7 +4246,7 @@
           <p:cNvPr id="2" name="Titolo 1">
             <a:extLst>
               <a:ext uri="{FF2B5EF4-FFF2-40B4-BE49-F238E27FC236}">
-                <a16:creationId xmlns:a16="http://schemas.microsoft.com/office/drawing/2014/main" id="{243D472C-AC6D-43F0-AEDD-3E094959D3D1}"/>
+                <a16:creationId xmlns:a16="http://schemas.microsoft.com/office/drawing/2014/main" xmlns="" id="{243D472C-AC6D-43F0-AEDD-3E094959D3D1}"/>
               </a:ext>
             </a:extLst>
           </p:cNvPr>
@@ -4193,7 +4283,7 @@
           <p:cNvPr id="3" name="Segnaposto contenuto 2">
             <a:extLst>
               <a:ext uri="{FF2B5EF4-FFF2-40B4-BE49-F238E27FC236}">
-                <a16:creationId xmlns:a16="http://schemas.microsoft.com/office/drawing/2014/main" id="{5E39DF4D-B565-4C85-AA30-E456D1F6CC8F}"/>
+                <a16:creationId xmlns:a16="http://schemas.microsoft.com/office/drawing/2014/main" xmlns="" id="{5E39DF4D-B565-4C85-AA30-E456D1F6CC8F}"/>
               </a:ext>
             </a:extLst>
           </p:cNvPr>
@@ -4383,7 +4473,7 @@
           <p:cNvPr id="4" name="Rettangolo 3">
             <a:extLst>
               <a:ext uri="{FF2B5EF4-FFF2-40B4-BE49-F238E27FC236}">
-                <a16:creationId xmlns:a16="http://schemas.microsoft.com/office/drawing/2014/main" id="{572B658B-BA5E-4507-8D2B-571C9CA4A35E}"/>
+                <a16:creationId xmlns:a16="http://schemas.microsoft.com/office/drawing/2014/main" xmlns="" id="{572B658B-BA5E-4507-8D2B-571C9CA4A35E}"/>
               </a:ext>
             </a:extLst>
           </p:cNvPr>
@@ -4583,7 +4673,7 @@
           <p:cNvPr id="2" name="Titolo 1">
             <a:extLst>
               <a:ext uri="{FF2B5EF4-FFF2-40B4-BE49-F238E27FC236}">
-                <a16:creationId xmlns:a16="http://schemas.microsoft.com/office/drawing/2014/main" id="{E9E2DD42-98AC-4C66-A9E1-02AC62467788}"/>
+                <a16:creationId xmlns:a16="http://schemas.microsoft.com/office/drawing/2014/main" xmlns="" id="{E9E2DD42-98AC-4C66-A9E1-02AC62467788}"/>
               </a:ext>
             </a:extLst>
           </p:cNvPr>
@@ -4627,7 +4717,7 @@
           <p:cNvPr id="3" name="Segnaposto contenuto 2">
             <a:extLst>
               <a:ext uri="{FF2B5EF4-FFF2-40B4-BE49-F238E27FC236}">
-                <a16:creationId xmlns:a16="http://schemas.microsoft.com/office/drawing/2014/main" id="{F99705D3-0985-4243-8F5E-D0922E1EAEC4}"/>
+                <a16:creationId xmlns:a16="http://schemas.microsoft.com/office/drawing/2014/main" xmlns="" id="{F99705D3-0985-4243-8F5E-D0922E1EAEC4}"/>
               </a:ext>
             </a:extLst>
           </p:cNvPr>
@@ -5012,6 +5102,1386 @@
       </p:transition>
     </mc:Choice>
     <mc:Fallback xmlns="">
+      <p:transition spd="med">
+        <p:fade/>
+      </p:transition>
+    </mc:Fallback>
+  </mc:AlternateContent>
+</p:sld>
+</file>
+
+<file path=ppt/slides/slide5.xml><?xml version="1.0" encoding="utf-8"?>
+<p:sld xmlns:a="http://schemas.openxmlformats.org/drawingml/2006/main" xmlns:r="http://schemas.openxmlformats.org/officeDocument/2006/relationships" xmlns:p="http://schemas.openxmlformats.org/presentationml/2006/main">
+  <p:cSld>
+    <p:spTree>
+      <p:nvGrpSpPr>
+        <p:cNvPr id="1" name=""/>
+        <p:cNvGrpSpPr/>
+        <p:nvPr/>
+      </p:nvGrpSpPr>
+      <p:grpSpPr>
+        <a:xfrm>
+          <a:off x="0" y="0"/>
+          <a:ext cx="0" cy="0"/>
+          <a:chOff x="0" y="0"/>
+          <a:chExt cx="0" cy="0"/>
+        </a:xfrm>
+      </p:grpSpPr>
+      <p:sp>
+        <p:nvSpPr>
+          <p:cNvPr id="5" name="CasellaDiTesto 4"/>
+          <p:cNvSpPr txBox="1"/>
+          <p:nvPr/>
+        </p:nvSpPr>
+        <p:spPr>
+          <a:xfrm>
+            <a:off x="405780" y="332656"/>
+            <a:ext cx="10441160" cy="707886"/>
+          </a:xfrm>
+          <a:prstGeom prst="rect">
+            <a:avLst/>
+          </a:prstGeom>
+          <a:noFill/>
+        </p:spPr>
+        <p:txBody>
+          <a:bodyPr wrap="square" rtlCol="0">
+            <a:spAutoFit/>
+          </a:bodyPr>
+          <a:lstStyle/>
+          <a:p>
+            <a:r>
+              <a:rPr lang="it-IT" sz="4000" dirty="0" err="1" smtClean="0"/>
+              <a:t>Simulations</a:t>
+            </a:r>
+            <a:endParaRPr lang="it-IT" sz="4000" dirty="0"/>
+          </a:p>
+        </p:txBody>
+      </p:sp>
+      <p:sp>
+        <p:nvSpPr>
+          <p:cNvPr id="6" name="CasellaDiTesto 5"/>
+          <p:cNvSpPr txBox="1"/>
+          <p:nvPr/>
+        </p:nvSpPr>
+        <p:spPr>
+          <a:xfrm>
+            <a:off x="587164" y="1469887"/>
+            <a:ext cx="9361040" cy="1754326"/>
+          </a:xfrm>
+          <a:prstGeom prst="rect">
+            <a:avLst/>
+          </a:prstGeom>
+          <a:noFill/>
+        </p:spPr>
+        <p:txBody>
+          <a:bodyPr wrap="square" rtlCol="0">
+            <a:spAutoFit/>
+          </a:bodyPr>
+          <a:lstStyle/>
+          <a:p>
+            <a:r>
+              <a:rPr lang="it-IT" dirty="0" smtClean="0"/>
+              <a:t>TRAINING PHASE</a:t>
+            </a:r>
+            <a:endParaRPr lang="it-IT" dirty="0"/>
+          </a:p>
+          <a:p>
+            <a:pPr marL="285750" indent="-285750">
+              <a:buFont typeface="Arial" charset="0"/>
+              <a:buChar char="•"/>
+            </a:pPr>
+            <a:r>
+              <a:rPr lang="it-IT" dirty="0" smtClean="0"/>
+              <a:t>40 </a:t>
+            </a:r>
+            <a:r>
+              <a:rPr lang="it-IT" dirty="0" err="1" smtClean="0"/>
+              <a:t>simulations</a:t>
+            </a:r>
+            <a:r>
+              <a:rPr lang="it-IT" dirty="0" smtClean="0"/>
+              <a:t> of 100 </a:t>
+            </a:r>
+            <a:r>
+              <a:rPr lang="it-IT" dirty="0" err="1" smtClean="0"/>
+              <a:t>frames</a:t>
+            </a:r>
+            <a:r>
+              <a:rPr lang="it-IT" dirty="0" smtClean="0"/>
+              <a:t> </a:t>
+            </a:r>
+            <a:r>
+              <a:rPr lang="it-IT" dirty="0" err="1" smtClean="0"/>
+              <a:t>each</a:t>
+            </a:r>
+            <a:endParaRPr lang="it-IT" dirty="0" smtClean="0"/>
+          </a:p>
+          <a:p>
+            <a:pPr marL="285750" indent="-285750">
+              <a:buFont typeface="Arial" charset="0"/>
+              <a:buChar char="•"/>
+            </a:pPr>
+            <a:r>
+              <a:rPr lang="it-IT" dirty="0" smtClean="0"/>
+              <a:t>Random </a:t>
+            </a:r>
+            <a:r>
+              <a:rPr lang="it-IT" dirty="0" err="1" smtClean="0"/>
+              <a:t>users</a:t>
+            </a:r>
+            <a:r>
+              <a:rPr lang="it-IT" dirty="0" smtClean="0"/>
+              <a:t> </a:t>
+            </a:r>
+            <a:r>
+              <a:rPr lang="it-IT" dirty="0" err="1" smtClean="0"/>
+              <a:t>path</a:t>
+            </a:r>
+            <a:r>
+              <a:rPr lang="it-IT" dirty="0" smtClean="0"/>
+              <a:t> over a </a:t>
+            </a:r>
+            <a:r>
+              <a:rPr lang="it-IT" dirty="0" err="1" smtClean="0"/>
+              <a:t>simulated</a:t>
+            </a:r>
+            <a:r>
+              <a:rPr lang="it-IT" dirty="0" smtClean="0"/>
+              <a:t> city</a:t>
+            </a:r>
+          </a:p>
+          <a:p>
+            <a:pPr marL="285750" indent="-285750">
+              <a:buFont typeface="Arial" charset="0"/>
+              <a:buChar char="•"/>
+            </a:pPr>
+            <a:r>
+              <a:rPr lang="it-IT" dirty="0" err="1" smtClean="0"/>
+              <a:t>Q-learning’s</a:t>
+            </a:r>
+            <a:r>
+              <a:rPr lang="it-IT" dirty="0" smtClean="0"/>
+              <a:t> off policy </a:t>
+            </a:r>
+            <a:r>
+              <a:rPr lang="it-IT" dirty="0" err="1" smtClean="0"/>
+              <a:t>exploitation</a:t>
+            </a:r>
+            <a:endParaRPr lang="it-IT" dirty="0" smtClean="0"/>
+          </a:p>
+          <a:p>
+            <a:pPr marL="285750" indent="-285750">
+              <a:buFont typeface="Arial" charset="0"/>
+              <a:buChar char="•"/>
+            </a:pPr>
+            <a:endParaRPr lang="it-IT" dirty="0" smtClean="0"/>
+          </a:p>
+          <a:p>
+            <a:r>
+              <a:rPr lang="it-IT" dirty="0"/>
+              <a:t>	</a:t>
+            </a:r>
+            <a:r>
+              <a:rPr lang="it-IT" dirty="0" smtClean="0"/>
+              <a:t>	 </a:t>
+            </a:r>
+            <a:endParaRPr lang="it-IT" dirty="0"/>
+          </a:p>
+        </p:txBody>
+      </p:sp>
+      <p:sp>
+        <p:nvSpPr>
+          <p:cNvPr id="7" name="CasellaDiTesto 6"/>
+          <p:cNvSpPr txBox="1"/>
+          <p:nvPr/>
+        </p:nvSpPr>
+        <p:spPr>
+          <a:xfrm>
+            <a:off x="585800" y="2960948"/>
+            <a:ext cx="10729192" cy="1200329"/>
+          </a:xfrm>
+          <a:prstGeom prst="rect">
+            <a:avLst/>
+          </a:prstGeom>
+          <a:noFill/>
+        </p:spPr>
+        <p:txBody>
+          <a:bodyPr wrap="square" rtlCol="0">
+            <a:spAutoFit/>
+          </a:bodyPr>
+          <a:lstStyle/>
+          <a:p>
+            <a:r>
+              <a:rPr lang="it-IT" dirty="0" err="1" smtClean="0"/>
+              <a:t>Comparisons</a:t>
+            </a:r>
+            <a:r>
+              <a:rPr lang="it-IT" dirty="0" smtClean="0"/>
+              <a:t>:  2 </a:t>
+            </a:r>
+            <a:r>
+              <a:rPr lang="it-IT" dirty="0" err="1" smtClean="0"/>
+              <a:t>different</a:t>
+            </a:r>
+            <a:r>
+              <a:rPr lang="it-IT" dirty="0" smtClean="0"/>
+              <a:t> ABS </a:t>
+            </a:r>
+            <a:r>
+              <a:rPr lang="it-IT" dirty="0" err="1" smtClean="0"/>
+              <a:t>policies</a:t>
+            </a:r>
+            <a:r>
+              <a:rPr lang="it-IT" dirty="0" smtClean="0"/>
+              <a:t> </a:t>
+            </a:r>
+            <a:r>
+              <a:rPr lang="it-IT" dirty="0" err="1" smtClean="0"/>
+              <a:t>implemented</a:t>
+            </a:r>
+            <a:r>
+              <a:rPr lang="it-IT" dirty="0" smtClean="0"/>
+              <a:t> in </a:t>
+            </a:r>
+            <a:r>
+              <a:rPr lang="it-IT" dirty="0" err="1" smtClean="0"/>
+              <a:t>MoNSTER</a:t>
+            </a:r>
+            <a:r>
+              <a:rPr lang="it-IT" dirty="0" smtClean="0"/>
+              <a:t> 	</a:t>
+            </a:r>
+          </a:p>
+          <a:p>
+            <a:pPr marL="1200150" lvl="2" indent="-285750">
+              <a:buFont typeface="Arial" charset="0"/>
+              <a:buChar char="•"/>
+            </a:pPr>
+            <a:r>
+              <a:rPr lang="it-IT" dirty="0" smtClean="0"/>
+              <a:t>RANDOM: the </a:t>
+            </a:r>
+            <a:r>
+              <a:rPr lang="it-IT" dirty="0" err="1" smtClean="0"/>
+              <a:t>number</a:t>
+            </a:r>
+            <a:r>
+              <a:rPr lang="it-IT" dirty="0" smtClean="0"/>
+              <a:t> of ABS </a:t>
+            </a:r>
+            <a:r>
+              <a:rPr lang="it-IT" dirty="0" err="1" smtClean="0"/>
+              <a:t>is</a:t>
+            </a:r>
+            <a:r>
+              <a:rPr lang="it-IT" dirty="0" smtClean="0"/>
+              <a:t> </a:t>
+            </a:r>
+            <a:r>
+              <a:rPr lang="it-IT" dirty="0" err="1" smtClean="0"/>
+              <a:t>increased</a:t>
+            </a:r>
+            <a:r>
+              <a:rPr lang="it-IT" dirty="0" smtClean="0"/>
+              <a:t>, </a:t>
+            </a:r>
+            <a:r>
+              <a:rPr lang="it-IT" dirty="0" err="1" smtClean="0"/>
+              <a:t>decreased</a:t>
+            </a:r>
+            <a:r>
+              <a:rPr lang="it-IT" dirty="0" smtClean="0"/>
+              <a:t> or </a:t>
+            </a:r>
+            <a:r>
+              <a:rPr lang="it-IT" dirty="0" err="1" smtClean="0"/>
+              <a:t>hold</a:t>
+            </a:r>
+            <a:r>
+              <a:rPr lang="it-IT" dirty="0" smtClean="0"/>
+              <a:t> with </a:t>
+            </a:r>
+            <a:r>
+              <a:rPr lang="it-IT" dirty="0" err="1" smtClean="0"/>
+              <a:t>equal</a:t>
+            </a:r>
+            <a:r>
+              <a:rPr lang="it-IT" dirty="0" smtClean="0"/>
+              <a:t> </a:t>
+            </a:r>
+            <a:r>
+              <a:rPr lang="it-IT" dirty="0" err="1" smtClean="0"/>
+              <a:t>probability</a:t>
+            </a:r>
+            <a:endParaRPr lang="it-IT" dirty="0" smtClean="0"/>
+          </a:p>
+          <a:p>
+            <a:pPr marL="1200150" lvl="2" indent="-285750">
+              <a:buFont typeface="Arial" charset="0"/>
+              <a:buChar char="•"/>
+            </a:pPr>
+            <a:r>
+              <a:rPr lang="it-IT" dirty="0" smtClean="0"/>
+              <a:t>STATIC: the </a:t>
+            </a:r>
+            <a:r>
+              <a:rPr lang="it-IT" dirty="0" err="1" smtClean="0"/>
+              <a:t>number</a:t>
+            </a:r>
+            <a:r>
+              <a:rPr lang="it-IT" dirty="0" smtClean="0"/>
+              <a:t> of ABS </a:t>
+            </a:r>
+            <a:r>
+              <a:rPr lang="it-IT" dirty="0" err="1" smtClean="0"/>
+              <a:t>is</a:t>
+            </a:r>
+            <a:r>
+              <a:rPr lang="it-IT" dirty="0" smtClean="0"/>
+              <a:t> </a:t>
+            </a:r>
+            <a:r>
+              <a:rPr lang="it-IT" dirty="0" err="1" smtClean="0"/>
+              <a:t>kept</a:t>
+            </a:r>
+            <a:r>
+              <a:rPr lang="it-IT" dirty="0" smtClean="0"/>
+              <a:t> </a:t>
+            </a:r>
+            <a:r>
+              <a:rPr lang="it-IT" dirty="0" err="1" smtClean="0"/>
+              <a:t>constant</a:t>
+            </a:r>
+            <a:r>
+              <a:rPr lang="it-IT" dirty="0" smtClean="0"/>
+              <a:t> over the </a:t>
+            </a:r>
+            <a:r>
+              <a:rPr lang="it-IT" dirty="0" err="1" smtClean="0"/>
+              <a:t>entire</a:t>
+            </a:r>
+            <a:r>
+              <a:rPr lang="it-IT" dirty="0" smtClean="0"/>
+              <a:t> </a:t>
+            </a:r>
+            <a:r>
+              <a:rPr lang="it-IT" dirty="0" err="1" smtClean="0"/>
+              <a:t>simulation</a:t>
+            </a:r>
+            <a:endParaRPr lang="it-IT" dirty="0" smtClean="0"/>
+          </a:p>
+          <a:p>
+            <a:pPr lvl="2"/>
+            <a:endParaRPr lang="it-IT" dirty="0" smtClean="0"/>
+          </a:p>
+        </p:txBody>
+      </p:sp>
+      <p:sp>
+        <p:nvSpPr>
+          <p:cNvPr id="9" name="CasellaDiTesto 8"/>
+          <p:cNvSpPr txBox="1"/>
+          <p:nvPr/>
+        </p:nvSpPr>
+        <p:spPr>
+          <a:xfrm>
+            <a:off x="549796" y="4293096"/>
+            <a:ext cx="11089232" cy="1200329"/>
+          </a:xfrm>
+          <a:prstGeom prst="rect">
+            <a:avLst/>
+          </a:prstGeom>
+          <a:noFill/>
+        </p:spPr>
+        <p:txBody>
+          <a:bodyPr wrap="square" rtlCol="0">
+            <a:spAutoFit/>
+          </a:bodyPr>
+          <a:lstStyle/>
+          <a:p>
+            <a:r>
+              <a:rPr lang="it-IT" dirty="0" smtClean="0"/>
+              <a:t>Three </a:t>
+            </a:r>
+            <a:r>
+              <a:rPr lang="it-IT" dirty="0" err="1" smtClean="0"/>
+              <a:t>different</a:t>
+            </a:r>
+            <a:r>
+              <a:rPr lang="it-IT" dirty="0" smtClean="0"/>
+              <a:t> </a:t>
+            </a:r>
+            <a:r>
+              <a:rPr lang="it-IT" dirty="0" err="1" smtClean="0"/>
+              <a:t>traffic</a:t>
+            </a:r>
+            <a:r>
+              <a:rPr lang="it-IT" dirty="0" smtClean="0"/>
+              <a:t> model </a:t>
+            </a:r>
+            <a:r>
+              <a:rPr lang="it-IT" dirty="0" err="1" smtClean="0"/>
+              <a:t>considered</a:t>
+            </a:r>
+            <a:endParaRPr lang="it-IT" dirty="0"/>
+          </a:p>
+          <a:p>
+            <a:pPr marL="1200150" lvl="2" indent="-285750">
+              <a:buFont typeface="Arial" charset="0"/>
+              <a:buChar char="•"/>
+            </a:pPr>
+            <a:r>
+              <a:rPr lang="it-IT" dirty="0" smtClean="0"/>
+              <a:t>WEB BROWSING: </a:t>
+            </a:r>
+            <a:r>
+              <a:rPr lang="it-IT" dirty="0" err="1" smtClean="0"/>
+              <a:t>requests</a:t>
+            </a:r>
+            <a:r>
+              <a:rPr lang="it-IT" dirty="0" smtClean="0"/>
+              <a:t> are made </a:t>
+            </a:r>
+            <a:r>
+              <a:rPr lang="it-IT" dirty="0" err="1" smtClean="0"/>
+              <a:t>following</a:t>
+            </a:r>
+            <a:r>
+              <a:rPr lang="it-IT" dirty="0" smtClean="0"/>
+              <a:t> a </a:t>
+            </a:r>
+            <a:r>
+              <a:rPr lang="it-IT" dirty="0" err="1" smtClean="0"/>
+              <a:t>Poisson</a:t>
+            </a:r>
+            <a:r>
+              <a:rPr lang="it-IT" dirty="0" smtClean="0"/>
+              <a:t> </a:t>
+            </a:r>
+            <a:r>
+              <a:rPr lang="it-IT" dirty="0" err="1" smtClean="0"/>
+              <a:t>process</a:t>
+            </a:r>
+            <a:r>
+              <a:rPr lang="it-IT" dirty="0" smtClean="0"/>
+              <a:t> of </a:t>
+            </a:r>
+            <a:r>
+              <a:rPr lang="it-IT" dirty="0" err="1" smtClean="0"/>
+              <a:t>parameter</a:t>
+            </a:r>
+            <a:r>
+              <a:rPr lang="it-IT" dirty="0" smtClean="0"/>
+              <a:t> </a:t>
+            </a:r>
+          </a:p>
+          <a:p>
+            <a:pPr marL="1200150" lvl="2" indent="-285750">
+              <a:buFont typeface="Arial" charset="0"/>
+              <a:buChar char="•"/>
+            </a:pPr>
+            <a:r>
+              <a:rPr lang="it-IT" dirty="0" smtClean="0"/>
+              <a:t>FULL BUFFER: the </a:t>
+            </a:r>
+            <a:r>
+              <a:rPr lang="it-IT" dirty="0" err="1" smtClean="0"/>
+              <a:t>system</a:t>
+            </a:r>
+            <a:r>
+              <a:rPr lang="it-IT" dirty="0" smtClean="0"/>
+              <a:t> </a:t>
+            </a:r>
+            <a:r>
+              <a:rPr lang="it-IT" dirty="0" err="1" smtClean="0"/>
+              <a:t>is</a:t>
+            </a:r>
+            <a:r>
+              <a:rPr lang="it-IT" dirty="0" smtClean="0"/>
+              <a:t> </a:t>
+            </a:r>
+            <a:r>
+              <a:rPr lang="it-IT" dirty="0" err="1" smtClean="0"/>
+              <a:t>always</a:t>
+            </a:r>
+            <a:r>
+              <a:rPr lang="it-IT" dirty="0" smtClean="0"/>
+              <a:t> </a:t>
+            </a:r>
+            <a:r>
+              <a:rPr lang="it-IT" dirty="0" err="1" smtClean="0"/>
+              <a:t>saturated</a:t>
+            </a:r>
+            <a:r>
+              <a:rPr lang="it-IT" dirty="0" smtClean="0"/>
+              <a:t> with </a:t>
+            </a:r>
+            <a:r>
+              <a:rPr lang="it-IT" dirty="0" err="1" smtClean="0"/>
+              <a:t>packets</a:t>
+            </a:r>
+            <a:r>
+              <a:rPr lang="it-IT" dirty="0" smtClean="0"/>
+              <a:t> of </a:t>
+            </a:r>
+            <a:r>
+              <a:rPr lang="it-IT" dirty="0" err="1" smtClean="0"/>
+              <a:t>incredible</a:t>
+            </a:r>
+            <a:r>
+              <a:rPr lang="it-IT" dirty="0" smtClean="0"/>
+              <a:t> </a:t>
+            </a:r>
+            <a:r>
+              <a:rPr lang="it-IT" dirty="0" err="1" smtClean="0"/>
+              <a:t>size</a:t>
+            </a:r>
+            <a:endParaRPr lang="it-IT" dirty="0" smtClean="0"/>
+          </a:p>
+          <a:p>
+            <a:pPr marL="1200150" lvl="2" indent="-285750">
+              <a:buFont typeface="Arial" charset="0"/>
+              <a:buChar char="•"/>
+            </a:pPr>
+            <a:r>
+              <a:rPr lang="it-IT" dirty="0" smtClean="0"/>
+              <a:t>VIDEO STREAMING: </a:t>
+            </a:r>
+            <a:r>
+              <a:rPr lang="it-IT" dirty="0" err="1" smtClean="0"/>
+              <a:t>traffic</a:t>
+            </a:r>
+            <a:r>
+              <a:rPr lang="it-IT" dirty="0" smtClean="0"/>
+              <a:t> </a:t>
+            </a:r>
+            <a:r>
+              <a:rPr lang="it-IT" dirty="0" err="1" smtClean="0"/>
+              <a:t>is</a:t>
+            </a:r>
+            <a:r>
+              <a:rPr lang="it-IT" dirty="0" smtClean="0"/>
+              <a:t> </a:t>
+            </a:r>
+            <a:r>
+              <a:rPr lang="it-IT" dirty="0" err="1" smtClean="0"/>
+              <a:t>generated</a:t>
+            </a:r>
+            <a:r>
+              <a:rPr lang="it-IT" dirty="0" smtClean="0"/>
+              <a:t> </a:t>
+            </a:r>
+            <a:r>
+              <a:rPr lang="it-IT" dirty="0" err="1" smtClean="0"/>
+              <a:t>usingBig</a:t>
+            </a:r>
+            <a:r>
+              <a:rPr lang="it-IT" dirty="0" smtClean="0"/>
+              <a:t> Buck Bunny </a:t>
+            </a:r>
+            <a:r>
+              <a:rPr lang="it-IT" dirty="0" err="1" smtClean="0"/>
+              <a:t>real</a:t>
+            </a:r>
+            <a:r>
+              <a:rPr lang="it-IT" dirty="0" smtClean="0"/>
+              <a:t> </a:t>
+            </a:r>
+            <a:r>
+              <a:rPr lang="it-IT" dirty="0" err="1" smtClean="0"/>
+              <a:t>traces</a:t>
+            </a:r>
+            <a:r>
+              <a:rPr lang="it-IT" dirty="0"/>
+              <a:t>	</a:t>
+            </a:r>
+          </a:p>
+        </p:txBody>
+      </p:sp>
+    </p:spTree>
+    <p:extLst>
+      <p:ext uri="{BB962C8B-B14F-4D97-AF65-F5344CB8AC3E}">
+        <p14:creationId xmlns:p14="http://schemas.microsoft.com/office/powerpoint/2010/main" val="966660775"/>
+      </p:ext>
+    </p:extLst>
+  </p:cSld>
+  <p:clrMapOvr>
+    <a:masterClrMapping/>
+  </p:clrMapOvr>
+  <mc:AlternateContent xmlns:mc="http://schemas.openxmlformats.org/markup-compatibility/2006" xmlns:p14="http://schemas.microsoft.com/office/powerpoint/2010/main">
+    <mc:Choice Requires="p14">
+      <p:transition spd="med" p14:dur="700">
+        <p:fade/>
+      </p:transition>
+    </mc:Choice>
+    <mc:Fallback xmlns="">
+      <p:transition spd="med">
+        <p:fade/>
+      </p:transition>
+    </mc:Fallback>
+  </mc:AlternateContent>
+  <p:timing>
+    <p:tnLst>
+      <p:par>
+        <p:cTn id="1" dur="indefinite" restart="never" nodeType="tmRoot"/>
+      </p:par>
+    </p:tnLst>
+  </p:timing>
+</p:sld>
+</file>
+
+<file path=ppt/slides/slide6.xml><?xml version="1.0" encoding="utf-8"?>
+<p:sld xmlns:a="http://schemas.openxmlformats.org/drawingml/2006/main" xmlns:r="http://schemas.openxmlformats.org/officeDocument/2006/relationships" xmlns:p="http://schemas.openxmlformats.org/presentationml/2006/main">
+  <p:cSld>
+    <p:spTree>
+      <p:nvGrpSpPr>
+        <p:cNvPr id="1" name=""/>
+        <p:cNvGrpSpPr/>
+        <p:nvPr/>
+      </p:nvGrpSpPr>
+      <p:grpSpPr>
+        <a:xfrm>
+          <a:off x="0" y="0"/>
+          <a:ext cx="0" cy="0"/>
+          <a:chOff x="0" y="0"/>
+          <a:chExt cx="0" cy="0"/>
+        </a:xfrm>
+      </p:grpSpPr>
+      <p:sp>
+        <p:nvSpPr>
+          <p:cNvPr id="7" name="CasellaDiTesto 6"/>
+          <p:cNvSpPr txBox="1"/>
+          <p:nvPr/>
+        </p:nvSpPr>
+        <p:spPr>
+          <a:xfrm>
+            <a:off x="189756" y="188640"/>
+            <a:ext cx="11449272" cy="707886"/>
+          </a:xfrm>
+          <a:prstGeom prst="rect">
+            <a:avLst/>
+          </a:prstGeom>
+          <a:noFill/>
+        </p:spPr>
+        <p:txBody>
+          <a:bodyPr wrap="square" rtlCol="0">
+            <a:spAutoFit/>
+          </a:bodyPr>
+          <a:lstStyle/>
+          <a:p>
+            <a:r>
+              <a:rPr lang="it-IT" sz="4000" dirty="0" err="1" smtClean="0"/>
+              <a:t>Results</a:t>
+            </a:r>
+            <a:r>
+              <a:rPr lang="it-IT" sz="4000" dirty="0" smtClean="0"/>
+              <a:t> (1/2)</a:t>
+            </a:r>
+            <a:endParaRPr lang="it-IT" sz="4000" dirty="0"/>
+          </a:p>
+        </p:txBody>
+      </p:sp>
+      <p:pic>
+        <p:nvPicPr>
+          <p:cNvPr id="9" name="Immagine 8"/>
+          <p:cNvPicPr>
+            <a:picLocks noChangeAspect="1"/>
+          </p:cNvPicPr>
+          <p:nvPr/>
+        </p:nvPicPr>
+        <p:blipFill>
+          <a:blip r:embed="rId2">
+            <a:extLst>
+              <a:ext uri="{28A0092B-C50C-407E-A947-70E740481C1C}">
+                <a14:useLocalDpi xmlns:a14="http://schemas.microsoft.com/office/drawing/2010/main" val="0"/>
+              </a:ext>
+            </a:extLst>
+          </a:blip>
+          <a:stretch>
+            <a:fillRect/>
+          </a:stretch>
+        </p:blipFill>
+        <p:spPr>
+          <a:xfrm>
+            <a:off x="0" y="820012"/>
+            <a:ext cx="6370738" cy="4778054"/>
+          </a:xfrm>
+          <a:prstGeom prst="rect">
+            <a:avLst/>
+          </a:prstGeom>
+        </p:spPr>
+      </p:pic>
+      <p:pic>
+        <p:nvPicPr>
+          <p:cNvPr id="8" name="Immagine 7"/>
+          <p:cNvPicPr>
+            <a:picLocks noChangeAspect="1"/>
+          </p:cNvPicPr>
+          <p:nvPr/>
+        </p:nvPicPr>
+        <p:blipFill>
+          <a:blip r:embed="rId3">
+            <a:extLst>
+              <a:ext uri="{28A0092B-C50C-407E-A947-70E740481C1C}">
+                <a14:useLocalDpi xmlns:a14="http://schemas.microsoft.com/office/drawing/2010/main" val="0"/>
+              </a:ext>
+            </a:extLst>
+          </a:blip>
+          <a:stretch>
+            <a:fillRect/>
+          </a:stretch>
+        </p:blipFill>
+        <p:spPr>
+          <a:xfrm>
+            <a:off x="5825687" y="798225"/>
+            <a:ext cx="6358392" cy="4768794"/>
+          </a:xfrm>
+          <a:prstGeom prst="rect">
+            <a:avLst/>
+          </a:prstGeom>
+        </p:spPr>
+      </p:pic>
+    </p:spTree>
+    <p:extLst>
+      <p:ext uri="{BB962C8B-B14F-4D97-AF65-F5344CB8AC3E}">
+        <p14:creationId xmlns:p14="http://schemas.microsoft.com/office/powerpoint/2010/main" val="1609069168"/>
+      </p:ext>
+    </p:extLst>
+  </p:cSld>
+  <p:clrMapOvr>
+    <a:masterClrMapping/>
+  </p:clrMapOvr>
+  <mc:AlternateContent xmlns:mc="http://schemas.openxmlformats.org/markup-compatibility/2006" xmlns:p14="http://schemas.microsoft.com/office/powerpoint/2010/main">
+    <mc:Choice Requires="p14">
+      <p:transition spd="med" p14:dur="700">
+        <p:fade/>
+      </p:transition>
+    </mc:Choice>
+    <mc:Fallback xmlns="">
+      <p:transition spd="med">
+        <p:fade/>
+      </p:transition>
+    </mc:Fallback>
+  </mc:AlternateContent>
+  <p:timing>
+    <p:tnLst>
+      <p:par>
+        <p:cTn id="1" dur="indefinite" restart="never" nodeType="tmRoot"/>
+      </p:par>
+    </p:tnLst>
+  </p:timing>
+</p:sld>
+</file>
+
+<file path=ppt/slides/slide7.xml><?xml version="1.0" encoding="utf-8"?>
+<p:sld xmlns:a="http://schemas.openxmlformats.org/drawingml/2006/main" xmlns:r="http://schemas.openxmlformats.org/officeDocument/2006/relationships" xmlns:p="http://schemas.openxmlformats.org/presentationml/2006/main">
+  <p:cSld>
+    <p:spTree>
+      <p:nvGrpSpPr>
+        <p:cNvPr id="1" name=""/>
+        <p:cNvGrpSpPr/>
+        <p:nvPr/>
+      </p:nvGrpSpPr>
+      <p:grpSpPr>
+        <a:xfrm>
+          <a:off x="0" y="0"/>
+          <a:ext cx="0" cy="0"/>
+          <a:chOff x="0" y="0"/>
+          <a:chExt cx="0" cy="0"/>
+        </a:xfrm>
+      </p:grpSpPr>
+      <p:pic>
+        <p:nvPicPr>
+          <p:cNvPr id="7" name="Immagine 6"/>
+          <p:cNvPicPr>
+            <a:picLocks noChangeAspect="1"/>
+          </p:cNvPicPr>
+          <p:nvPr/>
+        </p:nvPicPr>
+        <p:blipFill>
+          <a:blip r:embed="rId2">
+            <a:extLst>
+              <a:ext uri="{28A0092B-C50C-407E-A947-70E740481C1C}">
+                <a14:useLocalDpi xmlns:a14="http://schemas.microsoft.com/office/drawing/2010/main" val="0"/>
+              </a:ext>
+            </a:extLst>
+          </a:blip>
+          <a:stretch>
+            <a:fillRect/>
+          </a:stretch>
+        </p:blipFill>
+        <p:spPr>
+          <a:xfrm>
+            <a:off x="2205980" y="332656"/>
+            <a:ext cx="8008613" cy="6006460"/>
+          </a:xfrm>
+          <a:prstGeom prst="rect">
+            <a:avLst/>
+          </a:prstGeom>
+        </p:spPr>
+      </p:pic>
+      <p:sp>
+        <p:nvSpPr>
+          <p:cNvPr id="4" name="CasellaDiTesto 3"/>
+          <p:cNvSpPr txBox="1"/>
+          <p:nvPr/>
+        </p:nvSpPr>
+        <p:spPr>
+          <a:xfrm>
+            <a:off x="189756" y="188640"/>
+            <a:ext cx="11449272" cy="707886"/>
+          </a:xfrm>
+          <a:prstGeom prst="rect">
+            <a:avLst/>
+          </a:prstGeom>
+          <a:noFill/>
+        </p:spPr>
+        <p:txBody>
+          <a:bodyPr wrap="square" rtlCol="0">
+            <a:spAutoFit/>
+          </a:bodyPr>
+          <a:lstStyle/>
+          <a:p>
+            <a:r>
+              <a:rPr lang="it-IT" sz="4000" dirty="0" err="1" smtClean="0"/>
+              <a:t>Results</a:t>
+            </a:r>
+            <a:r>
+              <a:rPr lang="it-IT" sz="4000" dirty="0" smtClean="0"/>
+              <a:t> (2/2)</a:t>
+            </a:r>
+            <a:endParaRPr lang="it-IT" sz="4000" dirty="0"/>
+          </a:p>
+        </p:txBody>
+      </p:sp>
+    </p:spTree>
+    <p:extLst>
+      <p:ext uri="{BB962C8B-B14F-4D97-AF65-F5344CB8AC3E}">
+        <p14:creationId xmlns:p14="http://schemas.microsoft.com/office/powerpoint/2010/main" val="363939905"/>
+      </p:ext>
+    </p:extLst>
+  </p:cSld>
+  <p:clrMapOvr>
+    <a:masterClrMapping/>
+  </p:clrMapOvr>
+  <mc:AlternateContent xmlns:mc="http://schemas.openxmlformats.org/markup-compatibility/2006" xmlns:p14="http://schemas.microsoft.com/office/powerpoint/2010/main">
+    <mc:Choice Requires="p14">
+      <p:transition spd="med" p14:dur="700">
+        <p:fade/>
+      </p:transition>
+    </mc:Choice>
+    <mc:Fallback xmlns="">
+      <p:transition spd="med">
+        <p:fade/>
+      </p:transition>
+    </mc:Fallback>
+  </mc:AlternateContent>
+  <p:timing>
+    <p:tnLst>
+      <p:par>
+        <p:cTn id="1" dur="indefinite" restart="never" nodeType="tmRoot"/>
+      </p:par>
+    </p:tnLst>
+  </p:timing>
+</p:sld>
+</file>
+
+<file path=ppt/slides/slide8.xml><?xml version="1.0" encoding="utf-8"?>
+<p:sld xmlns:a="http://schemas.openxmlformats.org/drawingml/2006/main" xmlns:r="http://schemas.openxmlformats.org/officeDocument/2006/relationships" xmlns:p="http://schemas.openxmlformats.org/presentationml/2006/main">
+  <p:cSld>
+    <p:spTree>
+      <p:nvGrpSpPr>
+        <p:cNvPr id="1" name=""/>
+        <p:cNvGrpSpPr/>
+        <p:nvPr/>
+      </p:nvGrpSpPr>
+      <p:grpSpPr>
+        <a:xfrm>
+          <a:off x="0" y="0"/>
+          <a:ext cx="0" cy="0"/>
+          <a:chOff x="0" y="0"/>
+          <a:chExt cx="0" cy="0"/>
+        </a:xfrm>
+      </p:grpSpPr>
+      <p:sp>
+        <p:nvSpPr>
+          <p:cNvPr id="4" name="Rettangolo 3"/>
+          <p:cNvSpPr/>
+          <p:nvPr/>
+        </p:nvSpPr>
+        <p:spPr>
+          <a:xfrm>
+            <a:off x="549796" y="332656"/>
+            <a:ext cx="6385722" cy="707886"/>
+          </a:xfrm>
+          <a:prstGeom prst="rect">
+            <a:avLst/>
+          </a:prstGeom>
+        </p:spPr>
+        <p:txBody>
+          <a:bodyPr wrap="none">
+            <a:spAutoFit/>
+          </a:bodyPr>
+          <a:lstStyle/>
+          <a:p>
+            <a:r>
+              <a:rPr lang="it-IT" sz="4000" dirty="0" err="1" smtClean="0"/>
+              <a:t>Why</a:t>
+            </a:r>
+            <a:r>
+              <a:rPr lang="it-IT" sz="4000" dirty="0" smtClean="0"/>
+              <a:t> </a:t>
+            </a:r>
+            <a:r>
+              <a:rPr lang="it-IT" sz="4000" dirty="0" err="1" smtClean="0"/>
+              <a:t>learning</a:t>
+            </a:r>
+            <a:r>
+              <a:rPr lang="it-IT" sz="4000" dirty="0" smtClean="0"/>
+              <a:t> </a:t>
+            </a:r>
+            <a:r>
+              <a:rPr lang="it-IT" sz="4000" dirty="0" err="1" smtClean="0"/>
+              <a:t>fails</a:t>
+            </a:r>
+            <a:r>
+              <a:rPr lang="it-IT" sz="4000" dirty="0" smtClean="0"/>
+              <a:t>: </a:t>
+            </a:r>
+            <a:r>
+              <a:rPr lang="it-IT" sz="4000" dirty="0" err="1" smtClean="0"/>
+              <a:t>hypothesis</a:t>
+            </a:r>
+            <a:endParaRPr lang="it-IT" sz="4000" dirty="0"/>
+          </a:p>
+        </p:txBody>
+      </p:sp>
+      <p:sp>
+        <p:nvSpPr>
+          <p:cNvPr id="5" name="CasellaDiTesto 4"/>
+          <p:cNvSpPr txBox="1"/>
+          <p:nvPr/>
+        </p:nvSpPr>
+        <p:spPr>
+          <a:xfrm>
+            <a:off x="549796" y="1700808"/>
+            <a:ext cx="9793088" cy="1477328"/>
+          </a:xfrm>
+          <a:prstGeom prst="rect">
+            <a:avLst/>
+          </a:prstGeom>
+          <a:noFill/>
+        </p:spPr>
+        <p:txBody>
+          <a:bodyPr wrap="square" rtlCol="0">
+            <a:spAutoFit/>
+          </a:bodyPr>
+          <a:lstStyle/>
+          <a:p>
+            <a:pPr marL="285750" indent="-285750">
+              <a:buFont typeface="Arial" charset="0"/>
+              <a:buChar char="•"/>
+            </a:pPr>
+            <a:r>
+              <a:rPr lang="it-IT" dirty="0" smtClean="0"/>
+              <a:t>Training set </a:t>
+            </a:r>
+            <a:r>
+              <a:rPr lang="it-IT" dirty="0" err="1" smtClean="0"/>
+              <a:t>is</a:t>
+            </a:r>
+            <a:r>
+              <a:rPr lang="it-IT" dirty="0" smtClean="0"/>
+              <a:t> </a:t>
+            </a:r>
+            <a:r>
+              <a:rPr lang="it-IT" dirty="0" err="1" smtClean="0"/>
+              <a:t>not</a:t>
+            </a:r>
+            <a:r>
+              <a:rPr lang="it-IT" dirty="0" smtClean="0"/>
+              <a:t> </a:t>
+            </a:r>
+            <a:r>
+              <a:rPr lang="it-IT" dirty="0" err="1" smtClean="0"/>
+              <a:t>enough</a:t>
+            </a:r>
+            <a:r>
+              <a:rPr lang="it-IT" dirty="0" smtClean="0"/>
+              <a:t> </a:t>
+            </a:r>
+            <a:r>
+              <a:rPr lang="it-IT" dirty="0" err="1" smtClean="0"/>
+              <a:t>representative</a:t>
+            </a:r>
+            <a:endParaRPr lang="it-IT" dirty="0" smtClean="0"/>
+          </a:p>
+          <a:p>
+            <a:pPr marL="285750" indent="-285750">
+              <a:buFont typeface="Arial" charset="0"/>
+              <a:buChar char="•"/>
+            </a:pPr>
+            <a:r>
+              <a:rPr lang="it-IT" dirty="0" err="1" smtClean="0"/>
+              <a:t>Computational</a:t>
+            </a:r>
+            <a:r>
+              <a:rPr lang="it-IT" dirty="0" smtClean="0"/>
+              <a:t> </a:t>
+            </a:r>
+            <a:r>
+              <a:rPr lang="it-IT" dirty="0" err="1" smtClean="0"/>
+              <a:t>contraints</a:t>
+            </a:r>
+            <a:r>
+              <a:rPr lang="it-IT" dirty="0" smtClean="0"/>
+              <a:t> over the </a:t>
+            </a:r>
+            <a:r>
+              <a:rPr lang="it-IT" dirty="0" err="1" smtClean="0"/>
+              <a:t>simulated</a:t>
+            </a:r>
+            <a:r>
+              <a:rPr lang="it-IT" dirty="0" smtClean="0"/>
+              <a:t> scenario</a:t>
+            </a:r>
+          </a:p>
+          <a:p>
+            <a:pPr marL="285750" indent="-285750">
+              <a:buFont typeface="Arial" charset="0"/>
+              <a:buChar char="•"/>
+            </a:pPr>
+            <a:r>
+              <a:rPr lang="it-IT" dirty="0" smtClean="0"/>
+              <a:t>The </a:t>
+            </a:r>
+            <a:r>
+              <a:rPr lang="it-IT" dirty="0" err="1" smtClean="0"/>
+              <a:t>choosen</a:t>
+            </a:r>
+            <a:r>
+              <a:rPr lang="it-IT" dirty="0" smtClean="0"/>
+              <a:t> state </a:t>
+            </a:r>
+            <a:r>
+              <a:rPr lang="it-IT" dirty="0" err="1" smtClean="0"/>
+              <a:t>is</a:t>
+            </a:r>
+            <a:r>
+              <a:rPr lang="it-IT" dirty="0" smtClean="0"/>
+              <a:t> </a:t>
+            </a:r>
+            <a:r>
+              <a:rPr lang="it-IT" dirty="0" err="1" smtClean="0"/>
+              <a:t>not</a:t>
+            </a:r>
+            <a:r>
+              <a:rPr lang="it-IT" dirty="0" smtClean="0"/>
+              <a:t> </a:t>
+            </a:r>
+            <a:r>
+              <a:rPr lang="it-IT" dirty="0" err="1" smtClean="0"/>
+              <a:t>representative</a:t>
+            </a:r>
+            <a:endParaRPr lang="it-IT" dirty="0" smtClean="0"/>
+          </a:p>
+          <a:p>
+            <a:pPr marL="285750" indent="-285750">
+              <a:buFont typeface="Arial" charset="0"/>
+              <a:buChar char="•"/>
+            </a:pPr>
+            <a:r>
+              <a:rPr lang="it-IT" dirty="0" smtClean="0"/>
+              <a:t>The </a:t>
+            </a:r>
+            <a:r>
+              <a:rPr lang="it-IT" dirty="0" err="1" smtClean="0"/>
+              <a:t>reward</a:t>
+            </a:r>
+            <a:r>
+              <a:rPr lang="it-IT" dirty="0" smtClean="0"/>
+              <a:t> </a:t>
+            </a:r>
+            <a:r>
+              <a:rPr lang="it-IT" dirty="0" err="1" smtClean="0"/>
+              <a:t>doesn’t</a:t>
+            </a:r>
+            <a:r>
+              <a:rPr lang="it-IT" dirty="0" smtClean="0"/>
+              <a:t> catch the </a:t>
+            </a:r>
+            <a:r>
+              <a:rPr lang="it-IT" dirty="0" err="1" smtClean="0"/>
+              <a:t>learning</a:t>
+            </a:r>
+            <a:r>
+              <a:rPr lang="it-IT" dirty="0" smtClean="0"/>
+              <a:t> </a:t>
+            </a:r>
+            <a:r>
+              <a:rPr lang="it-IT" dirty="0" err="1" smtClean="0"/>
+              <a:t>problem</a:t>
+            </a:r>
+            <a:endParaRPr lang="it-IT" dirty="0" smtClean="0"/>
+          </a:p>
+          <a:p>
+            <a:pPr marL="285750" indent="-285750">
+              <a:buFont typeface="Arial" charset="0"/>
+              <a:buChar char="•"/>
+            </a:pPr>
+            <a:r>
+              <a:rPr lang="it-IT" dirty="0" err="1" smtClean="0"/>
+              <a:t>Properly</a:t>
+            </a:r>
+            <a:r>
+              <a:rPr lang="it-IT" dirty="0" smtClean="0"/>
+              <a:t> </a:t>
+            </a:r>
+            <a:r>
+              <a:rPr lang="it-IT" dirty="0" err="1" smtClean="0"/>
+              <a:t>parameter</a:t>
+            </a:r>
+            <a:r>
+              <a:rPr lang="it-IT" dirty="0" smtClean="0"/>
+              <a:t> </a:t>
+            </a:r>
+            <a:r>
+              <a:rPr lang="it-IT" dirty="0" err="1" smtClean="0"/>
+              <a:t>selection</a:t>
+            </a:r>
+            <a:endParaRPr lang="it-IT" dirty="0"/>
+          </a:p>
+        </p:txBody>
+      </p:sp>
+    </p:spTree>
+    <p:extLst>
+      <p:ext uri="{BB962C8B-B14F-4D97-AF65-F5344CB8AC3E}">
+        <p14:creationId xmlns:p14="http://schemas.microsoft.com/office/powerpoint/2010/main" val="704556679"/>
+      </p:ext>
+    </p:extLst>
+  </p:cSld>
+  <p:clrMapOvr>
+    <a:masterClrMapping/>
+  </p:clrMapOvr>
+  <mc:AlternateContent xmlns:mc="http://schemas.openxmlformats.org/markup-compatibility/2006" xmlns:p14="http://schemas.microsoft.com/office/powerpoint/2010/main">
+    <mc:Choice Requires="p14">
+      <p:transition spd="med" p14:dur="700">
+        <p:fade/>
+      </p:transition>
+    </mc:Choice>
+    <mc:Fallback xmlns="">
+      <p:transition spd="med">
+        <p:fade/>
+      </p:transition>
+    </mc:Fallback>
+  </mc:AlternateContent>
+  <p:timing>
+    <p:tnLst>
+      <p:par>
+        <p:cTn id="1" dur="indefinite" restart="never" nodeType="tmRoot"/>
+      </p:par>
+    </p:tnLst>
+  </p:timing>
+</p:sld>
+</file>
+
+<file path=ppt/slides/slide9.xml><?xml version="1.0" encoding="utf-8"?>
+<p:sld xmlns:a="http://schemas.openxmlformats.org/drawingml/2006/main" xmlns:r="http://schemas.openxmlformats.org/officeDocument/2006/relationships" xmlns:p="http://schemas.openxmlformats.org/presentationml/2006/main">
+  <p:cSld>
+    <p:spTree>
+      <p:nvGrpSpPr>
+        <p:cNvPr id="1" name=""/>
+        <p:cNvGrpSpPr/>
+        <p:nvPr/>
+      </p:nvGrpSpPr>
+      <p:grpSpPr>
+        <a:xfrm>
+          <a:off x="0" y="0"/>
+          <a:ext cx="0" cy="0"/>
+          <a:chOff x="0" y="0"/>
+          <a:chExt cx="0" cy="0"/>
+        </a:xfrm>
+      </p:grpSpPr>
+      <p:sp>
+        <p:nvSpPr>
+          <p:cNvPr id="2" name="Titolo 1"/>
+          <p:cNvSpPr>
+            <a:spLocks noGrp="1"/>
+          </p:cNvSpPr>
+          <p:nvPr>
+            <p:ph type="title"/>
+          </p:nvPr>
+        </p:nvSpPr>
+        <p:spPr>
+          <a:xfrm>
+            <a:off x="477788" y="32853"/>
+            <a:ext cx="10512862" cy="1325563"/>
+          </a:xfrm>
+        </p:spPr>
+        <p:txBody>
+          <a:bodyPr>
+            <a:normAutofit/>
+          </a:bodyPr>
+          <a:lstStyle/>
+          <a:p>
+            <a:r>
+              <a:rPr lang="it-IT" sz="4000" dirty="0" err="1" smtClean="0"/>
+              <a:t>Conclusions</a:t>
+            </a:r>
+            <a:r>
+              <a:rPr lang="it-IT" sz="4000" dirty="0" smtClean="0"/>
+              <a:t> and future work</a:t>
+            </a:r>
+            <a:endParaRPr lang="it-IT" sz="4000" dirty="0"/>
+          </a:p>
+        </p:txBody>
+      </p:sp>
+      <p:sp>
+        <p:nvSpPr>
+          <p:cNvPr id="3" name="Segnaposto contenuto 2"/>
+          <p:cNvSpPr>
+            <a:spLocks noGrp="1"/>
+          </p:cNvSpPr>
+          <p:nvPr>
+            <p:ph idx="1"/>
+          </p:nvPr>
+        </p:nvSpPr>
+        <p:spPr>
+          <a:xfrm>
+            <a:off x="837982" y="1825625"/>
+            <a:ext cx="10512862" cy="1243335"/>
+          </a:xfrm>
+        </p:spPr>
+        <p:txBody>
+          <a:bodyPr/>
+          <a:lstStyle/>
+          <a:p>
+            <a:r>
+              <a:rPr lang="it-IT" dirty="0" smtClean="0"/>
+              <a:t>First </a:t>
+            </a:r>
+            <a:r>
+              <a:rPr lang="it-IT" dirty="0" err="1" smtClean="0"/>
+              <a:t>attempt</a:t>
+            </a:r>
+            <a:r>
+              <a:rPr lang="it-IT" dirty="0" smtClean="0"/>
+              <a:t> of ABS </a:t>
+            </a:r>
+            <a:r>
+              <a:rPr lang="it-IT" dirty="0" err="1" smtClean="0"/>
+              <a:t>optimization</a:t>
+            </a:r>
+            <a:endParaRPr lang="it-IT" dirty="0" smtClean="0"/>
+          </a:p>
+          <a:p>
+            <a:r>
+              <a:rPr lang="it-IT" dirty="0" err="1" smtClean="0"/>
+              <a:t>Stranger</a:t>
+            </a:r>
+            <a:r>
+              <a:rPr lang="it-IT" dirty="0" smtClean="0"/>
+              <a:t> </a:t>
+            </a:r>
+            <a:r>
+              <a:rPr lang="it-IT" dirty="0" err="1" smtClean="0"/>
+              <a:t>results</a:t>
+            </a:r>
+            <a:endParaRPr lang="it-IT" dirty="0" smtClean="0"/>
+          </a:p>
+          <a:p>
+            <a:endParaRPr lang="it-IT" dirty="0"/>
+          </a:p>
+        </p:txBody>
+      </p:sp>
+      <p:sp>
+        <p:nvSpPr>
+          <p:cNvPr id="4" name="CasellaDiTesto 3"/>
+          <p:cNvSpPr txBox="1"/>
+          <p:nvPr/>
+        </p:nvSpPr>
+        <p:spPr>
+          <a:xfrm>
+            <a:off x="693812" y="3501008"/>
+            <a:ext cx="10296838" cy="923330"/>
+          </a:xfrm>
+          <a:prstGeom prst="rect">
+            <a:avLst/>
+          </a:prstGeom>
+          <a:noFill/>
+        </p:spPr>
+        <p:txBody>
+          <a:bodyPr wrap="square" rtlCol="0">
+            <a:spAutoFit/>
+          </a:bodyPr>
+          <a:lstStyle/>
+          <a:p>
+            <a:r>
+              <a:rPr lang="it-IT" dirty="0" smtClean="0"/>
+              <a:t>Re-</a:t>
+            </a:r>
+            <a:r>
+              <a:rPr lang="it-IT" dirty="0" err="1" smtClean="0"/>
+              <a:t>modelization</a:t>
+            </a:r>
+            <a:r>
+              <a:rPr lang="it-IT" dirty="0" smtClean="0"/>
+              <a:t> of the </a:t>
+            </a:r>
+            <a:r>
+              <a:rPr lang="it-IT" dirty="0" err="1" smtClean="0"/>
+              <a:t>problem</a:t>
+            </a:r>
+            <a:endParaRPr lang="it-IT" dirty="0" smtClean="0"/>
+          </a:p>
+          <a:p>
+            <a:r>
+              <a:rPr lang="it-IT" dirty="0" err="1" smtClean="0"/>
+              <a:t>Parameter</a:t>
+            </a:r>
+            <a:r>
+              <a:rPr lang="it-IT" dirty="0" smtClean="0"/>
+              <a:t> </a:t>
+            </a:r>
+            <a:r>
+              <a:rPr lang="it-IT" dirty="0" err="1" smtClean="0"/>
+              <a:t>selection</a:t>
+            </a:r>
+            <a:endParaRPr lang="it-IT" dirty="0" smtClean="0"/>
+          </a:p>
+          <a:p>
+            <a:r>
+              <a:rPr lang="it-IT" dirty="0" err="1" smtClean="0"/>
+              <a:t>Deep</a:t>
+            </a:r>
+            <a:r>
+              <a:rPr lang="it-IT" dirty="0" smtClean="0"/>
+              <a:t> </a:t>
+            </a:r>
+            <a:r>
+              <a:rPr lang="it-IT" dirty="0" err="1" smtClean="0"/>
+              <a:t>Q-learning</a:t>
+            </a:r>
+            <a:endParaRPr lang="it-IT" dirty="0"/>
+          </a:p>
+        </p:txBody>
+      </p:sp>
+    </p:spTree>
+    <p:extLst>
+      <p:ext uri="{BB962C8B-B14F-4D97-AF65-F5344CB8AC3E}">
+        <p14:creationId xmlns:p14="http://schemas.microsoft.com/office/powerpoint/2010/main" val="1655489371"/>
+      </p:ext>
+    </p:extLst>
+  </p:cSld>
+  <p:clrMapOvr>
+    <a:masterClrMapping/>
+  </p:clrMapOvr>
+  <mc:AlternateContent xmlns:mc="http://schemas.openxmlformats.org/markup-compatibility/2006">
+    <mc:Choice xmlns:p14="http://schemas.microsoft.com/office/powerpoint/2010/main" Requires="p14">
+      <p:transition spd="med" p14:dur="700">
+        <p:fade/>
+      </p:transition>
+    </mc:Choice>
+    <mc:Fallback>
       <p:transition spd="med">
         <p:fade/>
       </p:transition>
